--- a/EDM/distributed_platforms.pptx
+++ b/EDM/distributed_platforms.pptx
@@ -5,7 +5,7 @@
     <p:sldMasterId id="2147483648" r:id="rId1"/>
   </p:sldMasterIdLst>
   <p:notesMasterIdLst>
-    <p:notesMasterId r:id="rId47"/>
+    <p:notesMasterId r:id="rId49"/>
   </p:notesMasterIdLst>
   <p:sldIdLst>
     <p:sldId id="256" r:id="rId2"/>
@@ -32,10 +32,10 @@
     <p:sldId id="284" r:id="rId23"/>
     <p:sldId id="303" r:id="rId24"/>
     <p:sldId id="286" r:id="rId25"/>
-    <p:sldId id="287" r:id="rId26"/>
-    <p:sldId id="293" r:id="rId27"/>
-    <p:sldId id="294" r:id="rId28"/>
-    <p:sldId id="292" r:id="rId29"/>
+    <p:sldId id="293" r:id="rId26"/>
+    <p:sldId id="294" r:id="rId27"/>
+    <p:sldId id="287" r:id="rId28"/>
+    <p:sldId id="309" r:id="rId29"/>
     <p:sldId id="291" r:id="rId30"/>
     <p:sldId id="307" r:id="rId31"/>
     <p:sldId id="308" r:id="rId32"/>
@@ -49,10 +49,12 @@
     <p:sldId id="301" r:id="rId40"/>
     <p:sldId id="300" r:id="rId41"/>
     <p:sldId id="306" r:id="rId42"/>
-    <p:sldId id="260" r:id="rId43"/>
-    <p:sldId id="305" r:id="rId44"/>
-    <p:sldId id="302" r:id="rId45"/>
-    <p:sldId id="263" r:id="rId46"/>
+    <p:sldId id="310" r:id="rId43"/>
+    <p:sldId id="260" r:id="rId44"/>
+    <p:sldId id="305" r:id="rId45"/>
+    <p:sldId id="311" r:id="rId46"/>
+    <p:sldId id="302" r:id="rId47"/>
+    <p:sldId id="263" r:id="rId48"/>
   </p:sldIdLst>
   <p:sldSz cx="12192000" cy="6858000"/>
   <p:notesSz cx="6858000" cy="9144000"/>
@@ -241,7 +243,7 @@
           <a:p>
             <a:fld id="{72AEC870-A235-425E-8B83-A0CC5142C63A}" type="datetimeFigureOut">
               <a:rPr lang="zh-TW" altLang="en-US" smtClean="0"/>
-              <a:t>2023/12/5</a:t>
+              <a:t>2025/12/9</a:t>
             </a:fld>
             <a:endParaRPr lang="zh-TW" altLang="en-US"/>
           </a:p>
@@ -305,38 +307,37 @@
           <a:p>
             <a:pPr lvl="0"/>
             <a:r>
-              <a:rPr lang="zh-TW" altLang="en-US" smtClean="0"/>
+              <a:rPr lang="zh-TW" altLang="en-US"/>
               <a:t>按一下以編輯母片文字樣式</a:t>
             </a:r>
           </a:p>
           <a:p>
             <a:pPr lvl="1"/>
             <a:r>
-              <a:rPr lang="zh-TW" altLang="en-US" smtClean="0"/>
+              <a:rPr lang="zh-TW" altLang="en-US"/>
               <a:t>第二層</a:t>
             </a:r>
           </a:p>
           <a:p>
             <a:pPr lvl="2"/>
             <a:r>
-              <a:rPr lang="zh-TW" altLang="en-US" smtClean="0"/>
+              <a:rPr lang="zh-TW" altLang="en-US"/>
               <a:t>第三層</a:t>
             </a:r>
           </a:p>
           <a:p>
             <a:pPr lvl="3"/>
             <a:r>
-              <a:rPr lang="zh-TW" altLang="en-US" smtClean="0"/>
+              <a:rPr lang="zh-TW" altLang="en-US"/>
               <a:t>第四層</a:t>
             </a:r>
           </a:p>
           <a:p>
             <a:pPr lvl="4"/>
             <a:r>
-              <a:rPr lang="zh-TW" altLang="en-US" smtClean="0"/>
+              <a:rPr lang="zh-TW" altLang="en-US"/>
               <a:t>第五層</a:t>
             </a:r>
-            <a:endParaRPr lang="zh-TW" altLang="en-US"/>
           </a:p>
         </p:txBody>
       </p:sp>
@@ -813,10 +814,9 @@
           </a:lstStyle>
           <a:p>
             <a:r>
-              <a:rPr lang="zh-TW" altLang="en-US" smtClean="0"/>
+              <a:rPr lang="zh-TW" altLang="en-US"/>
               <a:t>按一下以編輯母片標題樣式</a:t>
             </a:r>
-            <a:endParaRPr lang="zh-TW" altLang="en-US"/>
           </a:p>
         </p:txBody>
       </p:sp>
@@ -878,10 +878,9 @@
           </a:lstStyle>
           <a:p>
             <a:r>
-              <a:rPr lang="zh-TW" altLang="en-US" smtClean="0"/>
+              <a:rPr lang="zh-TW" altLang="en-US"/>
               <a:t>按一下以編輯母片副標題樣式</a:t>
             </a:r>
-            <a:endParaRPr lang="zh-TW" altLang="en-US"/>
           </a:p>
         </p:txBody>
       </p:sp>
@@ -901,8 +900,8 @@
           <a:lstStyle/>
           <a:p>
             <a:r>
-              <a:rPr lang="en-US" altLang="zh-TW" smtClean="0"/>
-              <a:t>Educational Data Mining and Applications, Fall 2023</a:t>
+              <a:rPr lang="en-US" altLang="zh-TW"/>
+              <a:t>Educational Data Mining and Applications, Fall 2025</a:t>
             </a:r>
             <a:endParaRPr lang="zh-TW" altLang="en-US"/>
           </a:p>
@@ -924,7 +923,7 @@
           <a:lstStyle/>
           <a:p>
             <a:r>
-              <a:rPr lang="en-US" altLang="zh-TW" smtClean="0"/>
+              <a:rPr lang="en-US" altLang="zh-TW"/>
               <a:t>NTUT CSIE</a:t>
             </a:r>
             <a:endParaRPr lang="zh-TW" altLang="en-US"/>
@@ -1000,10 +999,9 @@
           <a:lstStyle/>
           <a:p>
             <a:r>
-              <a:rPr lang="zh-TW" altLang="en-US" smtClean="0"/>
+              <a:rPr lang="zh-TW" altLang="en-US"/>
               <a:t>按一下以編輯母片標題樣式</a:t>
             </a:r>
-            <a:endParaRPr lang="zh-TW" altLang="en-US"/>
           </a:p>
         </p:txBody>
       </p:sp>
@@ -1024,38 +1022,37 @@
           <a:p>
             <a:pPr lvl="0"/>
             <a:r>
-              <a:rPr lang="zh-TW" altLang="en-US" smtClean="0"/>
+              <a:rPr lang="zh-TW" altLang="en-US"/>
               <a:t>按一下以編輯母片文字樣式</a:t>
             </a:r>
           </a:p>
           <a:p>
             <a:pPr lvl="1"/>
             <a:r>
-              <a:rPr lang="zh-TW" altLang="en-US" smtClean="0"/>
+              <a:rPr lang="zh-TW" altLang="en-US"/>
               <a:t>第二層</a:t>
             </a:r>
           </a:p>
           <a:p>
             <a:pPr lvl="2"/>
             <a:r>
-              <a:rPr lang="zh-TW" altLang="en-US" smtClean="0"/>
+              <a:rPr lang="zh-TW" altLang="en-US"/>
               <a:t>第三層</a:t>
             </a:r>
           </a:p>
           <a:p>
             <a:pPr lvl="3"/>
             <a:r>
-              <a:rPr lang="zh-TW" altLang="en-US" smtClean="0"/>
+              <a:rPr lang="zh-TW" altLang="en-US"/>
               <a:t>第四層</a:t>
             </a:r>
           </a:p>
           <a:p>
             <a:pPr lvl="4"/>
             <a:r>
-              <a:rPr lang="zh-TW" altLang="en-US" smtClean="0"/>
+              <a:rPr lang="zh-TW" altLang="en-US"/>
               <a:t>第五層</a:t>
             </a:r>
-            <a:endParaRPr lang="zh-TW" altLang="en-US"/>
           </a:p>
         </p:txBody>
       </p:sp>
@@ -1075,8 +1072,8 @@
           <a:lstStyle/>
           <a:p>
             <a:r>
-              <a:rPr lang="en-US" altLang="zh-TW" smtClean="0"/>
-              <a:t>Educational Data Mining and Applications, Fall 2023</a:t>
+              <a:rPr lang="en-US" altLang="zh-TW"/>
+              <a:t>Educational Data Mining and Applications, Fall 2025</a:t>
             </a:r>
             <a:endParaRPr lang="zh-TW" altLang="en-US"/>
           </a:p>
@@ -1098,7 +1095,7 @@
           <a:lstStyle/>
           <a:p>
             <a:r>
-              <a:rPr lang="en-US" altLang="zh-TW" smtClean="0"/>
+              <a:rPr lang="en-US" altLang="zh-TW"/>
               <a:t>NTUT CSIE</a:t>
             </a:r>
             <a:endParaRPr lang="zh-TW" altLang="en-US"/>
@@ -1179,10 +1176,9 @@
           <a:lstStyle/>
           <a:p>
             <a:r>
-              <a:rPr lang="zh-TW" altLang="en-US" smtClean="0"/>
+              <a:rPr lang="zh-TW" altLang="en-US"/>
               <a:t>按一下以編輯母片標題樣式</a:t>
             </a:r>
-            <a:endParaRPr lang="zh-TW" altLang="en-US"/>
           </a:p>
         </p:txBody>
       </p:sp>
@@ -1208,38 +1204,37 @@
           <a:p>
             <a:pPr lvl="0"/>
             <a:r>
-              <a:rPr lang="zh-TW" altLang="en-US" smtClean="0"/>
+              <a:rPr lang="zh-TW" altLang="en-US"/>
               <a:t>按一下以編輯母片文字樣式</a:t>
             </a:r>
           </a:p>
           <a:p>
             <a:pPr lvl="1"/>
             <a:r>
-              <a:rPr lang="zh-TW" altLang="en-US" smtClean="0"/>
+              <a:rPr lang="zh-TW" altLang="en-US"/>
               <a:t>第二層</a:t>
             </a:r>
           </a:p>
           <a:p>
             <a:pPr lvl="2"/>
             <a:r>
-              <a:rPr lang="zh-TW" altLang="en-US" smtClean="0"/>
+              <a:rPr lang="zh-TW" altLang="en-US"/>
               <a:t>第三層</a:t>
             </a:r>
           </a:p>
           <a:p>
             <a:pPr lvl="3"/>
             <a:r>
-              <a:rPr lang="zh-TW" altLang="en-US" smtClean="0"/>
+              <a:rPr lang="zh-TW" altLang="en-US"/>
               <a:t>第四層</a:t>
             </a:r>
           </a:p>
           <a:p>
             <a:pPr lvl="4"/>
             <a:r>
-              <a:rPr lang="zh-TW" altLang="en-US" smtClean="0"/>
+              <a:rPr lang="zh-TW" altLang="en-US"/>
               <a:t>第五層</a:t>
             </a:r>
-            <a:endParaRPr lang="zh-TW" altLang="en-US"/>
           </a:p>
         </p:txBody>
       </p:sp>
@@ -1259,8 +1254,8 @@
           <a:lstStyle/>
           <a:p>
             <a:r>
-              <a:rPr lang="en-US" altLang="zh-TW" smtClean="0"/>
-              <a:t>Educational Data Mining and Applications, Fall 2023</a:t>
+              <a:rPr lang="en-US" altLang="zh-TW"/>
+              <a:t>Educational Data Mining and Applications, Fall 2025</a:t>
             </a:r>
             <a:endParaRPr lang="zh-TW" altLang="en-US"/>
           </a:p>
@@ -1282,7 +1277,7 @@
           <a:lstStyle/>
           <a:p>
             <a:r>
-              <a:rPr lang="en-US" altLang="zh-TW" smtClean="0"/>
+              <a:rPr lang="en-US" altLang="zh-TW"/>
               <a:t>NTUT CSIE</a:t>
             </a:r>
             <a:endParaRPr lang="zh-TW" altLang="en-US"/>
@@ -1358,10 +1353,9 @@
           <a:lstStyle/>
           <a:p>
             <a:r>
-              <a:rPr lang="zh-TW" altLang="en-US" smtClean="0"/>
+              <a:rPr lang="zh-TW" altLang="en-US"/>
               <a:t>按一下以編輯母片標題樣式</a:t>
             </a:r>
-            <a:endParaRPr lang="zh-TW" altLang="en-US"/>
           </a:p>
         </p:txBody>
       </p:sp>
@@ -1382,38 +1376,37 @@
           <a:p>
             <a:pPr lvl="0"/>
             <a:r>
-              <a:rPr lang="zh-TW" altLang="en-US" smtClean="0"/>
+              <a:rPr lang="zh-TW" altLang="en-US"/>
               <a:t>按一下以編輯母片文字樣式</a:t>
             </a:r>
           </a:p>
           <a:p>
             <a:pPr lvl="1"/>
             <a:r>
-              <a:rPr lang="zh-TW" altLang="en-US" smtClean="0"/>
+              <a:rPr lang="zh-TW" altLang="en-US"/>
               <a:t>第二層</a:t>
             </a:r>
           </a:p>
           <a:p>
             <a:pPr lvl="2"/>
             <a:r>
-              <a:rPr lang="zh-TW" altLang="en-US" smtClean="0"/>
+              <a:rPr lang="zh-TW" altLang="en-US"/>
               <a:t>第三層</a:t>
             </a:r>
           </a:p>
           <a:p>
             <a:pPr lvl="3"/>
             <a:r>
-              <a:rPr lang="zh-TW" altLang="en-US" smtClean="0"/>
+              <a:rPr lang="zh-TW" altLang="en-US"/>
               <a:t>第四層</a:t>
             </a:r>
           </a:p>
           <a:p>
             <a:pPr lvl="4"/>
             <a:r>
-              <a:rPr lang="zh-TW" altLang="en-US" smtClean="0"/>
+              <a:rPr lang="zh-TW" altLang="en-US"/>
               <a:t>第五層</a:t>
             </a:r>
-            <a:endParaRPr lang="zh-TW" altLang="en-US"/>
           </a:p>
         </p:txBody>
       </p:sp>
@@ -1433,8 +1426,8 @@
           <a:lstStyle/>
           <a:p>
             <a:r>
-              <a:rPr lang="en-US" altLang="zh-TW" smtClean="0"/>
-              <a:t>Educational Data Mining and Applications, Fall 2023</a:t>
+              <a:rPr lang="en-US" altLang="zh-TW"/>
+              <a:t>Educational Data Mining and Applications, Fall 2025</a:t>
             </a:r>
             <a:endParaRPr lang="zh-TW" altLang="en-US"/>
           </a:p>
@@ -1456,7 +1449,7 @@
           <a:lstStyle/>
           <a:p>
             <a:r>
-              <a:rPr lang="en-US" altLang="zh-TW" smtClean="0"/>
+              <a:rPr lang="en-US" altLang="zh-TW"/>
               <a:t>NTUT CSIE</a:t>
             </a:r>
             <a:endParaRPr lang="zh-TW" altLang="en-US"/>
@@ -1541,10 +1534,9 @@
           </a:lstStyle>
           <a:p>
             <a:r>
-              <a:rPr lang="zh-TW" altLang="en-US" smtClean="0"/>
+              <a:rPr lang="zh-TW" altLang="en-US"/>
               <a:t>按一下以編輯母片標題樣式</a:t>
             </a:r>
-            <a:endParaRPr lang="zh-TW" altLang="en-US"/>
           </a:p>
         </p:txBody>
       </p:sp>
@@ -1661,7 +1653,7 @@
           <a:p>
             <a:pPr lvl="0"/>
             <a:r>
-              <a:rPr lang="zh-TW" altLang="en-US" smtClean="0"/>
+              <a:rPr lang="zh-TW" altLang="en-US"/>
               <a:t>按一下以編輯母片文字樣式</a:t>
             </a:r>
           </a:p>
@@ -1683,8 +1675,8 @@
           <a:lstStyle/>
           <a:p>
             <a:r>
-              <a:rPr lang="en-US" altLang="zh-TW" smtClean="0"/>
-              <a:t>Educational Data Mining and Applications, Fall 2023</a:t>
+              <a:rPr lang="en-US" altLang="zh-TW"/>
+              <a:t>Educational Data Mining and Applications, Fall 2025</a:t>
             </a:r>
             <a:endParaRPr lang="zh-TW" altLang="en-US"/>
           </a:p>
@@ -1706,7 +1698,7 @@
           <a:lstStyle/>
           <a:p>
             <a:r>
-              <a:rPr lang="en-US" altLang="zh-TW" smtClean="0"/>
+              <a:rPr lang="en-US" altLang="zh-TW"/>
               <a:t>NTUT CSIE</a:t>
             </a:r>
             <a:endParaRPr lang="zh-TW" altLang="en-US"/>
@@ -1782,10 +1774,9 @@
           <a:lstStyle/>
           <a:p>
             <a:r>
-              <a:rPr lang="zh-TW" altLang="en-US" smtClean="0"/>
+              <a:rPr lang="zh-TW" altLang="en-US"/>
               <a:t>按一下以編輯母片標題樣式</a:t>
             </a:r>
-            <a:endParaRPr lang="zh-TW" altLang="en-US"/>
           </a:p>
         </p:txBody>
       </p:sp>
@@ -1811,38 +1802,37 @@
           <a:p>
             <a:pPr lvl="0"/>
             <a:r>
-              <a:rPr lang="zh-TW" altLang="en-US" smtClean="0"/>
+              <a:rPr lang="zh-TW" altLang="en-US"/>
               <a:t>按一下以編輯母片文字樣式</a:t>
             </a:r>
           </a:p>
           <a:p>
             <a:pPr lvl="1"/>
             <a:r>
-              <a:rPr lang="zh-TW" altLang="en-US" smtClean="0"/>
+              <a:rPr lang="zh-TW" altLang="en-US"/>
               <a:t>第二層</a:t>
             </a:r>
           </a:p>
           <a:p>
             <a:pPr lvl="2"/>
             <a:r>
-              <a:rPr lang="zh-TW" altLang="en-US" smtClean="0"/>
+              <a:rPr lang="zh-TW" altLang="en-US"/>
               <a:t>第三層</a:t>
             </a:r>
           </a:p>
           <a:p>
             <a:pPr lvl="3"/>
             <a:r>
-              <a:rPr lang="zh-TW" altLang="en-US" smtClean="0"/>
+              <a:rPr lang="zh-TW" altLang="en-US"/>
               <a:t>第四層</a:t>
             </a:r>
           </a:p>
           <a:p>
             <a:pPr lvl="4"/>
             <a:r>
-              <a:rPr lang="zh-TW" altLang="en-US" smtClean="0"/>
+              <a:rPr lang="zh-TW" altLang="en-US"/>
               <a:t>第五層</a:t>
             </a:r>
-            <a:endParaRPr lang="zh-TW" altLang="en-US"/>
           </a:p>
         </p:txBody>
       </p:sp>
@@ -1868,38 +1858,37 @@
           <a:p>
             <a:pPr lvl="0"/>
             <a:r>
-              <a:rPr lang="zh-TW" altLang="en-US" smtClean="0"/>
+              <a:rPr lang="zh-TW" altLang="en-US"/>
               <a:t>按一下以編輯母片文字樣式</a:t>
             </a:r>
           </a:p>
           <a:p>
             <a:pPr lvl="1"/>
             <a:r>
-              <a:rPr lang="zh-TW" altLang="en-US" smtClean="0"/>
+              <a:rPr lang="zh-TW" altLang="en-US"/>
               <a:t>第二層</a:t>
             </a:r>
           </a:p>
           <a:p>
             <a:pPr lvl="2"/>
             <a:r>
-              <a:rPr lang="zh-TW" altLang="en-US" smtClean="0"/>
+              <a:rPr lang="zh-TW" altLang="en-US"/>
               <a:t>第三層</a:t>
             </a:r>
           </a:p>
           <a:p>
             <a:pPr lvl="3"/>
             <a:r>
-              <a:rPr lang="zh-TW" altLang="en-US" smtClean="0"/>
+              <a:rPr lang="zh-TW" altLang="en-US"/>
               <a:t>第四層</a:t>
             </a:r>
           </a:p>
           <a:p>
             <a:pPr lvl="4"/>
             <a:r>
-              <a:rPr lang="zh-TW" altLang="en-US" smtClean="0"/>
+              <a:rPr lang="zh-TW" altLang="en-US"/>
               <a:t>第五層</a:t>
             </a:r>
-            <a:endParaRPr lang="zh-TW" altLang="en-US"/>
           </a:p>
         </p:txBody>
       </p:sp>
@@ -1919,8 +1908,8 @@
           <a:lstStyle/>
           <a:p>
             <a:r>
-              <a:rPr lang="en-US" altLang="zh-TW" smtClean="0"/>
-              <a:t>Educational Data Mining and Applications, Fall 2023</a:t>
+              <a:rPr lang="en-US" altLang="zh-TW"/>
+              <a:t>Educational Data Mining and Applications, Fall 2025</a:t>
             </a:r>
             <a:endParaRPr lang="zh-TW" altLang="en-US"/>
           </a:p>
@@ -1942,7 +1931,7 @@
           <a:lstStyle/>
           <a:p>
             <a:r>
-              <a:rPr lang="en-US" altLang="zh-TW" smtClean="0"/>
+              <a:rPr lang="en-US" altLang="zh-TW"/>
               <a:t>NTUT CSIE</a:t>
             </a:r>
             <a:endParaRPr lang="zh-TW" altLang="en-US"/>
@@ -2023,10 +2012,9 @@
           <a:lstStyle/>
           <a:p>
             <a:r>
-              <a:rPr lang="zh-TW" altLang="en-US" smtClean="0"/>
+              <a:rPr lang="zh-TW" altLang="en-US"/>
               <a:t>按一下以編輯母片標題樣式</a:t>
             </a:r>
-            <a:endParaRPr lang="zh-TW" altLang="en-US"/>
           </a:p>
         </p:txBody>
       </p:sp>
@@ -2089,7 +2077,7 @@
           <a:p>
             <a:pPr lvl="0"/>
             <a:r>
-              <a:rPr lang="zh-TW" altLang="en-US" smtClean="0"/>
+              <a:rPr lang="zh-TW" altLang="en-US"/>
               <a:t>按一下以編輯母片文字樣式</a:t>
             </a:r>
           </a:p>
@@ -2117,38 +2105,37 @@
           <a:p>
             <a:pPr lvl="0"/>
             <a:r>
-              <a:rPr lang="zh-TW" altLang="en-US" smtClean="0"/>
+              <a:rPr lang="zh-TW" altLang="en-US"/>
               <a:t>按一下以編輯母片文字樣式</a:t>
             </a:r>
           </a:p>
           <a:p>
             <a:pPr lvl="1"/>
             <a:r>
-              <a:rPr lang="zh-TW" altLang="en-US" smtClean="0"/>
+              <a:rPr lang="zh-TW" altLang="en-US"/>
               <a:t>第二層</a:t>
             </a:r>
           </a:p>
           <a:p>
             <a:pPr lvl="2"/>
             <a:r>
-              <a:rPr lang="zh-TW" altLang="en-US" smtClean="0"/>
+              <a:rPr lang="zh-TW" altLang="en-US"/>
               <a:t>第三層</a:t>
             </a:r>
           </a:p>
           <a:p>
             <a:pPr lvl="3"/>
             <a:r>
-              <a:rPr lang="zh-TW" altLang="en-US" smtClean="0"/>
+              <a:rPr lang="zh-TW" altLang="en-US"/>
               <a:t>第四層</a:t>
             </a:r>
           </a:p>
           <a:p>
             <a:pPr lvl="4"/>
             <a:r>
-              <a:rPr lang="zh-TW" altLang="en-US" smtClean="0"/>
+              <a:rPr lang="zh-TW" altLang="en-US"/>
               <a:t>第五層</a:t>
             </a:r>
-            <a:endParaRPr lang="zh-TW" altLang="en-US"/>
           </a:p>
         </p:txBody>
       </p:sp>
@@ -2211,7 +2198,7 @@
           <a:p>
             <a:pPr lvl="0"/>
             <a:r>
-              <a:rPr lang="zh-TW" altLang="en-US" smtClean="0"/>
+              <a:rPr lang="zh-TW" altLang="en-US"/>
               <a:t>按一下以編輯母片文字樣式</a:t>
             </a:r>
           </a:p>
@@ -2239,38 +2226,37 @@
           <a:p>
             <a:pPr lvl="0"/>
             <a:r>
-              <a:rPr lang="zh-TW" altLang="en-US" smtClean="0"/>
+              <a:rPr lang="zh-TW" altLang="en-US"/>
               <a:t>按一下以編輯母片文字樣式</a:t>
             </a:r>
           </a:p>
           <a:p>
             <a:pPr lvl="1"/>
             <a:r>
-              <a:rPr lang="zh-TW" altLang="en-US" smtClean="0"/>
+              <a:rPr lang="zh-TW" altLang="en-US"/>
               <a:t>第二層</a:t>
             </a:r>
           </a:p>
           <a:p>
             <a:pPr lvl="2"/>
             <a:r>
-              <a:rPr lang="zh-TW" altLang="en-US" smtClean="0"/>
+              <a:rPr lang="zh-TW" altLang="en-US"/>
               <a:t>第三層</a:t>
             </a:r>
           </a:p>
           <a:p>
             <a:pPr lvl="3"/>
             <a:r>
-              <a:rPr lang="zh-TW" altLang="en-US" smtClean="0"/>
+              <a:rPr lang="zh-TW" altLang="en-US"/>
               <a:t>第四層</a:t>
             </a:r>
           </a:p>
           <a:p>
             <a:pPr lvl="4"/>
             <a:r>
-              <a:rPr lang="zh-TW" altLang="en-US" smtClean="0"/>
+              <a:rPr lang="zh-TW" altLang="en-US"/>
               <a:t>第五層</a:t>
             </a:r>
-            <a:endParaRPr lang="zh-TW" altLang="en-US"/>
           </a:p>
         </p:txBody>
       </p:sp>
@@ -2290,8 +2276,8 @@
           <a:lstStyle/>
           <a:p>
             <a:r>
-              <a:rPr lang="en-US" altLang="zh-TW" smtClean="0"/>
-              <a:t>Educational Data Mining and Applications, Fall 2023</a:t>
+              <a:rPr lang="en-US" altLang="zh-TW"/>
+              <a:t>Educational Data Mining and Applications, Fall 2025</a:t>
             </a:r>
             <a:endParaRPr lang="zh-TW" altLang="en-US"/>
           </a:p>
@@ -2313,7 +2299,7 @@
           <a:lstStyle/>
           <a:p>
             <a:r>
-              <a:rPr lang="en-US" altLang="zh-TW" smtClean="0"/>
+              <a:rPr lang="en-US" altLang="zh-TW"/>
               <a:t>NTUT CSIE</a:t>
             </a:r>
             <a:endParaRPr lang="zh-TW" altLang="en-US"/>
@@ -2389,10 +2375,9 @@
           <a:lstStyle/>
           <a:p>
             <a:r>
-              <a:rPr lang="zh-TW" altLang="en-US" smtClean="0"/>
+              <a:rPr lang="zh-TW" altLang="en-US"/>
               <a:t>按一下以編輯母片標題樣式</a:t>
             </a:r>
-            <a:endParaRPr lang="zh-TW" altLang="en-US"/>
           </a:p>
         </p:txBody>
       </p:sp>
@@ -2412,8 +2397,8 @@
           <a:lstStyle/>
           <a:p>
             <a:r>
-              <a:rPr lang="en-US" altLang="zh-TW" smtClean="0"/>
-              <a:t>Educational Data Mining and Applications, Fall 2023</a:t>
+              <a:rPr lang="en-US" altLang="zh-TW"/>
+              <a:t>Educational Data Mining and Applications, Fall 2025</a:t>
             </a:r>
             <a:endParaRPr lang="zh-TW" altLang="en-US"/>
           </a:p>
@@ -2435,7 +2420,7 @@
           <a:lstStyle/>
           <a:p>
             <a:r>
-              <a:rPr lang="en-US" altLang="zh-TW" smtClean="0"/>
+              <a:rPr lang="en-US" altLang="zh-TW"/>
               <a:t>NTUT CSIE</a:t>
             </a:r>
             <a:endParaRPr lang="zh-TW" altLang="en-US"/>
@@ -2511,8 +2496,8 @@
           <a:lstStyle/>
           <a:p>
             <a:r>
-              <a:rPr lang="en-US" altLang="zh-TW" smtClean="0"/>
-              <a:t>Educational Data Mining and Applications, Fall 2023</a:t>
+              <a:rPr lang="en-US" altLang="zh-TW"/>
+              <a:t>Educational Data Mining and Applications, Fall 2025</a:t>
             </a:r>
             <a:endParaRPr lang="zh-TW" altLang="en-US"/>
           </a:p>
@@ -2534,7 +2519,7 @@
           <a:lstStyle/>
           <a:p>
             <a:r>
-              <a:rPr lang="en-US" altLang="zh-TW" smtClean="0"/>
+              <a:rPr lang="en-US" altLang="zh-TW"/>
               <a:t>NTUT CSIE</a:t>
             </a:r>
             <a:endParaRPr lang="zh-TW" altLang="en-US"/>
@@ -2619,10 +2604,9 @@
           </a:lstStyle>
           <a:p>
             <a:r>
-              <a:rPr lang="zh-TW" altLang="en-US" smtClean="0"/>
+              <a:rPr lang="zh-TW" altLang="en-US"/>
               <a:t>按一下以編輯母片標題樣式</a:t>
             </a:r>
-            <a:endParaRPr lang="zh-TW" altLang="en-US"/>
           </a:p>
         </p:txBody>
       </p:sp>
@@ -2676,38 +2660,37 @@
           <a:p>
             <a:pPr lvl="0"/>
             <a:r>
-              <a:rPr lang="zh-TW" altLang="en-US" smtClean="0"/>
+              <a:rPr lang="zh-TW" altLang="en-US"/>
               <a:t>按一下以編輯母片文字樣式</a:t>
             </a:r>
           </a:p>
           <a:p>
             <a:pPr lvl="1"/>
             <a:r>
-              <a:rPr lang="zh-TW" altLang="en-US" smtClean="0"/>
+              <a:rPr lang="zh-TW" altLang="en-US"/>
               <a:t>第二層</a:t>
             </a:r>
           </a:p>
           <a:p>
             <a:pPr lvl="2"/>
             <a:r>
-              <a:rPr lang="zh-TW" altLang="en-US" smtClean="0"/>
+              <a:rPr lang="zh-TW" altLang="en-US"/>
               <a:t>第三層</a:t>
             </a:r>
           </a:p>
           <a:p>
             <a:pPr lvl="3"/>
             <a:r>
-              <a:rPr lang="zh-TW" altLang="en-US" smtClean="0"/>
+              <a:rPr lang="zh-TW" altLang="en-US"/>
               <a:t>第四層</a:t>
             </a:r>
           </a:p>
           <a:p>
             <a:pPr lvl="4"/>
             <a:r>
-              <a:rPr lang="zh-TW" altLang="en-US" smtClean="0"/>
+              <a:rPr lang="zh-TW" altLang="en-US"/>
               <a:t>第五層</a:t>
             </a:r>
-            <a:endParaRPr lang="zh-TW" altLang="en-US"/>
           </a:p>
         </p:txBody>
       </p:sp>
@@ -2770,7 +2753,7 @@
           <a:p>
             <a:pPr lvl="0"/>
             <a:r>
-              <a:rPr lang="zh-TW" altLang="en-US" smtClean="0"/>
+              <a:rPr lang="zh-TW" altLang="en-US"/>
               <a:t>按一下以編輯母片文字樣式</a:t>
             </a:r>
           </a:p>
@@ -2792,8 +2775,8 @@
           <a:lstStyle/>
           <a:p>
             <a:r>
-              <a:rPr lang="en-US" altLang="zh-TW" smtClean="0"/>
-              <a:t>Educational Data Mining and Applications, Fall 2023</a:t>
+              <a:rPr lang="en-US" altLang="zh-TW"/>
+              <a:t>Educational Data Mining and Applications, Fall 2025</a:t>
             </a:r>
             <a:endParaRPr lang="zh-TW" altLang="en-US"/>
           </a:p>
@@ -2815,7 +2798,7 @@
           <a:lstStyle/>
           <a:p>
             <a:r>
-              <a:rPr lang="en-US" altLang="zh-TW" smtClean="0"/>
+              <a:rPr lang="en-US" altLang="zh-TW"/>
               <a:t>NTUT CSIE</a:t>
             </a:r>
             <a:endParaRPr lang="zh-TW" altLang="en-US"/>
@@ -2900,10 +2883,9 @@
           </a:lstStyle>
           <a:p>
             <a:r>
-              <a:rPr lang="zh-TW" altLang="en-US" smtClean="0"/>
+              <a:rPr lang="zh-TW" altLang="en-US"/>
               <a:t>按一下以編輯母片標題樣式</a:t>
             </a:r>
-            <a:endParaRPr lang="zh-TW" altLang="en-US"/>
           </a:p>
         </p:txBody>
       </p:sp>
@@ -3027,7 +3009,7 @@
           <a:p>
             <a:pPr lvl="0"/>
             <a:r>
-              <a:rPr lang="zh-TW" altLang="en-US" smtClean="0"/>
+              <a:rPr lang="zh-TW" altLang="en-US"/>
               <a:t>按一下以編輯母片文字樣式</a:t>
             </a:r>
           </a:p>
@@ -3049,8 +3031,8 @@
           <a:lstStyle/>
           <a:p>
             <a:r>
-              <a:rPr lang="en-US" altLang="zh-TW" smtClean="0"/>
-              <a:t>Educational Data Mining and Applications, Fall 2023</a:t>
+              <a:rPr lang="en-US" altLang="zh-TW"/>
+              <a:t>Educational Data Mining and Applications, Fall 2025</a:t>
             </a:r>
             <a:endParaRPr lang="zh-TW" altLang="en-US"/>
           </a:p>
@@ -3072,7 +3054,7 @@
           <a:lstStyle/>
           <a:p>
             <a:r>
-              <a:rPr lang="en-US" altLang="zh-TW" smtClean="0"/>
+              <a:rPr lang="en-US" altLang="zh-TW"/>
               <a:t>NTUT CSIE</a:t>
             </a:r>
             <a:endParaRPr lang="zh-TW" altLang="en-US"/>
@@ -3163,10 +3145,9 @@
           <a:lstStyle/>
           <a:p>
             <a:r>
-              <a:rPr lang="zh-TW" altLang="en-US" smtClean="0"/>
+              <a:rPr lang="zh-TW" altLang="en-US"/>
               <a:t>按一下以編輯母片標題樣式</a:t>
             </a:r>
-            <a:endParaRPr lang="zh-TW" altLang="en-US"/>
           </a:p>
         </p:txBody>
       </p:sp>
@@ -3197,38 +3178,37 @@
           <a:p>
             <a:pPr lvl="0"/>
             <a:r>
-              <a:rPr lang="zh-TW" altLang="en-US" smtClean="0"/>
+              <a:rPr lang="zh-TW" altLang="en-US"/>
               <a:t>按一下以編輯母片文字樣式</a:t>
             </a:r>
           </a:p>
           <a:p>
             <a:pPr lvl="1"/>
             <a:r>
-              <a:rPr lang="zh-TW" altLang="en-US" smtClean="0"/>
+              <a:rPr lang="zh-TW" altLang="en-US"/>
               <a:t>第二層</a:t>
             </a:r>
           </a:p>
           <a:p>
             <a:pPr lvl="2"/>
             <a:r>
-              <a:rPr lang="zh-TW" altLang="en-US" smtClean="0"/>
+              <a:rPr lang="zh-TW" altLang="en-US"/>
               <a:t>第三層</a:t>
             </a:r>
           </a:p>
           <a:p>
             <a:pPr lvl="3"/>
             <a:r>
-              <a:rPr lang="zh-TW" altLang="en-US" smtClean="0"/>
+              <a:rPr lang="zh-TW" altLang="en-US"/>
               <a:t>第四層</a:t>
             </a:r>
           </a:p>
           <a:p>
             <a:pPr lvl="4"/>
             <a:r>
-              <a:rPr lang="zh-TW" altLang="en-US" smtClean="0"/>
+              <a:rPr lang="zh-TW" altLang="en-US"/>
               <a:t>第五層</a:t>
             </a:r>
-            <a:endParaRPr lang="zh-TW" altLang="en-US"/>
           </a:p>
         </p:txBody>
       </p:sp>
@@ -3266,8 +3246,8 @@
           </a:lstStyle>
           <a:p>
             <a:r>
-              <a:rPr lang="en-US" altLang="zh-TW" smtClean="0"/>
-              <a:t>Educational Data Mining and Applications, Fall 2023</a:t>
+              <a:rPr lang="en-US" altLang="zh-TW"/>
+              <a:t>Educational Data Mining and Applications, Fall 2025</a:t>
             </a:r>
             <a:endParaRPr lang="zh-TW" altLang="en-US"/>
           </a:p>
@@ -3307,7 +3287,7 @@
           </a:lstStyle>
           <a:p>
             <a:r>
-              <a:rPr lang="en-US" altLang="zh-TW" smtClean="0"/>
+              <a:rPr lang="en-US" altLang="zh-TW"/>
               <a:t>NTUT CSIE</a:t>
             </a:r>
             <a:endParaRPr lang="zh-TW" altLang="en-US"/>
@@ -3693,7 +3673,7 @@
           <a:lstStyle/>
           <a:p>
             <a:r>
-              <a:rPr lang="en-US" altLang="zh-TW" dirty="0" smtClean="0"/>
+              <a:rPr lang="en-US" altLang="zh-TW" dirty="0"/>
               <a:t>Introduction to Distributed Platforms</a:t>
             </a:r>
             <a:endParaRPr lang="zh-TW" altLang="en-US" dirty="0"/>
@@ -3716,14 +3696,14 @@
           <a:lstStyle/>
           <a:p>
             <a:r>
-              <a:rPr lang="en-US" altLang="zh-TW" dirty="0" smtClean="0"/>
+              <a:rPr lang="en-US" altLang="zh-TW" dirty="0"/>
               <a:t>J. H. Wang</a:t>
             </a:r>
           </a:p>
           <a:p>
             <a:r>
-              <a:rPr lang="en-US" altLang="zh-TW" dirty="0" smtClean="0"/>
-              <a:t>Dec. 5, 2023</a:t>
+              <a:rPr lang="en-US" altLang="zh-TW" dirty="0"/>
+              <a:t>Dec. 9, 2025</a:t>
             </a:r>
             <a:endParaRPr lang="zh-TW" altLang="en-US" dirty="0"/>
           </a:p>
@@ -3745,8 +3725,8 @@
           <a:lstStyle/>
           <a:p>
             <a:r>
-              <a:rPr lang="en-US" altLang="zh-TW" smtClean="0"/>
-              <a:t>Educational Data Mining and Applications, Fall 2023</a:t>
+              <a:rPr lang="en-US" altLang="zh-TW"/>
+              <a:t>Educational Data Mining and Applications, Fall 2025</a:t>
             </a:r>
             <a:endParaRPr lang="zh-TW" altLang="en-US" dirty="0"/>
           </a:p>
@@ -3768,7 +3748,7 @@
           <a:lstStyle/>
           <a:p>
             <a:r>
-              <a:rPr lang="en-US" altLang="zh-TW" smtClean="0"/>
+              <a:rPr lang="en-US" altLang="zh-TW"/>
               <a:t>NTUT CSIE</a:t>
             </a:r>
             <a:endParaRPr lang="zh-TW" altLang="en-US"/>
@@ -3808,13 +3788,6 @@
   <p:clrMapOvr>
     <a:masterClrMapping/>
   </p:clrMapOvr>
-  <p:timing>
-    <p:tnLst>
-      <p:par>
-        <p:cTn id="1" dur="indefinite" restart="never" nodeType="tmRoot"/>
-      </p:par>
-    </p:tnLst>
-  </p:timing>
 </p:sld>
 </file>
 
@@ -3851,7 +3824,7 @@
           <a:lstStyle/>
           <a:p>
             <a:r>
-              <a:rPr lang="en-US" altLang="zh-TW" dirty="0" smtClean="0"/>
+              <a:rPr lang="en-US" altLang="zh-TW" dirty="0"/>
               <a:t>Peer-to-Peer vs. Hybrid</a:t>
             </a:r>
             <a:endParaRPr lang="zh-TW" altLang="en-US" dirty="0"/>
@@ -3933,8 +3906,8 @@
           <a:lstStyle/>
           <a:p>
             <a:r>
-              <a:rPr lang="en-US" altLang="zh-TW" smtClean="0"/>
-              <a:t>Educational Data Mining and Applications, Fall 2023</a:t>
+              <a:rPr lang="en-US" altLang="zh-TW"/>
+              <a:t>Educational Data Mining and Applications, Fall 2025</a:t>
             </a:r>
             <a:endParaRPr lang="zh-TW" altLang="en-US"/>
           </a:p>
@@ -3956,7 +3929,7 @@
           <a:lstStyle/>
           <a:p>
             <a:r>
-              <a:rPr lang="en-US" altLang="zh-TW" smtClean="0"/>
+              <a:rPr lang="en-US" altLang="zh-TW"/>
               <a:t>NTUT CSIE</a:t>
             </a:r>
             <a:endParaRPr lang="zh-TW" altLang="en-US"/>
@@ -3996,13 +3969,6 @@
   <p:clrMapOvr>
     <a:masterClrMapping/>
   </p:clrMapOvr>
-  <p:timing>
-    <p:tnLst>
-      <p:par>
-        <p:cTn id="1" dur="indefinite" restart="never" nodeType="tmRoot"/>
-      </p:par>
-    </p:tnLst>
-  </p:timing>
 </p:sld>
 </file>
 
@@ -4039,7 +4005,7 @@
           <a:lstStyle/>
           <a:p>
             <a:r>
-              <a:rPr lang="en-US" altLang="zh-TW" dirty="0" smtClean="0"/>
+              <a:rPr lang="en-US" altLang="zh-TW" dirty="0"/>
               <a:t>Parallel vs. Distributed</a:t>
             </a:r>
             <a:endParaRPr lang="zh-TW" altLang="en-US" dirty="0"/>
@@ -4062,41 +4028,41 @@
           <a:lstStyle/>
           <a:p>
             <a:r>
-              <a:rPr lang="en-US" altLang="zh-TW" dirty="0" smtClean="0"/>
+              <a:rPr lang="en-US" altLang="zh-TW" dirty="0"/>
               <a:t>Parallel computing</a:t>
             </a:r>
           </a:p>
           <a:p>
             <a:pPr lvl="1"/>
             <a:r>
-              <a:rPr lang="en-US" altLang="zh-TW" dirty="0" smtClean="0"/>
+              <a:rPr lang="en-US" altLang="zh-TW" dirty="0"/>
               <a:t>Tightly coupled</a:t>
             </a:r>
           </a:p>
           <a:p>
             <a:pPr lvl="1"/>
             <a:r>
-              <a:rPr lang="en-US" altLang="zh-TW" dirty="0" smtClean="0"/>
+              <a:rPr lang="en-US" altLang="zh-TW" dirty="0"/>
               <a:t>Shared memory</a:t>
             </a:r>
           </a:p>
           <a:p>
             <a:r>
-              <a:rPr lang="en-US" altLang="zh-TW" dirty="0" smtClean="0"/>
+              <a:rPr lang="en-US" altLang="zh-TW" dirty="0"/>
               <a:t>Distributed computing</a:t>
             </a:r>
           </a:p>
           <a:p>
             <a:pPr lvl="1"/>
             <a:r>
-              <a:rPr lang="en-US" altLang="zh-TW" dirty="0" smtClean="0"/>
+              <a:rPr lang="en-US" altLang="zh-TW" dirty="0"/>
               <a:t>Loosely coupled</a:t>
             </a:r>
           </a:p>
           <a:p>
             <a:pPr lvl="1"/>
             <a:r>
-              <a:rPr lang="en-US" altLang="zh-TW" dirty="0" smtClean="0"/>
+              <a:rPr lang="en-US" altLang="zh-TW" dirty="0"/>
               <a:t>Message passing</a:t>
             </a:r>
           </a:p>
@@ -4122,8 +4088,8 @@
           <a:lstStyle/>
           <a:p>
             <a:r>
-              <a:rPr lang="en-US" altLang="zh-TW" smtClean="0"/>
-              <a:t>Educational Data Mining and Applications, Fall 2023</a:t>
+              <a:rPr lang="en-US" altLang="zh-TW"/>
+              <a:t>Educational Data Mining and Applications, Fall 2025</a:t>
             </a:r>
             <a:endParaRPr lang="zh-TW" altLang="en-US"/>
           </a:p>
@@ -4145,7 +4111,7 @@
           <a:lstStyle/>
           <a:p>
             <a:r>
-              <a:rPr lang="en-US" altLang="zh-TW" smtClean="0"/>
+              <a:rPr lang="en-US" altLang="zh-TW"/>
               <a:t>NTUT CSIE</a:t>
             </a:r>
             <a:endParaRPr lang="zh-TW" altLang="en-US"/>
@@ -4185,13 +4151,6 @@
   <p:clrMapOvr>
     <a:masterClrMapping/>
   </p:clrMapOvr>
-  <p:timing>
-    <p:tnLst>
-      <p:par>
-        <p:cTn id="1" dur="indefinite" restart="never" nodeType="tmRoot"/>
-      </p:par>
-    </p:tnLst>
-  </p:timing>
 </p:sld>
 </file>
 
@@ -4228,7 +4187,7 @@
           <a:lstStyle/>
           <a:p>
             <a:r>
-              <a:rPr lang="en-US" altLang="zh-TW" dirty="0" smtClean="0"/>
+              <a:rPr lang="en-US" altLang="zh-TW" dirty="0"/>
               <a:t>Distributed Computing Systems</a:t>
             </a:r>
             <a:endParaRPr lang="zh-TW" altLang="en-US" dirty="0"/>
@@ -4251,54 +4210,54 @@
           <a:lstStyle/>
           <a:p>
             <a:r>
-              <a:rPr lang="en-US" altLang="zh-TW" dirty="0" smtClean="0"/>
+              <a:rPr lang="en-US" altLang="zh-TW" dirty="0"/>
               <a:t>Cluster computing</a:t>
             </a:r>
           </a:p>
           <a:p>
             <a:pPr lvl="1"/>
             <a:r>
-              <a:rPr lang="en-US" altLang="zh-TW" dirty="0" smtClean="0"/>
+              <a:rPr lang="en-US" altLang="zh-TW" dirty="0"/>
               <a:t>Homogeneous</a:t>
             </a:r>
           </a:p>
           <a:p>
             <a:pPr lvl="1"/>
             <a:r>
-              <a:rPr lang="en-US" altLang="zh-TW" dirty="0" smtClean="0"/>
+              <a:rPr lang="en-US" altLang="zh-TW" dirty="0"/>
               <a:t>Connected through a LAN</a:t>
             </a:r>
           </a:p>
           <a:p>
             <a:r>
-              <a:rPr lang="en-US" altLang="zh-TW" dirty="0" smtClean="0"/>
+              <a:rPr lang="en-US" altLang="zh-TW" dirty="0"/>
               <a:t>Grid computing</a:t>
             </a:r>
           </a:p>
           <a:p>
             <a:pPr lvl="1"/>
             <a:r>
-              <a:rPr lang="en-US" altLang="zh-TW" dirty="0" smtClean="0"/>
+              <a:rPr lang="en-US" altLang="zh-TW" dirty="0"/>
               <a:t>Heterogeneous</a:t>
             </a:r>
           </a:p>
           <a:p>
             <a:pPr lvl="1"/>
             <a:r>
-              <a:rPr lang="en-US" altLang="zh-TW" dirty="0" smtClean="0"/>
+              <a:rPr lang="en-US" altLang="zh-TW" dirty="0"/>
               <a:t>Dispersed across WAN </a:t>
             </a:r>
           </a:p>
           <a:p>
             <a:r>
-              <a:rPr lang="en-US" altLang="zh-TW" dirty="0" smtClean="0"/>
+              <a:rPr lang="en-US" altLang="zh-TW" dirty="0"/>
               <a:t>Cloud computing</a:t>
             </a:r>
           </a:p>
           <a:p>
             <a:pPr lvl="1"/>
             <a:r>
-              <a:rPr lang="en-US" altLang="zh-TW" dirty="0" smtClean="0"/>
+              <a:rPr lang="en-US" altLang="zh-TW" dirty="0"/>
               <a:t>IaaS, PaaS, SaaS</a:t>
             </a:r>
             <a:endParaRPr lang="zh-TW" altLang="en-US" dirty="0"/>
@@ -4321,8 +4280,8 @@
           <a:lstStyle/>
           <a:p>
             <a:r>
-              <a:rPr lang="en-US" altLang="zh-TW" smtClean="0"/>
-              <a:t>Educational Data Mining and Applications, Fall 2023</a:t>
+              <a:rPr lang="en-US" altLang="zh-TW"/>
+              <a:t>Educational Data Mining and Applications, Fall 2025</a:t>
             </a:r>
             <a:endParaRPr lang="zh-TW" altLang="en-US"/>
           </a:p>
@@ -4344,7 +4303,7 @@
           <a:lstStyle/>
           <a:p>
             <a:r>
-              <a:rPr lang="en-US" altLang="zh-TW" smtClean="0"/>
+              <a:rPr lang="en-US" altLang="zh-TW"/>
               <a:t>NTUT CSIE</a:t>
             </a:r>
             <a:endParaRPr lang="zh-TW" altLang="en-US"/>
@@ -4384,13 +4343,6 @@
   <p:clrMapOvr>
     <a:masterClrMapping/>
   </p:clrMapOvr>
-  <p:timing>
-    <p:tnLst>
-      <p:par>
-        <p:cTn id="1" dur="indefinite" restart="never" nodeType="tmRoot"/>
-      </p:par>
-    </p:tnLst>
-  </p:timing>
 </p:sld>
 </file>
 
@@ -4427,7 +4379,7 @@
           <a:lstStyle/>
           <a:p>
             <a:r>
-              <a:rPr lang="en-US" altLang="zh-TW" dirty="0" smtClean="0"/>
+              <a:rPr lang="en-US" altLang="zh-TW" dirty="0"/>
               <a:t>Cloud Enabling Technology: Virtualization</a:t>
             </a:r>
             <a:endParaRPr lang="zh-TW" altLang="en-US" dirty="0"/>
@@ -4485,7 +4437,7 @@
             <a:p>
               <a:pPr algn="ctr"/>
               <a:r>
-                <a:rPr lang="en-US" altLang="zh-TW" dirty="0" smtClean="0"/>
+                <a:rPr lang="en-US" altLang="zh-TW" dirty="0"/>
                 <a:t>Computer Hardware</a:t>
               </a:r>
               <a:endParaRPr lang="zh-TW" altLang="en-US" dirty="0"/>
@@ -4527,7 +4479,7 @@
             <a:p>
               <a:pPr algn="ctr"/>
               <a:r>
-                <a:rPr lang="en-US" altLang="zh-TW" dirty="0" smtClean="0"/>
+                <a:rPr lang="en-US" altLang="zh-TW" dirty="0"/>
                 <a:t>OS1</a:t>
               </a:r>
               <a:endParaRPr lang="zh-TW" altLang="en-US" dirty="0"/>
@@ -4569,7 +4521,7 @@
             <a:p>
               <a:pPr algn="ctr"/>
               <a:r>
-                <a:rPr lang="en-US" altLang="zh-TW" dirty="0" smtClean="0"/>
+                <a:rPr lang="en-US" altLang="zh-TW" dirty="0"/>
                 <a:t>App1</a:t>
               </a:r>
               <a:endParaRPr lang="zh-TW" altLang="en-US" dirty="0"/>
@@ -4611,7 +4563,7 @@
             <a:p>
               <a:pPr algn="ctr"/>
               <a:r>
-                <a:rPr lang="en-US" altLang="zh-TW" dirty="0" smtClean="0"/>
+                <a:rPr lang="en-US" altLang="zh-TW" dirty="0"/>
                 <a:t>App2</a:t>
               </a:r>
               <a:endParaRPr lang="zh-TW" altLang="en-US" dirty="0"/>
@@ -4653,7 +4605,7 @@
             <a:p>
               <a:pPr algn="ctr"/>
               <a:r>
-                <a:rPr lang="en-US" altLang="zh-TW" dirty="0" smtClean="0"/>
+                <a:rPr lang="en-US" altLang="zh-TW" dirty="0"/>
                 <a:t>App4</a:t>
               </a:r>
               <a:endParaRPr lang="zh-TW" altLang="en-US" dirty="0"/>
@@ -4695,7 +4647,7 @@
             <a:p>
               <a:pPr algn="ctr"/>
               <a:r>
-                <a:rPr lang="en-US" altLang="zh-TW" dirty="0" smtClean="0"/>
+                <a:rPr lang="en-US" altLang="zh-TW" dirty="0"/>
                 <a:t>App3</a:t>
               </a:r>
               <a:endParaRPr lang="zh-TW" altLang="en-US" dirty="0"/>
@@ -4737,7 +4689,7 @@
             <a:p>
               <a:pPr algn="ctr"/>
               <a:r>
-                <a:rPr lang="en-US" altLang="zh-TW" dirty="0" smtClean="0"/>
+                <a:rPr lang="en-US" altLang="zh-TW" dirty="0"/>
                 <a:t>User</a:t>
               </a:r>
               <a:endParaRPr lang="zh-TW" altLang="en-US" dirty="0"/>
@@ -4779,7 +4731,7 @@
             <a:p>
               <a:pPr algn="ctr"/>
               <a:r>
-                <a:rPr lang="en-US" altLang="zh-TW" dirty="0" smtClean="0"/>
+                <a:rPr lang="en-US" altLang="zh-TW" dirty="0"/>
                 <a:t>User</a:t>
               </a:r>
               <a:endParaRPr lang="zh-TW" altLang="en-US" dirty="0"/>
@@ -4821,7 +4773,7 @@
             <a:p>
               <a:pPr algn="ctr"/>
               <a:r>
-                <a:rPr lang="en-US" altLang="zh-TW" dirty="0" smtClean="0"/>
+                <a:rPr lang="en-US" altLang="zh-TW" dirty="0"/>
                 <a:t>User</a:t>
               </a:r>
               <a:endParaRPr lang="zh-TW" altLang="en-US" dirty="0"/>
@@ -4863,7 +4815,7 @@
             <a:p>
               <a:pPr algn="ctr"/>
               <a:r>
-                <a:rPr lang="en-US" altLang="zh-TW" dirty="0" smtClean="0"/>
+                <a:rPr lang="en-US" altLang="zh-TW" dirty="0"/>
                 <a:t>User</a:t>
               </a:r>
               <a:endParaRPr lang="zh-TW" altLang="en-US" dirty="0"/>
@@ -4905,7 +4857,7 @@
             <a:p>
               <a:pPr algn="ctr"/>
               <a:r>
-                <a:rPr lang="en-US" altLang="zh-TW" dirty="0" smtClean="0"/>
+                <a:rPr lang="en-US" altLang="zh-TW" dirty="0"/>
                 <a:t>Virtual Machine Manager</a:t>
               </a:r>
               <a:endParaRPr lang="zh-TW" altLang="en-US" dirty="0"/>
@@ -4947,7 +4899,7 @@
             <a:p>
               <a:pPr algn="ctr"/>
               <a:r>
-                <a:rPr lang="en-US" altLang="zh-TW" dirty="0" smtClean="0"/>
+                <a:rPr lang="en-US" altLang="zh-TW" dirty="0"/>
                 <a:t>OS2</a:t>
               </a:r>
               <a:endParaRPr lang="zh-TW" altLang="en-US" dirty="0"/>
@@ -4989,7 +4941,7 @@
             <a:p>
               <a:pPr algn="ctr"/>
               <a:r>
-                <a:rPr lang="en-US" altLang="zh-TW" dirty="0" smtClean="0"/>
+                <a:rPr lang="en-US" altLang="zh-TW" dirty="0"/>
                 <a:t>OS3</a:t>
               </a:r>
               <a:endParaRPr lang="zh-TW" altLang="en-US" dirty="0"/>
@@ -5031,7 +4983,7 @@
             <a:p>
               <a:pPr algn="ctr"/>
               <a:r>
-                <a:rPr lang="en-US" altLang="zh-TW" dirty="0" smtClean="0"/>
+                <a:rPr lang="en-US" altLang="zh-TW" dirty="0"/>
                 <a:t>VM1</a:t>
               </a:r>
               <a:endParaRPr lang="zh-TW" altLang="en-US" dirty="0"/>
@@ -5073,7 +5025,7 @@
             <a:p>
               <a:pPr algn="ctr"/>
               <a:r>
-                <a:rPr lang="en-US" altLang="zh-TW" dirty="0" smtClean="0"/>
+                <a:rPr lang="en-US" altLang="zh-TW" dirty="0"/>
                 <a:t>VM2</a:t>
               </a:r>
               <a:endParaRPr lang="zh-TW" altLang="en-US" dirty="0"/>
@@ -5115,7 +5067,7 @@
             <a:p>
               <a:pPr algn="ctr"/>
               <a:r>
-                <a:rPr lang="en-US" altLang="zh-TW" dirty="0" smtClean="0"/>
+                <a:rPr lang="en-US" altLang="zh-TW" dirty="0"/>
                 <a:t>VM3</a:t>
               </a:r>
               <a:endParaRPr lang="zh-TW" altLang="en-US" dirty="0"/>
@@ -5236,7 +5188,7 @@
             <a:p>
               <a:pPr algn="ctr"/>
               <a:r>
-                <a:rPr lang="en-US" altLang="zh-TW" dirty="0" smtClean="0"/>
+                <a:rPr lang="en-US" altLang="zh-TW" dirty="0"/>
                 <a:t>Computer Hardware</a:t>
               </a:r>
               <a:endParaRPr lang="zh-TW" altLang="en-US" dirty="0"/>
@@ -5278,7 +5230,7 @@
             <a:p>
               <a:pPr algn="ctr"/>
               <a:r>
-                <a:rPr lang="en-US" altLang="zh-TW" dirty="0" smtClean="0"/>
+                <a:rPr lang="en-US" altLang="zh-TW" dirty="0"/>
                 <a:t>Operating System</a:t>
               </a:r>
               <a:endParaRPr lang="zh-TW" altLang="en-US" dirty="0"/>
@@ -5320,7 +5272,7 @@
             <a:p>
               <a:pPr algn="ctr"/>
               <a:r>
-                <a:rPr lang="en-US" altLang="zh-TW" dirty="0" smtClean="0"/>
+                <a:rPr lang="en-US" altLang="zh-TW" dirty="0"/>
                 <a:t>Browser</a:t>
               </a:r>
               <a:endParaRPr lang="zh-TW" altLang="en-US" dirty="0"/>
@@ -5362,7 +5314,7 @@
             <a:p>
               <a:pPr algn="ctr"/>
               <a:r>
-                <a:rPr lang="en-US" altLang="zh-TW" dirty="0" smtClean="0"/>
+                <a:rPr lang="en-US" altLang="zh-TW" dirty="0"/>
                 <a:t>Editor</a:t>
               </a:r>
               <a:endParaRPr lang="zh-TW" altLang="en-US" dirty="0"/>
@@ -5404,7 +5356,7 @@
             <a:p>
               <a:pPr algn="ctr"/>
               <a:r>
-                <a:rPr lang="en-US" altLang="zh-TW" dirty="0" smtClean="0"/>
+                <a:rPr lang="en-US" altLang="zh-TW" dirty="0"/>
                 <a:t>Database</a:t>
               </a:r>
               <a:endParaRPr lang="zh-TW" altLang="en-US" dirty="0"/>
@@ -5446,7 +5398,7 @@
             <a:p>
               <a:pPr algn="ctr"/>
               <a:r>
-                <a:rPr lang="en-US" altLang="zh-TW" dirty="0" smtClean="0"/>
+                <a:rPr lang="en-US" altLang="zh-TW" dirty="0"/>
                 <a:t>Player</a:t>
               </a:r>
               <a:endParaRPr lang="zh-TW" altLang="en-US" dirty="0"/>
@@ -5488,7 +5440,7 @@
             <a:p>
               <a:pPr algn="ctr"/>
               <a:r>
-                <a:rPr lang="en-US" altLang="zh-TW" dirty="0" smtClean="0"/>
+                <a:rPr lang="en-US" altLang="zh-TW" dirty="0"/>
                 <a:t>User</a:t>
               </a:r>
               <a:endParaRPr lang="zh-TW" altLang="en-US" dirty="0"/>
@@ -5530,7 +5482,7 @@
             <a:p>
               <a:pPr algn="ctr"/>
               <a:r>
-                <a:rPr lang="en-US" altLang="zh-TW" dirty="0" smtClean="0"/>
+                <a:rPr lang="en-US" altLang="zh-TW" dirty="0"/>
                 <a:t>User</a:t>
               </a:r>
               <a:endParaRPr lang="zh-TW" altLang="en-US" dirty="0"/>
@@ -5572,7 +5524,7 @@
             <a:p>
               <a:pPr algn="ctr"/>
               <a:r>
-                <a:rPr lang="en-US" altLang="zh-TW" dirty="0" smtClean="0"/>
+                <a:rPr lang="en-US" altLang="zh-TW" dirty="0"/>
                 <a:t>User</a:t>
               </a:r>
               <a:endParaRPr lang="zh-TW" altLang="en-US" dirty="0"/>
@@ -5614,7 +5566,7 @@
             <a:p>
               <a:pPr algn="ctr"/>
               <a:r>
-                <a:rPr lang="en-US" altLang="zh-TW" dirty="0" smtClean="0"/>
+                <a:rPr lang="en-US" altLang="zh-TW" dirty="0"/>
                 <a:t>User</a:t>
               </a:r>
               <a:endParaRPr lang="zh-TW" altLang="en-US" dirty="0"/>
@@ -5777,8 +5729,8 @@
           <a:lstStyle/>
           <a:p>
             <a:r>
-              <a:rPr lang="en-US" altLang="zh-TW" smtClean="0"/>
-              <a:t>Educational Data Mining and Applications, Fall 2023</a:t>
+              <a:rPr lang="en-US" altLang="zh-TW"/>
+              <a:t>Educational Data Mining and Applications, Fall 2025</a:t>
             </a:r>
             <a:endParaRPr lang="zh-TW" altLang="en-US"/>
           </a:p>
@@ -5800,7 +5752,7 @@
           <a:lstStyle/>
           <a:p>
             <a:r>
-              <a:rPr lang="en-US" altLang="zh-TW" smtClean="0"/>
+              <a:rPr lang="en-US" altLang="zh-TW"/>
               <a:t>NTUT CSIE</a:t>
             </a:r>
             <a:endParaRPr lang="zh-TW" altLang="en-US"/>
@@ -5840,13 +5792,6 @@
   <p:clrMapOvr>
     <a:masterClrMapping/>
   </p:clrMapOvr>
-  <p:timing>
-    <p:tnLst>
-      <p:par>
-        <p:cTn id="1" dur="indefinite" restart="never" nodeType="tmRoot"/>
-      </p:par>
-    </p:tnLst>
-  </p:timing>
 </p:sld>
 </file>
 
@@ -5883,7 +5828,7 @@
           <a:lstStyle/>
           <a:p>
             <a:r>
-              <a:rPr lang="en-US" altLang="zh-TW" dirty="0" smtClean="0"/>
+              <a:rPr lang="en-US" altLang="zh-TW" dirty="0"/>
               <a:t>Popular Distributed Platforms</a:t>
             </a:r>
             <a:endParaRPr lang="zh-TW" altLang="en-US" dirty="0"/>
@@ -5906,13 +5851,13 @@
           <a:lstStyle/>
           <a:p>
             <a:r>
-              <a:rPr lang="en-US" altLang="zh-TW" dirty="0" smtClean="0"/>
+              <a:rPr lang="en-US" altLang="zh-TW" dirty="0"/>
               <a:t>Hadoop</a:t>
             </a:r>
           </a:p>
           <a:p>
             <a:r>
-              <a:rPr lang="en-US" altLang="zh-TW" dirty="0" smtClean="0"/>
+              <a:rPr lang="en-US" altLang="zh-TW" dirty="0"/>
               <a:t>Spark</a:t>
             </a:r>
           </a:p>
@@ -5937,8 +5882,8 @@
           <a:lstStyle/>
           <a:p>
             <a:r>
-              <a:rPr lang="en-US" altLang="zh-TW" smtClean="0"/>
-              <a:t>Educational Data Mining and Applications, Fall 2023</a:t>
+              <a:rPr lang="en-US" altLang="zh-TW"/>
+              <a:t>Educational Data Mining and Applications, Fall 2025</a:t>
             </a:r>
             <a:endParaRPr lang="zh-TW" altLang="en-US"/>
           </a:p>
@@ -5960,7 +5905,7 @@
           <a:lstStyle/>
           <a:p>
             <a:r>
-              <a:rPr lang="en-US" altLang="zh-TW" smtClean="0"/>
+              <a:rPr lang="en-US" altLang="zh-TW"/>
               <a:t>NTUT CSIE</a:t>
             </a:r>
             <a:endParaRPr lang="zh-TW" altLang="en-US"/>
@@ -6000,13 +5945,6 @@
   <p:clrMapOvr>
     <a:masterClrMapping/>
   </p:clrMapOvr>
-  <p:timing>
-    <p:tnLst>
-      <p:par>
-        <p:cTn id="1" dur="indefinite" restart="never" nodeType="tmRoot"/>
-      </p:par>
-    </p:tnLst>
-  </p:timing>
 </p:sld>
 </file>
 
@@ -6043,7 +5981,7 @@
           <a:lstStyle/>
           <a:p>
             <a:r>
-              <a:rPr lang="en-US" altLang="zh-TW" dirty="0" smtClean="0"/>
+              <a:rPr lang="en-US" altLang="zh-TW" dirty="0"/>
               <a:t>Apache Hadoop Project</a:t>
             </a:r>
             <a:endParaRPr lang="zh-TW" altLang="en-US" dirty="0"/>
@@ -6066,21 +6004,21 @@
           <a:lstStyle/>
           <a:p>
             <a:r>
-              <a:rPr lang="en-US" altLang="zh-TW" dirty="0" smtClean="0"/>
+              <a:rPr lang="en-US" altLang="zh-TW" dirty="0"/>
               <a:t>For reliable, scalable, distributed computing</a:t>
             </a:r>
           </a:p>
           <a:p>
             <a:pPr lvl="1"/>
             <a:r>
-              <a:rPr lang="en-US" altLang="zh-TW" dirty="0" smtClean="0"/>
-              <a:t>Hadoop has been demonstrated on GNU/Linux clusters with 2000 nodes</a:t>
+              <a:rPr lang="en-US" altLang="zh-TW" dirty="0"/>
+              <a:t>Hadoop has been demonstrated on GNU/Linux clusters with 2,000 nodes</a:t>
             </a:r>
           </a:p>
           <a:p>
             <a:pPr lvl="1"/>
             <a:r>
-              <a:rPr lang="en-US" altLang="zh-TW" dirty="0" smtClean="0"/>
+              <a:rPr lang="en-US" altLang="zh-TW" dirty="0"/>
               <a:t>Windows is also supported</a:t>
             </a:r>
           </a:p>
@@ -6096,54 +6034,44 @@
           <a:p>
             <a:pPr lvl="1"/>
             <a:r>
-              <a:rPr lang="en-US" altLang="zh-TW" dirty="0" smtClean="0"/>
+              <a:rPr lang="en-US" altLang="zh-TW" dirty="0"/>
               <a:t>Current version: </a:t>
             </a:r>
-          </a:p>
-          <a:p>
-            <a:pPr lvl="2"/>
-            <a:r>
-              <a:rPr lang="en-US" altLang="zh-TW" dirty="0" smtClean="0">
+            <a:r>
+              <a:rPr lang="en-US" altLang="zh-TW" dirty="0">
                 <a:solidFill>
                   <a:srgbClr val="0000FF"/>
                 </a:solidFill>
               </a:rPr>
-              <a:t>3.3.6</a:t>
-            </a:r>
-            <a:r>
-              <a:rPr lang="en-US" altLang="zh-TW" dirty="0" smtClean="0"/>
-              <a:t>: </a:t>
-            </a:r>
-            <a:r>
-              <a:rPr lang="en-US" altLang="zh-TW" dirty="0" smtClean="0"/>
-              <a:t>production ready</a:t>
-            </a:r>
+              <a:t>3.4.2 (Aug. 29, 2025)</a:t>
+            </a:r>
+            <a:endParaRPr lang="en-US" altLang="zh-TW" dirty="0"/>
           </a:p>
           <a:p>
             <a:pPr lvl="1"/>
             <a:r>
-              <a:rPr lang="en-US" altLang="zh-TW" dirty="0" smtClean="0"/>
+              <a:rPr lang="en-US" altLang="zh-TW" dirty="0"/>
               <a:t>Required software</a:t>
             </a:r>
           </a:p>
           <a:p>
             <a:pPr lvl="2"/>
             <a:r>
-              <a:rPr lang="en-US" altLang="zh-TW" dirty="0" smtClean="0"/>
+              <a:rPr lang="en-US" altLang="zh-TW" dirty="0"/>
               <a:t>Java</a:t>
             </a:r>
           </a:p>
           <a:p>
             <a:pPr lvl="2"/>
             <a:r>
-              <a:rPr lang="en-US" altLang="zh-TW" dirty="0" err="1" smtClean="0"/>
+              <a:rPr lang="en-US" altLang="zh-TW" dirty="0" err="1"/>
               <a:t>Ssh</a:t>
             </a:r>
-            <a:endParaRPr lang="en-US" altLang="zh-TW" dirty="0" smtClean="0"/>
+            <a:endParaRPr lang="en-US" altLang="zh-TW" dirty="0"/>
           </a:p>
           <a:p>
             <a:pPr lvl="2"/>
-            <a:endParaRPr lang="en-US" altLang="zh-TW" dirty="0" smtClean="0"/>
+            <a:endParaRPr lang="en-US" altLang="zh-TW" dirty="0"/>
           </a:p>
           <a:p>
             <a:endParaRPr lang="zh-TW" altLang="en-US" dirty="0"/>
@@ -6166,8 +6094,8 @@
           <a:lstStyle/>
           <a:p>
             <a:r>
-              <a:rPr lang="en-US" altLang="zh-TW" smtClean="0"/>
-              <a:t>Educational Data Mining and Applications, Fall 2023</a:t>
+              <a:rPr lang="en-US" altLang="zh-TW"/>
+              <a:t>Educational Data Mining and Applications, Fall 2025</a:t>
             </a:r>
             <a:endParaRPr lang="zh-TW" altLang="en-US"/>
           </a:p>
@@ -6189,7 +6117,7 @@
           <a:lstStyle/>
           <a:p>
             <a:r>
-              <a:rPr lang="en-US" altLang="zh-TW" smtClean="0"/>
+              <a:rPr lang="en-US" altLang="zh-TW"/>
               <a:t>NTUT CSIE</a:t>
             </a:r>
             <a:endParaRPr lang="zh-TW" altLang="en-US"/>
@@ -6229,13 +6157,6 @@
   <p:clrMapOvr>
     <a:masterClrMapping/>
   </p:clrMapOvr>
-  <p:timing>
-    <p:tnLst>
-      <p:par>
-        <p:cTn id="1" dur="indefinite" restart="never" nodeType="tmRoot"/>
-      </p:par>
-    </p:tnLst>
-  </p:timing>
 </p:sld>
 </file>
 
@@ -6272,10 +6193,10 @@
           <a:lstStyle/>
           <a:p>
             <a:r>
-              <a:rPr lang="en-US" altLang="zh-TW" smtClean="0"/>
+              <a:rPr lang="en-US" altLang="zh-TW"/>
               <a:t>Hadoop Architecture</a:t>
             </a:r>
-            <a:endParaRPr lang="zh-TW" altLang="en-US" smtClean="0"/>
+            <a:endParaRPr lang="zh-TW" altLang="en-US"/>
           </a:p>
         </p:txBody>
       </p:sp>
@@ -6345,8 +6266,8 @@
           <a:lstStyle/>
           <a:p>
             <a:r>
-              <a:rPr lang="en-US" altLang="zh-TW" smtClean="0"/>
-              <a:t>Educational Data Mining and Applications, Fall 2023</a:t>
+              <a:rPr lang="en-US" altLang="zh-TW"/>
+              <a:t>Educational Data Mining and Applications, Fall 2025</a:t>
             </a:r>
             <a:endParaRPr lang="zh-TW" altLang="en-US"/>
           </a:p>
@@ -6368,7 +6289,7 @@
           <a:lstStyle/>
           <a:p>
             <a:r>
-              <a:rPr lang="en-US" altLang="zh-TW" smtClean="0"/>
+              <a:rPr lang="en-US" altLang="zh-TW"/>
               <a:t>NTUT CSIE</a:t>
             </a:r>
             <a:endParaRPr lang="zh-TW" altLang="en-US"/>
@@ -6408,13 +6329,6 @@
   <p:clrMapOvr>
     <a:masterClrMapping/>
   </p:clrMapOvr>
-  <p:timing>
-    <p:tnLst>
-      <p:par>
-        <p:cTn id="1" dur="indefinite" restart="never" nodeType="tmRoot"/>
-      </p:par>
-    </p:tnLst>
-  </p:timing>
 </p:sld>
 </file>
 
@@ -6470,54 +6384,54 @@
           <a:lstStyle/>
           <a:p>
             <a:r>
-              <a:rPr lang="en-US" altLang="zh-TW" dirty="0" smtClean="0"/>
+              <a:rPr lang="en-US" altLang="zh-TW" dirty="0"/>
               <a:t>MapReduce</a:t>
             </a:r>
           </a:p>
           <a:p>
             <a:pPr lvl="1"/>
             <a:r>
-              <a:rPr lang="en-US" altLang="zh-TW" dirty="0" smtClean="0"/>
+              <a:rPr lang="en-US" altLang="zh-TW" dirty="0"/>
               <a:t>Software framework for easily writing applications which process vast amounts of data in-parallel on large clusters of commodity hardware in a reliable, fault-tolerant manner</a:t>
             </a:r>
           </a:p>
           <a:p>
             <a:r>
-              <a:rPr lang="en-US" altLang="zh-TW" dirty="0" smtClean="0"/>
+              <a:rPr lang="en-US" altLang="zh-TW" dirty="0"/>
               <a:t>HDFS: Hadoop Distributed File System</a:t>
             </a:r>
           </a:p>
           <a:p>
             <a:pPr lvl="1"/>
             <a:r>
-              <a:rPr lang="en-US" altLang="zh-TW" dirty="0" smtClean="0"/>
+              <a:rPr lang="en-US" altLang="zh-TW" dirty="0"/>
               <a:t>A distributed file system designed to run on commodity hardware</a:t>
             </a:r>
           </a:p>
           <a:p>
             <a:pPr lvl="1"/>
             <a:r>
-              <a:rPr lang="en-US" altLang="zh-TW" dirty="0" smtClean="0"/>
+              <a:rPr lang="en-US" altLang="zh-TW" dirty="0"/>
               <a:t>Fault-tolerant</a:t>
             </a:r>
           </a:p>
           <a:p>
             <a:pPr lvl="1"/>
             <a:r>
-              <a:rPr lang="en-US" altLang="zh-TW" dirty="0" smtClean="0"/>
+              <a:rPr lang="en-US" altLang="zh-TW" dirty="0"/>
               <a:t>Low-cost</a:t>
             </a:r>
           </a:p>
           <a:p>
             <a:pPr lvl="1"/>
             <a:r>
-              <a:rPr lang="en-US" altLang="zh-TW" dirty="0" smtClean="0"/>
+              <a:rPr lang="en-US" altLang="zh-TW" dirty="0"/>
               <a:t>High throughput</a:t>
             </a:r>
           </a:p>
           <a:p>
             <a:pPr lvl="1"/>
-            <a:endParaRPr lang="en-US" altLang="zh-TW" dirty="0" smtClean="0"/>
+            <a:endParaRPr lang="en-US" altLang="zh-TW" dirty="0"/>
           </a:p>
           <a:p>
             <a:endParaRPr lang="zh-TW" altLang="en-US" dirty="0"/>
@@ -6540,8 +6454,8 @@
           <a:lstStyle/>
           <a:p>
             <a:r>
-              <a:rPr lang="en-US" altLang="zh-TW" smtClean="0"/>
-              <a:t>Educational Data Mining and Applications, Fall 2023</a:t>
+              <a:rPr lang="en-US" altLang="zh-TW"/>
+              <a:t>Educational Data Mining and Applications, Fall 2025</a:t>
             </a:r>
             <a:endParaRPr lang="zh-TW" altLang="en-US"/>
           </a:p>
@@ -6563,7 +6477,7 @@
           <a:lstStyle/>
           <a:p>
             <a:r>
-              <a:rPr lang="en-US" altLang="zh-TW" smtClean="0"/>
+              <a:rPr lang="en-US" altLang="zh-TW"/>
               <a:t>NTUT CSIE</a:t>
             </a:r>
             <a:endParaRPr lang="zh-TW" altLang="en-US"/>
@@ -6603,13 +6517,6 @@
   <p:clrMapOvr>
     <a:masterClrMapping/>
   </p:clrMapOvr>
-  <p:timing>
-    <p:tnLst>
-      <p:par>
-        <p:cTn id="1" dur="indefinite" restart="never" nodeType="tmRoot"/>
-      </p:par>
-    </p:tnLst>
-  </p:timing>
 </p:sld>
 </file>
 
@@ -6646,7 +6553,7 @@
           <a:lstStyle/>
           <a:p>
             <a:r>
-              <a:rPr lang="en-US" altLang="zh-TW" dirty="0" smtClean="0"/>
+              <a:rPr lang="en-US" altLang="zh-TW" dirty="0"/>
               <a:t>Assumptions and Goals of HDFS</a:t>
             </a:r>
             <a:endParaRPr lang="zh-TW" altLang="en-US" dirty="0"/>
@@ -6671,33 +6578,33 @@
           <a:lstStyle/>
           <a:p>
             <a:r>
-              <a:rPr lang="en-US" altLang="zh-TW" dirty="0" smtClean="0"/>
+              <a:rPr lang="en-US" altLang="zh-TW" dirty="0"/>
               <a:t>Hardware failure</a:t>
             </a:r>
           </a:p>
           <a:p>
             <a:pPr lvl="1"/>
             <a:r>
-              <a:rPr lang="en-US" altLang="zh-TW" dirty="0" smtClean="0"/>
+              <a:rPr lang="en-US" altLang="zh-TW" dirty="0"/>
               <a:t>Detection of faults and quick, automatic recovery from them is a core architectural goal</a:t>
             </a:r>
           </a:p>
           <a:p>
             <a:r>
-              <a:rPr lang="en-US" altLang="zh-TW" dirty="0" smtClean="0"/>
+              <a:rPr lang="en-US" altLang="zh-TW" dirty="0"/>
               <a:t>Streaming data access</a:t>
             </a:r>
           </a:p>
           <a:p>
             <a:pPr lvl="1"/>
             <a:r>
-              <a:rPr lang="en-US" altLang="zh-TW" dirty="0" smtClean="0"/>
+              <a:rPr lang="en-US" altLang="zh-TW" dirty="0"/>
               <a:t>Batch processing, high throughput</a:t>
             </a:r>
           </a:p>
           <a:p>
             <a:r>
-              <a:rPr lang="en-US" altLang="zh-TW" dirty="0" smtClean="0">
+              <a:rPr lang="en-US" altLang="zh-TW" dirty="0">
                 <a:solidFill>
                   <a:srgbClr val="0000FF"/>
                 </a:solidFill>
@@ -6705,20 +6612,20 @@
               <a:t>Large</a:t>
             </a:r>
             <a:r>
-              <a:rPr lang="en-US" altLang="zh-TW" dirty="0" smtClean="0"/>
+              <a:rPr lang="en-US" altLang="zh-TW" dirty="0"/>
               <a:t> data sets</a:t>
             </a:r>
           </a:p>
           <a:p>
             <a:r>
-              <a:rPr lang="en-US" altLang="zh-TW" dirty="0" smtClean="0"/>
+              <a:rPr lang="en-US" altLang="zh-TW" dirty="0"/>
               <a:t>Simple coherency model</a:t>
             </a:r>
           </a:p>
           <a:p>
             <a:pPr lvl="1"/>
             <a:r>
-              <a:rPr lang="en-US" altLang="zh-TW" dirty="0" smtClean="0">
+              <a:rPr lang="en-US" altLang="zh-TW" dirty="0">
                 <a:solidFill>
                   <a:srgbClr val="0000FF"/>
                 </a:solidFill>
@@ -6726,19 +6633,19 @@
               <a:t>Write-once-read-many </a:t>
             </a:r>
             <a:r>
-              <a:rPr lang="en-US" altLang="zh-TW" dirty="0" smtClean="0"/>
+              <a:rPr lang="en-US" altLang="zh-TW" dirty="0"/>
               <a:t>access model</a:t>
             </a:r>
           </a:p>
           <a:p>
             <a:r>
-              <a:rPr lang="en-US" altLang="zh-TW" dirty="0" smtClean="0"/>
+              <a:rPr lang="en-US" altLang="zh-TW" dirty="0"/>
               <a:t>Moving computation is cheaper than moving data</a:t>
             </a:r>
           </a:p>
           <a:p>
             <a:r>
-              <a:rPr lang="en-US" altLang="zh-TW" dirty="0" smtClean="0"/>
+              <a:rPr lang="en-US" altLang="zh-TW" dirty="0"/>
               <a:t>Portability across heterogeneous hardware and software platforms</a:t>
             </a:r>
             <a:endParaRPr lang="zh-TW" altLang="en-US" dirty="0"/>
@@ -6761,8 +6668,8 @@
           <a:lstStyle/>
           <a:p>
             <a:r>
-              <a:rPr lang="en-US" altLang="zh-TW" smtClean="0"/>
-              <a:t>Educational Data Mining and Applications, Fall 2023</a:t>
+              <a:rPr lang="en-US" altLang="zh-TW"/>
+              <a:t>Educational Data Mining and Applications, Fall 2025</a:t>
             </a:r>
             <a:endParaRPr lang="zh-TW" altLang="en-US"/>
           </a:p>
@@ -6784,7 +6691,7 @@
           <a:lstStyle/>
           <a:p>
             <a:r>
-              <a:rPr lang="en-US" altLang="zh-TW" smtClean="0"/>
+              <a:rPr lang="en-US" altLang="zh-TW"/>
               <a:t>NTUT CSIE</a:t>
             </a:r>
             <a:endParaRPr lang="zh-TW" altLang="en-US"/>
@@ -6824,13 +6731,6 @@
   <p:clrMapOvr>
     <a:masterClrMapping/>
   </p:clrMapOvr>
-  <p:timing>
-    <p:tnLst>
-      <p:par>
-        <p:cTn id="1" dur="indefinite" restart="never" nodeType="tmRoot"/>
-      </p:par>
-    </p:tnLst>
-  </p:timing>
 </p:sld>
 </file>
 
@@ -6867,7 +6767,7 @@
           <a:lstStyle/>
           <a:p>
             <a:r>
-              <a:rPr lang="en-US" altLang="zh-TW" dirty="0" smtClean="0"/>
+              <a:rPr lang="en-US" altLang="zh-TW" dirty="0"/>
               <a:t>HDFS Architecture – Master/Slave</a:t>
             </a:r>
             <a:endParaRPr lang="zh-TW" altLang="en-US" dirty="0"/>
@@ -6919,8 +6819,8 @@
           <a:lstStyle/>
           <a:p>
             <a:r>
-              <a:rPr lang="en-US" altLang="zh-TW" smtClean="0"/>
-              <a:t>Educational Data Mining and Applications, Fall 2023</a:t>
+              <a:rPr lang="en-US" altLang="zh-TW"/>
+              <a:t>Educational Data Mining and Applications, Fall 2025</a:t>
             </a:r>
             <a:endParaRPr lang="zh-TW" altLang="en-US"/>
           </a:p>
@@ -6942,7 +6842,7 @@
           <a:lstStyle/>
           <a:p>
             <a:r>
-              <a:rPr lang="en-US" altLang="zh-TW" smtClean="0"/>
+              <a:rPr lang="en-US" altLang="zh-TW"/>
               <a:t>NTUT CSIE</a:t>
             </a:r>
             <a:endParaRPr lang="zh-TW" altLang="en-US"/>
@@ -6982,13 +6882,6 @@
   <p:clrMapOvr>
     <a:masterClrMapping/>
   </p:clrMapOvr>
-  <p:timing>
-    <p:tnLst>
-      <p:par>
-        <p:cTn id="1" dur="indefinite" restart="never" nodeType="tmRoot"/>
-      </p:par>
-    </p:tnLst>
-  </p:timing>
 </p:sld>
 </file>
 
@@ -7025,7 +6918,7 @@
           <a:lstStyle/>
           <a:p>
             <a:r>
-              <a:rPr lang="en-US" altLang="zh-TW" dirty="0" smtClean="0"/>
+              <a:rPr lang="en-US" altLang="zh-TW" dirty="0"/>
               <a:t>Outline</a:t>
             </a:r>
             <a:endParaRPr lang="zh-TW" altLang="en-US" dirty="0"/>
@@ -7048,40 +6941,40 @@
           <a:lstStyle/>
           <a:p>
             <a:r>
-              <a:rPr lang="en-US" altLang="zh-TW" dirty="0" smtClean="0"/>
+              <a:rPr lang="en-US" altLang="zh-TW" dirty="0"/>
               <a:t>Motivation</a:t>
             </a:r>
           </a:p>
           <a:p>
             <a:pPr lvl="1"/>
             <a:r>
-              <a:rPr lang="en-US" altLang="zh-TW" dirty="0" smtClean="0"/>
+              <a:rPr lang="en-US" altLang="zh-TW" dirty="0"/>
               <a:t>Why Distribution?</a:t>
             </a:r>
           </a:p>
           <a:p>
             <a:r>
-              <a:rPr lang="en-US" altLang="zh-TW" dirty="0" smtClean="0"/>
+              <a:rPr lang="en-US" altLang="zh-TW" dirty="0"/>
               <a:t>Distributed Computing</a:t>
             </a:r>
           </a:p>
           <a:p>
             <a:r>
-              <a:rPr lang="en-US" altLang="zh-TW" dirty="0" smtClean="0"/>
+              <a:rPr lang="en-US" altLang="zh-TW" dirty="0"/>
               <a:t>Popular distributed platforms</a:t>
             </a:r>
           </a:p>
           <a:p>
             <a:pPr lvl="1"/>
             <a:r>
-              <a:rPr lang="en-US" altLang="zh-TW" dirty="0" smtClean="0"/>
+              <a:rPr lang="en-US" altLang="zh-TW" dirty="0"/>
               <a:t>Hadoop</a:t>
             </a:r>
           </a:p>
           <a:p>
             <a:pPr lvl="1"/>
             <a:r>
-              <a:rPr lang="en-US" altLang="zh-TW" dirty="0" smtClean="0"/>
+              <a:rPr lang="en-US" altLang="zh-TW" dirty="0"/>
               <a:t>Spark</a:t>
             </a:r>
           </a:p>
@@ -7090,7 +6983,7 @@
             <a:endParaRPr lang="en-US" altLang="zh-TW" dirty="0"/>
           </a:p>
           <a:p>
-            <a:endParaRPr lang="en-US" altLang="zh-TW" dirty="0" smtClean="0"/>
+            <a:endParaRPr lang="en-US" altLang="zh-TW" dirty="0"/>
           </a:p>
           <a:p>
             <a:endParaRPr lang="zh-TW" altLang="en-US" dirty="0"/>
@@ -7113,8 +7006,8 @@
           <a:lstStyle/>
           <a:p>
             <a:r>
-              <a:rPr lang="en-US" altLang="zh-TW" smtClean="0"/>
-              <a:t>Educational Data Mining and Applications, Fall 2023</a:t>
+              <a:rPr lang="en-US" altLang="zh-TW"/>
+              <a:t>Educational Data Mining and Applications, Fall 2025</a:t>
             </a:r>
             <a:endParaRPr lang="zh-TW" altLang="en-US"/>
           </a:p>
@@ -7136,7 +7029,7 @@
           <a:lstStyle/>
           <a:p>
             <a:r>
-              <a:rPr lang="en-US" altLang="zh-TW" smtClean="0"/>
+              <a:rPr lang="en-US" altLang="zh-TW"/>
               <a:t>NTUT CSIE</a:t>
             </a:r>
             <a:endParaRPr lang="zh-TW" altLang="en-US"/>
@@ -7176,13 +7069,6 @@
   <p:clrMapOvr>
     <a:masterClrMapping/>
   </p:clrMapOvr>
-  <p:timing>
-    <p:tnLst>
-      <p:par>
-        <p:cTn id="1" dur="indefinite" restart="never" nodeType="tmRoot"/>
-      </p:par>
-    </p:tnLst>
-  </p:timing>
 </p:sld>
 </file>
 
@@ -7219,15 +7105,15 @@
           <a:lstStyle/>
           <a:p>
             <a:r>
-              <a:rPr lang="en-US" altLang="zh-TW" dirty="0" err="1" smtClean="0"/>
+              <a:rPr lang="en-US" altLang="zh-TW" dirty="0" err="1"/>
               <a:t>NameNode</a:t>
             </a:r>
             <a:r>
-              <a:rPr lang="en-US" altLang="zh-TW" dirty="0" smtClean="0"/>
+              <a:rPr lang="en-US" altLang="zh-TW" dirty="0"/>
               <a:t> and </a:t>
             </a:r>
             <a:r>
-              <a:rPr lang="en-US" altLang="zh-TW" dirty="0" err="1" smtClean="0"/>
+              <a:rPr lang="en-US" altLang="zh-TW" dirty="0" err="1"/>
               <a:t>DataNodes</a:t>
             </a:r>
             <a:endParaRPr lang="zh-TW" altLang="en-US" dirty="0"/>
@@ -7250,62 +7136,62 @@
           <a:lstStyle/>
           <a:p>
             <a:r>
-              <a:rPr lang="en-US" altLang="zh-TW" dirty="0" smtClean="0"/>
+              <a:rPr lang="en-US" altLang="zh-TW" dirty="0"/>
               <a:t>Master/slave architecture</a:t>
             </a:r>
           </a:p>
           <a:p>
             <a:pPr lvl="1"/>
             <a:r>
-              <a:rPr lang="en-US" altLang="zh-TW" dirty="0" smtClean="0"/>
+              <a:rPr lang="en-US" altLang="zh-TW" dirty="0"/>
               <a:t>A single </a:t>
             </a:r>
             <a:r>
-              <a:rPr lang="en-US" altLang="zh-TW" dirty="0" err="1" smtClean="0"/>
+              <a:rPr lang="en-US" altLang="zh-TW" dirty="0" err="1"/>
               <a:t>NameNode</a:t>
             </a:r>
             <a:r>
-              <a:rPr lang="en-US" altLang="zh-TW" dirty="0" smtClean="0"/>
+              <a:rPr lang="en-US" altLang="zh-TW" dirty="0"/>
               <a:t>: master server that manages the file system namespace and regulates access to files by clients</a:t>
             </a:r>
           </a:p>
           <a:p>
             <a:pPr lvl="1"/>
             <a:r>
-              <a:rPr lang="en-US" altLang="zh-TW" dirty="0" smtClean="0"/>
+              <a:rPr lang="en-US" altLang="zh-TW" dirty="0"/>
               <a:t>A number of </a:t>
             </a:r>
             <a:r>
-              <a:rPr lang="en-US" altLang="zh-TW" dirty="0" err="1" smtClean="0"/>
+              <a:rPr lang="en-US" altLang="zh-TW" dirty="0" err="1"/>
               <a:t>DataNodes</a:t>
             </a:r>
             <a:r>
-              <a:rPr lang="en-US" altLang="zh-TW" dirty="0" smtClean="0"/>
+              <a:rPr lang="en-US" altLang="zh-TW" dirty="0"/>
               <a:t>: manage storage attached to the nodes that they run on</a:t>
             </a:r>
           </a:p>
           <a:p>
             <a:r>
-              <a:rPr lang="en-US" altLang="zh-TW" dirty="0" err="1" smtClean="0"/>
+              <a:rPr lang="en-US" altLang="zh-TW" dirty="0" err="1"/>
               <a:t>NameNode</a:t>
             </a:r>
             <a:r>
-              <a:rPr lang="en-US" altLang="zh-TW" dirty="0" smtClean="0"/>
+              <a:rPr lang="en-US" altLang="zh-TW" dirty="0"/>
               <a:t>: file system namespace operations: opening, closing, renaming files and directories, determining the mapping of blocks to </a:t>
             </a:r>
             <a:r>
-              <a:rPr lang="en-US" altLang="zh-TW" dirty="0" err="1" smtClean="0"/>
+              <a:rPr lang="en-US" altLang="zh-TW" dirty="0" err="1"/>
               <a:t>DataNodes</a:t>
             </a:r>
-            <a:endParaRPr lang="en-US" altLang="zh-TW" dirty="0" smtClean="0"/>
-          </a:p>
-          <a:p>
-            <a:r>
-              <a:rPr lang="en-US" altLang="zh-TW" dirty="0" err="1" smtClean="0"/>
+            <a:endParaRPr lang="en-US" altLang="zh-TW" dirty="0"/>
+          </a:p>
+          <a:p>
+            <a:r>
+              <a:rPr lang="en-US" altLang="zh-TW" dirty="0" err="1"/>
               <a:t>DataNodes</a:t>
             </a:r>
             <a:r>
-              <a:rPr lang="en-US" altLang="zh-TW" dirty="0" smtClean="0"/>
+              <a:rPr lang="en-US" altLang="zh-TW" dirty="0"/>
               <a:t>: serving read and write requests from clients, block creation, deletion, replication</a:t>
             </a:r>
           </a:p>
@@ -7330,8 +7216,8 @@
           <a:lstStyle/>
           <a:p>
             <a:r>
-              <a:rPr lang="en-US" altLang="zh-TW" smtClean="0"/>
-              <a:t>Educational Data Mining and Applications, Fall 2023</a:t>
+              <a:rPr lang="en-US" altLang="zh-TW"/>
+              <a:t>Educational Data Mining and Applications, Fall 2025</a:t>
             </a:r>
             <a:endParaRPr lang="zh-TW" altLang="en-US"/>
           </a:p>
@@ -7353,7 +7239,7 @@
           <a:lstStyle/>
           <a:p>
             <a:r>
-              <a:rPr lang="en-US" altLang="zh-TW" smtClean="0"/>
+              <a:rPr lang="en-US" altLang="zh-TW"/>
               <a:t>NTUT CSIE</a:t>
             </a:r>
             <a:endParaRPr lang="zh-TW" altLang="en-US"/>
@@ -7393,13 +7279,6 @@
   <p:clrMapOvr>
     <a:masterClrMapping/>
   </p:clrMapOvr>
-  <p:timing>
-    <p:tnLst>
-      <p:par>
-        <p:cTn id="1" dur="indefinite" restart="never" nodeType="tmRoot"/>
-      </p:par>
-    </p:tnLst>
-  </p:timing>
 </p:sld>
 </file>
 
@@ -7436,7 +7315,7 @@
           <a:lstStyle/>
           <a:p>
             <a:r>
-              <a:rPr lang="en-US" altLang="zh-TW" dirty="0" smtClean="0"/>
+              <a:rPr lang="en-US" altLang="zh-TW" dirty="0"/>
               <a:t>Data Replication</a:t>
             </a:r>
             <a:endParaRPr lang="zh-TW" altLang="en-US" dirty="0"/>
@@ -7459,55 +7338,55 @@
           <a:lstStyle/>
           <a:p>
             <a:r>
-              <a:rPr lang="en-US" altLang="zh-TW" dirty="0" smtClean="0"/>
+              <a:rPr lang="en-US" altLang="zh-TW" dirty="0"/>
               <a:t>Each file as a sequence of blocks, which are replicated for fault tolerance</a:t>
             </a:r>
           </a:p>
           <a:p>
             <a:pPr lvl="1"/>
             <a:r>
-              <a:rPr lang="en-US" altLang="zh-TW" dirty="0" smtClean="0"/>
+              <a:rPr lang="en-US" altLang="zh-TW" dirty="0"/>
               <a:t>Block size, replication factor: configurable</a:t>
             </a:r>
           </a:p>
           <a:p>
             <a:r>
-              <a:rPr lang="en-US" altLang="zh-TW" dirty="0" smtClean="0"/>
+              <a:rPr lang="en-US" altLang="zh-TW" dirty="0"/>
               <a:t>All blocks except the last are the same size</a:t>
             </a:r>
           </a:p>
           <a:p>
             <a:r>
-              <a:rPr lang="en-US" altLang="zh-TW" dirty="0" smtClean="0"/>
+              <a:rPr lang="en-US" altLang="zh-TW" dirty="0"/>
               <a:t>Files in HDFS are write-once (except for appends and truncates) and have strictly one writer at any time</a:t>
             </a:r>
           </a:p>
           <a:p>
             <a:r>
-              <a:rPr lang="en-US" altLang="zh-TW" dirty="0" err="1" smtClean="0"/>
+              <a:rPr lang="en-US" altLang="zh-TW" dirty="0" err="1"/>
               <a:t>NameNode</a:t>
             </a:r>
             <a:r>
-              <a:rPr lang="en-US" altLang="zh-TW" dirty="0" smtClean="0"/>
+              <a:rPr lang="en-US" altLang="zh-TW" dirty="0"/>
               <a:t> makes all decisions regarding replication of blocks</a:t>
             </a:r>
           </a:p>
           <a:p>
             <a:pPr lvl="1"/>
             <a:r>
-              <a:rPr lang="en-US" altLang="zh-TW" dirty="0" smtClean="0"/>
+              <a:rPr lang="en-US" altLang="zh-TW" dirty="0"/>
               <a:t>It periodically receives a Heartbeat and a </a:t>
             </a:r>
             <a:r>
-              <a:rPr lang="en-US" altLang="zh-TW" dirty="0" err="1" smtClean="0"/>
+              <a:rPr lang="en-US" altLang="zh-TW" dirty="0" err="1"/>
               <a:t>Blockreport</a:t>
             </a:r>
             <a:r>
-              <a:rPr lang="en-US" altLang="zh-TW" dirty="0" smtClean="0"/>
+              <a:rPr lang="en-US" altLang="zh-TW" dirty="0"/>
               <a:t> from each of the </a:t>
             </a:r>
             <a:r>
-              <a:rPr lang="en-US" altLang="zh-TW" dirty="0" err="1" smtClean="0"/>
+              <a:rPr lang="en-US" altLang="zh-TW" dirty="0" err="1"/>
               <a:t>DataNodes</a:t>
             </a:r>
             <a:endParaRPr lang="zh-TW" altLang="en-US" dirty="0"/>
@@ -7530,8 +7409,8 @@
           <a:lstStyle/>
           <a:p>
             <a:r>
-              <a:rPr lang="en-US" altLang="zh-TW" smtClean="0"/>
-              <a:t>Educational Data Mining and Applications, Fall 2023</a:t>
+              <a:rPr lang="en-US" altLang="zh-TW"/>
+              <a:t>Educational Data Mining and Applications, Fall 2025</a:t>
             </a:r>
             <a:endParaRPr lang="zh-TW" altLang="en-US"/>
           </a:p>
@@ -7553,7 +7432,7 @@
           <a:lstStyle/>
           <a:p>
             <a:r>
-              <a:rPr lang="en-US" altLang="zh-TW" smtClean="0"/>
+              <a:rPr lang="en-US" altLang="zh-TW"/>
               <a:t>NTUT CSIE</a:t>
             </a:r>
             <a:endParaRPr lang="zh-TW" altLang="en-US"/>
@@ -7593,13 +7472,6 @@
   <p:clrMapOvr>
     <a:masterClrMapping/>
   </p:clrMapOvr>
-  <p:timing>
-    <p:tnLst>
-      <p:par>
-        <p:cTn id="1" dur="indefinite" restart="never" nodeType="tmRoot"/>
-      </p:par>
-    </p:tnLst>
-  </p:timing>
 </p:sld>
 </file>
 
@@ -7684,8 +7556,8 @@
           <a:lstStyle/>
           <a:p>
             <a:r>
-              <a:rPr lang="en-US" altLang="zh-TW" smtClean="0"/>
-              <a:t>Educational Data Mining and Applications, Fall 2023</a:t>
+              <a:rPr lang="en-US" altLang="zh-TW"/>
+              <a:t>Educational Data Mining and Applications, Fall 2025</a:t>
             </a:r>
             <a:endParaRPr lang="zh-TW" altLang="en-US"/>
           </a:p>
@@ -7707,7 +7579,7 @@
           <a:lstStyle/>
           <a:p>
             <a:r>
-              <a:rPr lang="en-US" altLang="zh-TW" smtClean="0"/>
+              <a:rPr lang="en-US" altLang="zh-TW"/>
               <a:t>NTUT CSIE</a:t>
             </a:r>
             <a:endParaRPr lang="zh-TW" altLang="en-US"/>
@@ -7747,13 +7619,6 @@
   <p:clrMapOvr>
     <a:masterClrMapping/>
   </p:clrMapOvr>
-  <p:timing>
-    <p:tnLst>
-      <p:par>
-        <p:cTn id="1" dur="indefinite" restart="never" nodeType="tmRoot"/>
-      </p:par>
-    </p:tnLst>
-  </p:timing>
 </p:sld>
 </file>
 
@@ -7790,7 +7655,7 @@
           <a:lstStyle/>
           <a:p>
             <a:r>
-              <a:rPr lang="en-US" altLang="zh-TW" dirty="0" smtClean="0"/>
+              <a:rPr lang="en-US" altLang="zh-TW" dirty="0"/>
               <a:t>Architecture of Google File Systems</a:t>
             </a:r>
             <a:endParaRPr lang="zh-TW" altLang="en-US" dirty="0"/>
@@ -7847,12 +7712,8 @@
           <a:p>
             <a:pPr marL="0" lvl="1"/>
             <a:r>
-              <a:rPr lang="en-US" altLang="zh-TW" dirty="0" smtClean="0"/>
-              <a:t>[Source: </a:t>
-            </a:r>
-            <a:r>
-              <a:rPr lang="en-US" altLang="zh-TW" dirty="0"/>
-              <a:t>Sanjay </a:t>
+              <a:rPr lang="en-US" altLang="zh-TW" dirty="0"/>
+              <a:t>[Source: Sanjay </a:t>
             </a:r>
             <a:r>
               <a:rPr lang="en-US" altLang="zh-TW" dirty="0" err="1"/>
@@ -7876,11 +7737,7 @@
             </a:r>
             <a:r>
               <a:rPr lang="en-US" altLang="zh-TW" dirty="0"/>
-              <a:t> Leung, The Google File System, Proceedings of the 19th ACM Symposium on Operating Systems Principles (SOSP), pp. 20-43, 2003</a:t>
-            </a:r>
-            <a:r>
-              <a:rPr lang="en-US" altLang="zh-TW" dirty="0" smtClean="0"/>
-              <a:t>.]</a:t>
+              <a:t> Leung, The Google File System, Proceedings of the 19th ACM Symposium on Operating Systems Principles (SOSP), pp. 20-43, 2003.]</a:t>
             </a:r>
             <a:endParaRPr lang="zh-TW" altLang="en-US" dirty="0"/>
           </a:p>
@@ -7902,8 +7759,8 @@
           <a:lstStyle/>
           <a:p>
             <a:r>
-              <a:rPr lang="en-US" altLang="zh-TW" smtClean="0"/>
-              <a:t>Educational Data Mining and Applications, Fall 2023</a:t>
+              <a:rPr lang="en-US" altLang="zh-TW"/>
+              <a:t>Educational Data Mining and Applications, Fall 2025</a:t>
             </a:r>
             <a:endParaRPr lang="zh-TW" altLang="en-US"/>
           </a:p>
@@ -7925,7 +7782,7 @@
           <a:lstStyle/>
           <a:p>
             <a:r>
-              <a:rPr lang="en-US" altLang="zh-TW" smtClean="0"/>
+              <a:rPr lang="en-US" altLang="zh-TW"/>
               <a:t>NTUT CSIE</a:t>
             </a:r>
             <a:endParaRPr lang="zh-TW" altLang="en-US"/>
@@ -8001,7 +7858,7 @@
           <a:lstStyle/>
           <a:p>
             <a:r>
-              <a:rPr lang="en-US" altLang="zh-TW" dirty="0" smtClean="0"/>
+              <a:rPr lang="en-US" altLang="zh-TW" dirty="0"/>
               <a:t>MapReduce</a:t>
             </a:r>
             <a:endParaRPr lang="zh-TW" altLang="en-US" dirty="0"/>
@@ -8024,48 +7881,48 @@
           <a:lstStyle/>
           <a:p>
             <a:r>
-              <a:rPr lang="en-US" altLang="zh-TW" dirty="0" smtClean="0"/>
+              <a:rPr lang="en-US" altLang="zh-TW" dirty="0"/>
               <a:t>Map tasks</a:t>
             </a:r>
           </a:p>
           <a:p>
             <a:r>
-              <a:rPr lang="en-US" altLang="zh-TW" dirty="0" smtClean="0"/>
+              <a:rPr lang="en-US" altLang="zh-TW" dirty="0"/>
               <a:t>Reduce tasks</a:t>
             </a:r>
           </a:p>
           <a:p>
             <a:r>
-              <a:rPr lang="en-US" altLang="zh-TW" dirty="0" smtClean="0"/>
+              <a:rPr lang="en-US" altLang="zh-TW" dirty="0"/>
               <a:t>A single master </a:t>
             </a:r>
             <a:r>
-              <a:rPr lang="en-US" altLang="zh-TW" dirty="0" err="1" smtClean="0"/>
+              <a:rPr lang="en-US" altLang="zh-TW" dirty="0" err="1"/>
               <a:t>ResourceManager</a:t>
             </a:r>
-            <a:endParaRPr lang="en-US" altLang="zh-TW" dirty="0" smtClean="0"/>
-          </a:p>
-          <a:p>
-            <a:r>
-              <a:rPr lang="en-US" altLang="zh-TW" dirty="0" smtClean="0"/>
+            <a:endParaRPr lang="en-US" altLang="zh-TW" dirty="0"/>
+          </a:p>
+          <a:p>
+            <a:r>
+              <a:rPr lang="en-US" altLang="zh-TW" dirty="0"/>
               <a:t>One worker </a:t>
             </a:r>
             <a:r>
-              <a:rPr lang="en-US" altLang="zh-TW" dirty="0" err="1" smtClean="0"/>
+              <a:rPr lang="en-US" altLang="zh-TW" dirty="0" err="1"/>
               <a:t>NodeManager</a:t>
             </a:r>
             <a:r>
-              <a:rPr lang="en-US" altLang="zh-TW" dirty="0" smtClean="0"/>
+              <a:rPr lang="en-US" altLang="zh-TW" dirty="0"/>
               <a:t> per cluster node</a:t>
             </a:r>
           </a:p>
           <a:p>
             <a:r>
-              <a:rPr lang="en-US" altLang="zh-TW" dirty="0" err="1" smtClean="0"/>
+              <a:rPr lang="en-US" altLang="zh-TW" dirty="0" err="1"/>
               <a:t>MRAppMaster</a:t>
             </a:r>
             <a:r>
-              <a:rPr lang="en-US" altLang="zh-TW" dirty="0" smtClean="0"/>
+              <a:rPr lang="en-US" altLang="zh-TW" dirty="0"/>
               <a:t> per application</a:t>
             </a:r>
           </a:p>
@@ -8090,8 +7947,8 @@
           <a:lstStyle/>
           <a:p>
             <a:r>
-              <a:rPr lang="en-US" altLang="zh-TW" smtClean="0"/>
-              <a:t>Educational Data Mining and Applications, Fall 2023</a:t>
+              <a:rPr lang="en-US" altLang="zh-TW"/>
+              <a:t>Educational Data Mining and Applications, Fall 2025</a:t>
             </a:r>
             <a:endParaRPr lang="zh-TW" altLang="en-US"/>
           </a:p>
@@ -8113,7 +7970,7 @@
           <a:lstStyle/>
           <a:p>
             <a:r>
-              <a:rPr lang="en-US" altLang="zh-TW" smtClean="0"/>
+              <a:rPr lang="en-US" altLang="zh-TW"/>
               <a:t>NTUT CSIE</a:t>
             </a:r>
             <a:endParaRPr lang="zh-TW" altLang="en-US"/>
@@ -8153,13 +8010,6 @@
   <p:clrMapOvr>
     <a:masterClrMapping/>
   </p:clrMapOvr>
-  <p:timing>
-    <p:tnLst>
-      <p:par>
-        <p:cTn id="1" dur="indefinite" restart="never" nodeType="tmRoot"/>
-      </p:par>
-    </p:tnLst>
-  </p:timing>
 </p:sld>
 </file>
 
@@ -8196,8 +8046,408 @@
           <a:lstStyle/>
           <a:p>
             <a:r>
-              <a:rPr lang="en-US" altLang="zh-TW" dirty="0" smtClean="0"/>
-              <a:t>YARN: from Hadoop 2</a:t>
+              <a:rPr lang="en-US" altLang="zh-TW" dirty="0"/>
+              <a:t>New Functions after Hadoop 2</a:t>
+            </a:r>
+            <a:endParaRPr lang="zh-TW" altLang="en-US" dirty="0"/>
+          </a:p>
+        </p:txBody>
+      </p:sp>
+      <p:sp>
+        <p:nvSpPr>
+          <p:cNvPr id="3" name="內容版面配置區 2"/>
+          <p:cNvSpPr>
+            <a:spLocks noGrp="1"/>
+          </p:cNvSpPr>
+          <p:nvPr>
+            <p:ph idx="1"/>
+          </p:nvPr>
+        </p:nvSpPr>
+        <p:spPr/>
+        <p:txBody>
+          <a:bodyPr/>
+          <a:lstStyle/>
+          <a:p>
+            <a:r>
+              <a:rPr lang="en-US" altLang="zh-TW" dirty="0"/>
+              <a:t>HDFS Federation</a:t>
+            </a:r>
+          </a:p>
+          <a:p>
+            <a:r>
+              <a:rPr lang="en-US" altLang="zh-TW" dirty="0"/>
+              <a:t>YARN (Yet Another Resource Negotiator)</a:t>
+            </a:r>
+            <a:endParaRPr lang="zh-TW" altLang="en-US" dirty="0"/>
+          </a:p>
+        </p:txBody>
+      </p:sp>
+      <p:sp>
+        <p:nvSpPr>
+          <p:cNvPr id="4" name="日期版面配置區 3"/>
+          <p:cNvSpPr>
+            <a:spLocks noGrp="1"/>
+          </p:cNvSpPr>
+          <p:nvPr>
+            <p:ph type="dt" sz="half" idx="10"/>
+          </p:nvPr>
+        </p:nvSpPr>
+        <p:spPr/>
+        <p:txBody>
+          <a:bodyPr/>
+          <a:lstStyle/>
+          <a:p>
+            <a:r>
+              <a:rPr lang="en-US" altLang="zh-TW"/>
+              <a:t>Educational Data Mining and Applications, Fall 2025</a:t>
+            </a:r>
+            <a:endParaRPr lang="zh-TW" altLang="en-US"/>
+          </a:p>
+        </p:txBody>
+      </p:sp>
+      <p:sp>
+        <p:nvSpPr>
+          <p:cNvPr id="5" name="頁尾版面配置區 4"/>
+          <p:cNvSpPr>
+            <a:spLocks noGrp="1"/>
+          </p:cNvSpPr>
+          <p:nvPr>
+            <p:ph type="ftr" sz="quarter" idx="11"/>
+          </p:nvPr>
+        </p:nvSpPr>
+        <p:spPr/>
+        <p:txBody>
+          <a:bodyPr/>
+          <a:lstStyle/>
+          <a:p>
+            <a:r>
+              <a:rPr lang="en-US" altLang="zh-TW"/>
+              <a:t>NTUT CSIE</a:t>
+            </a:r>
+            <a:endParaRPr lang="zh-TW" altLang="en-US"/>
+          </a:p>
+        </p:txBody>
+      </p:sp>
+      <p:sp>
+        <p:nvSpPr>
+          <p:cNvPr id="6" name="投影片編號版面配置區 5"/>
+          <p:cNvSpPr>
+            <a:spLocks noGrp="1"/>
+          </p:cNvSpPr>
+          <p:nvPr>
+            <p:ph type="sldNum" sz="quarter" idx="12"/>
+          </p:nvPr>
+        </p:nvSpPr>
+        <p:spPr/>
+        <p:txBody>
+          <a:bodyPr/>
+          <a:lstStyle/>
+          <a:p>
+            <a:fld id="{2F9155C1-9C8C-48AF-B944-B052C67A712F}" type="slidenum">
+              <a:rPr lang="zh-TW" altLang="en-US" smtClean="0"/>
+              <a:t>25</a:t>
+            </a:fld>
+            <a:endParaRPr lang="zh-TW" altLang="en-US"/>
+          </a:p>
+        </p:txBody>
+      </p:sp>
+    </p:spTree>
+    <p:extLst>
+      <p:ext uri="{BB962C8B-B14F-4D97-AF65-F5344CB8AC3E}">
+        <p14:creationId xmlns:p14="http://schemas.microsoft.com/office/powerpoint/2010/main" val="2234444032"/>
+      </p:ext>
+    </p:extLst>
+  </p:cSld>
+  <p:clrMapOvr>
+    <a:masterClrMapping/>
+  </p:clrMapOvr>
+</p:sld>
+</file>
+
+<file path=ppt/slides/slide26.xml><?xml version="1.0" encoding="utf-8"?>
+<p:sld xmlns:a="http://schemas.openxmlformats.org/drawingml/2006/main" xmlns:r="http://schemas.openxmlformats.org/officeDocument/2006/relationships" xmlns:p="http://schemas.openxmlformats.org/presentationml/2006/main">
+  <p:cSld>
+    <p:spTree>
+      <p:nvGrpSpPr>
+        <p:cNvPr id="1" name=""/>
+        <p:cNvGrpSpPr/>
+        <p:nvPr/>
+      </p:nvGrpSpPr>
+      <p:grpSpPr>
+        <a:xfrm>
+          <a:off x="0" y="0"/>
+          <a:ext cx="0" cy="0"/>
+          <a:chOff x="0" y="0"/>
+          <a:chExt cx="0" cy="0"/>
+        </a:xfrm>
+      </p:grpSpPr>
+      <p:sp>
+        <p:nvSpPr>
+          <p:cNvPr id="2" name="標題 1"/>
+          <p:cNvSpPr>
+            <a:spLocks noGrp="1"/>
+          </p:cNvSpPr>
+          <p:nvPr>
+            <p:ph type="title"/>
+          </p:nvPr>
+        </p:nvSpPr>
+        <p:spPr/>
+        <p:txBody>
+          <a:bodyPr/>
+          <a:lstStyle/>
+          <a:p>
+            <a:r>
+              <a:rPr lang="en-US" altLang="zh-TW" dirty="0"/>
+              <a:t>HDFS Federation</a:t>
+            </a:r>
+            <a:endParaRPr lang="zh-TW" altLang="en-US" dirty="0"/>
+          </a:p>
+        </p:txBody>
+      </p:sp>
+      <p:sp>
+        <p:nvSpPr>
+          <p:cNvPr id="3" name="內容版面配置區 2"/>
+          <p:cNvSpPr>
+            <a:spLocks noGrp="1"/>
+          </p:cNvSpPr>
+          <p:nvPr>
+            <p:ph sz="half" idx="1"/>
+          </p:nvPr>
+        </p:nvSpPr>
+        <p:spPr/>
+        <p:txBody>
+          <a:bodyPr>
+            <a:normAutofit lnSpcReduction="10000"/>
+          </a:bodyPr>
+          <a:lstStyle/>
+          <a:p>
+            <a:r>
+              <a:rPr lang="en-US" altLang="zh-TW" dirty="0"/>
+              <a:t>Two major components in HDFS</a:t>
+            </a:r>
+          </a:p>
+          <a:p>
+            <a:pPr lvl="1"/>
+            <a:r>
+              <a:rPr lang="en-US" altLang="zh-TW" dirty="0"/>
+              <a:t>Namespaces</a:t>
+            </a:r>
+          </a:p>
+          <a:p>
+            <a:pPr lvl="1"/>
+            <a:r>
+              <a:rPr lang="en-US" altLang="zh-TW" dirty="0"/>
+              <a:t>Blocks storage service</a:t>
+            </a:r>
+          </a:p>
+          <a:p>
+            <a:r>
+              <a:rPr lang="en-US" altLang="zh-TW" dirty="0"/>
+              <a:t>Hadoop 1</a:t>
+            </a:r>
+          </a:p>
+          <a:p>
+            <a:pPr lvl="1"/>
+            <a:r>
+              <a:rPr lang="en-US" altLang="zh-TW" dirty="0"/>
+              <a:t>A single </a:t>
+            </a:r>
+            <a:r>
+              <a:rPr lang="en-US" altLang="zh-TW" dirty="0" err="1"/>
+              <a:t>namenode</a:t>
+            </a:r>
+            <a:r>
+              <a:rPr lang="en-US" altLang="zh-TW" dirty="0"/>
+              <a:t> manages the entire namespace</a:t>
+            </a:r>
+          </a:p>
+          <a:p>
+            <a:r>
+              <a:rPr lang="en-US" altLang="zh-TW" dirty="0"/>
+              <a:t>HDFS federation</a:t>
+            </a:r>
+          </a:p>
+          <a:p>
+            <a:pPr lvl="1"/>
+            <a:r>
+              <a:rPr lang="en-US" altLang="zh-TW" dirty="0"/>
+              <a:t>Multiple </a:t>
+            </a:r>
+            <a:r>
+              <a:rPr lang="en-US" altLang="zh-TW" dirty="0" err="1"/>
+              <a:t>namenode</a:t>
+            </a:r>
+            <a:r>
+              <a:rPr lang="en-US" altLang="zh-TW"/>
+              <a:t> servers </a:t>
+            </a:r>
+            <a:r>
+              <a:rPr lang="en-US" altLang="zh-TW" dirty="0"/>
+              <a:t>manage namespaces</a:t>
+            </a:r>
+          </a:p>
+          <a:p>
+            <a:pPr lvl="1"/>
+            <a:r>
+              <a:rPr lang="en-US" altLang="zh-TW" dirty="0"/>
+              <a:t>Horizontal scaling, performance improvement, multiple namespaces</a:t>
+            </a:r>
+            <a:endParaRPr lang="zh-TW" altLang="en-US" dirty="0"/>
+          </a:p>
+        </p:txBody>
+      </p:sp>
+      <p:pic>
+        <p:nvPicPr>
+          <p:cNvPr id="9" name="內容版面配置區 8">
+            <a:extLst>
+              <a:ext uri="{FF2B5EF4-FFF2-40B4-BE49-F238E27FC236}">
+                <a16:creationId xmlns:a16="http://schemas.microsoft.com/office/drawing/2014/main" id="{AB925A9F-D454-44F5-B432-58E8CBF3C8CD}"/>
+              </a:ext>
+            </a:extLst>
+          </p:cNvPr>
+          <p:cNvPicPr>
+            <a:picLocks noGrp="1" noChangeAspect="1"/>
+          </p:cNvPicPr>
+          <p:nvPr>
+            <p:ph sz="half" idx="2"/>
+          </p:nvPr>
+        </p:nvPicPr>
+        <p:blipFill>
+          <a:blip r:embed="rId2">
+            <a:extLst>
+              <a:ext uri="{28A0092B-C50C-407E-A947-70E740481C1C}">
+                <a14:useLocalDpi xmlns:a14="http://schemas.microsoft.com/office/drawing/2010/main" val="0"/>
+              </a:ext>
+            </a:extLst>
+          </a:blip>
+          <a:stretch>
+            <a:fillRect/>
+          </a:stretch>
+        </p:blipFill>
+        <p:spPr>
+          <a:xfrm>
+            <a:off x="6567487" y="2682081"/>
+            <a:ext cx="4391025" cy="2638425"/>
+          </a:xfrm>
+        </p:spPr>
+      </p:pic>
+      <p:sp>
+        <p:nvSpPr>
+          <p:cNvPr id="4" name="日期版面配置區 3"/>
+          <p:cNvSpPr>
+            <a:spLocks noGrp="1"/>
+          </p:cNvSpPr>
+          <p:nvPr>
+            <p:ph type="dt" sz="half" idx="10"/>
+          </p:nvPr>
+        </p:nvSpPr>
+        <p:spPr/>
+        <p:txBody>
+          <a:bodyPr/>
+          <a:lstStyle/>
+          <a:p>
+            <a:r>
+              <a:rPr lang="en-US" altLang="zh-TW"/>
+              <a:t>Educational Data Mining and Applications, Fall 2025</a:t>
+            </a:r>
+            <a:endParaRPr lang="zh-TW" altLang="en-US"/>
+          </a:p>
+        </p:txBody>
+      </p:sp>
+      <p:sp>
+        <p:nvSpPr>
+          <p:cNvPr id="5" name="頁尾版面配置區 4"/>
+          <p:cNvSpPr>
+            <a:spLocks noGrp="1"/>
+          </p:cNvSpPr>
+          <p:nvPr>
+            <p:ph type="ftr" sz="quarter" idx="11"/>
+          </p:nvPr>
+        </p:nvSpPr>
+        <p:spPr/>
+        <p:txBody>
+          <a:bodyPr/>
+          <a:lstStyle/>
+          <a:p>
+            <a:r>
+              <a:rPr lang="en-US" altLang="zh-TW"/>
+              <a:t>NTUT CSIE</a:t>
+            </a:r>
+            <a:endParaRPr lang="zh-TW" altLang="en-US"/>
+          </a:p>
+        </p:txBody>
+      </p:sp>
+      <p:sp>
+        <p:nvSpPr>
+          <p:cNvPr id="6" name="投影片編號版面配置區 5"/>
+          <p:cNvSpPr>
+            <a:spLocks noGrp="1"/>
+          </p:cNvSpPr>
+          <p:nvPr>
+            <p:ph type="sldNum" sz="quarter" idx="12"/>
+          </p:nvPr>
+        </p:nvSpPr>
+        <p:spPr/>
+        <p:txBody>
+          <a:bodyPr/>
+          <a:lstStyle/>
+          <a:p>
+            <a:fld id="{2F9155C1-9C8C-48AF-B944-B052C67A712F}" type="slidenum">
+              <a:rPr lang="zh-TW" altLang="en-US" smtClean="0"/>
+              <a:t>26</a:t>
+            </a:fld>
+            <a:endParaRPr lang="zh-TW" altLang="en-US"/>
+          </a:p>
+        </p:txBody>
+      </p:sp>
+    </p:spTree>
+    <p:extLst>
+      <p:ext uri="{BB962C8B-B14F-4D97-AF65-F5344CB8AC3E}">
+        <p14:creationId xmlns:p14="http://schemas.microsoft.com/office/powerpoint/2010/main" val="1832416022"/>
+      </p:ext>
+    </p:extLst>
+  </p:cSld>
+  <p:clrMapOvr>
+    <a:masterClrMapping/>
+  </p:clrMapOvr>
+</p:sld>
+</file>
+
+<file path=ppt/slides/slide27.xml><?xml version="1.0" encoding="utf-8"?>
+<p:sld xmlns:a="http://schemas.openxmlformats.org/drawingml/2006/main" xmlns:r="http://schemas.openxmlformats.org/officeDocument/2006/relationships" xmlns:p="http://schemas.openxmlformats.org/presentationml/2006/main">
+  <p:cSld>
+    <p:spTree>
+      <p:nvGrpSpPr>
+        <p:cNvPr id="1" name=""/>
+        <p:cNvGrpSpPr/>
+        <p:nvPr/>
+      </p:nvGrpSpPr>
+      <p:grpSpPr>
+        <a:xfrm>
+          <a:off x="0" y="0"/>
+          <a:ext cx="0" cy="0"/>
+          <a:chOff x="0" y="0"/>
+          <a:chExt cx="0" cy="0"/>
+        </a:xfrm>
+      </p:grpSpPr>
+      <p:sp>
+        <p:nvSpPr>
+          <p:cNvPr id="2" name="標題 1"/>
+          <p:cNvSpPr>
+            <a:spLocks noGrp="1"/>
+          </p:cNvSpPr>
+          <p:nvPr>
+            <p:ph type="title"/>
+          </p:nvPr>
+        </p:nvSpPr>
+        <p:spPr/>
+        <p:txBody>
+          <a:bodyPr/>
+          <a:lstStyle/>
+          <a:p>
+            <a:r>
+              <a:rPr lang="en-US" altLang="zh-TW" dirty="0"/>
+              <a:t>Apache Hadoop YARN: starting from Hadoop 2</a:t>
             </a:r>
             <a:endParaRPr lang="zh-TW" altLang="en-US" dirty="0"/>
           </a:p>
@@ -8278,8 +8528,8 @@
           <a:lstStyle/>
           <a:p>
             <a:r>
-              <a:rPr lang="en-US" altLang="zh-TW" smtClean="0"/>
-              <a:t>Educational Data Mining and Applications, Fall 2023</a:t>
+              <a:rPr lang="en-US" altLang="zh-TW"/>
+              <a:t>Educational Data Mining and Applications, Fall 2025</a:t>
             </a:r>
             <a:endParaRPr lang="zh-TW" altLang="en-US"/>
           </a:p>
@@ -8301,7 +8551,7 @@
           <a:lstStyle/>
           <a:p>
             <a:r>
-              <a:rPr lang="en-US" altLang="zh-TW" smtClean="0"/>
+              <a:rPr lang="en-US" altLang="zh-TW"/>
               <a:t>NTUT CSIE</a:t>
             </a:r>
             <a:endParaRPr lang="zh-TW" altLang="en-US"/>
@@ -8325,7 +8575,7 @@
           <a:p>
             <a:fld id="{2F9155C1-9C8C-48AF-B944-B052C67A712F}" type="slidenum">
               <a:rPr lang="zh-TW" altLang="en-US" smtClean="0"/>
-              <a:t>25</a:t>
+              <a:t>27</a:t>
             </a:fld>
             <a:endParaRPr lang="zh-TW" altLang="en-US"/>
           </a:p>
@@ -8334,397 +8584,13 @@
     </p:spTree>
     <p:extLst>
       <p:ext uri="{BB962C8B-B14F-4D97-AF65-F5344CB8AC3E}">
-        <p14:creationId xmlns:p14="http://schemas.microsoft.com/office/powerpoint/2010/main" val="743121449"/>
+        <p14:creationId xmlns:p14="http://schemas.microsoft.com/office/powerpoint/2010/main" val="3906840650"/>
       </p:ext>
     </p:extLst>
   </p:cSld>
   <p:clrMapOvr>
     <a:masterClrMapping/>
   </p:clrMapOvr>
-  <p:timing>
-    <p:tnLst>
-      <p:par>
-        <p:cTn id="1" dur="indefinite" restart="never" nodeType="tmRoot"/>
-      </p:par>
-    </p:tnLst>
-  </p:timing>
-</p:sld>
-</file>
-
-<file path=ppt/slides/slide26.xml><?xml version="1.0" encoding="utf-8"?>
-<p:sld xmlns:a="http://schemas.openxmlformats.org/drawingml/2006/main" xmlns:r="http://schemas.openxmlformats.org/officeDocument/2006/relationships" xmlns:p="http://schemas.openxmlformats.org/presentationml/2006/main">
-  <p:cSld>
-    <p:spTree>
-      <p:nvGrpSpPr>
-        <p:cNvPr id="1" name=""/>
-        <p:cNvGrpSpPr/>
-        <p:nvPr/>
-      </p:nvGrpSpPr>
-      <p:grpSpPr>
-        <a:xfrm>
-          <a:off x="0" y="0"/>
-          <a:ext cx="0" cy="0"/>
-          <a:chOff x="0" y="0"/>
-          <a:chExt cx="0" cy="0"/>
-        </a:xfrm>
-      </p:grpSpPr>
-      <p:sp>
-        <p:nvSpPr>
-          <p:cNvPr id="2" name="標題 1"/>
-          <p:cNvSpPr>
-            <a:spLocks noGrp="1"/>
-          </p:cNvSpPr>
-          <p:nvPr>
-            <p:ph type="title"/>
-          </p:nvPr>
-        </p:nvSpPr>
-        <p:spPr/>
-        <p:txBody>
-          <a:bodyPr/>
-          <a:lstStyle/>
-          <a:p>
-            <a:r>
-              <a:rPr lang="en-US" altLang="zh-TW" dirty="0" smtClean="0"/>
-              <a:t>Major Differences between Hadoop 1 and 2</a:t>
-            </a:r>
-            <a:endParaRPr lang="zh-TW" altLang="en-US" dirty="0"/>
-          </a:p>
-        </p:txBody>
-      </p:sp>
-      <p:sp>
-        <p:nvSpPr>
-          <p:cNvPr id="3" name="內容版面配置區 2"/>
-          <p:cNvSpPr>
-            <a:spLocks noGrp="1"/>
-          </p:cNvSpPr>
-          <p:nvPr>
-            <p:ph idx="1"/>
-          </p:nvPr>
-        </p:nvSpPr>
-        <p:spPr/>
-        <p:txBody>
-          <a:bodyPr/>
-          <a:lstStyle/>
-          <a:p>
-            <a:r>
-              <a:rPr lang="en-US" altLang="zh-TW" dirty="0" smtClean="0"/>
-              <a:t>HDFS Federation</a:t>
-            </a:r>
-          </a:p>
-          <a:p>
-            <a:r>
-              <a:rPr lang="en-US" altLang="zh-TW" dirty="0" smtClean="0"/>
-              <a:t>Resource manager YARN</a:t>
-            </a:r>
-            <a:endParaRPr lang="zh-TW" altLang="en-US" dirty="0"/>
-          </a:p>
-        </p:txBody>
-      </p:sp>
-      <p:sp>
-        <p:nvSpPr>
-          <p:cNvPr id="4" name="日期版面配置區 3"/>
-          <p:cNvSpPr>
-            <a:spLocks noGrp="1"/>
-          </p:cNvSpPr>
-          <p:nvPr>
-            <p:ph type="dt" sz="half" idx="10"/>
-          </p:nvPr>
-        </p:nvSpPr>
-        <p:spPr/>
-        <p:txBody>
-          <a:bodyPr/>
-          <a:lstStyle/>
-          <a:p>
-            <a:r>
-              <a:rPr lang="en-US" altLang="zh-TW" smtClean="0"/>
-              <a:t>Educational Data Mining and Applications, Fall 2023</a:t>
-            </a:r>
-            <a:endParaRPr lang="zh-TW" altLang="en-US"/>
-          </a:p>
-        </p:txBody>
-      </p:sp>
-      <p:sp>
-        <p:nvSpPr>
-          <p:cNvPr id="5" name="頁尾版面配置區 4"/>
-          <p:cNvSpPr>
-            <a:spLocks noGrp="1"/>
-          </p:cNvSpPr>
-          <p:nvPr>
-            <p:ph type="ftr" sz="quarter" idx="11"/>
-          </p:nvPr>
-        </p:nvSpPr>
-        <p:spPr/>
-        <p:txBody>
-          <a:bodyPr/>
-          <a:lstStyle/>
-          <a:p>
-            <a:r>
-              <a:rPr lang="en-US" altLang="zh-TW" smtClean="0"/>
-              <a:t>NTUT CSIE</a:t>
-            </a:r>
-            <a:endParaRPr lang="zh-TW" altLang="en-US"/>
-          </a:p>
-        </p:txBody>
-      </p:sp>
-      <p:sp>
-        <p:nvSpPr>
-          <p:cNvPr id="6" name="投影片編號版面配置區 5"/>
-          <p:cNvSpPr>
-            <a:spLocks noGrp="1"/>
-          </p:cNvSpPr>
-          <p:nvPr>
-            <p:ph type="sldNum" sz="quarter" idx="12"/>
-          </p:nvPr>
-        </p:nvSpPr>
-        <p:spPr/>
-        <p:txBody>
-          <a:bodyPr/>
-          <a:lstStyle/>
-          <a:p>
-            <a:fld id="{2F9155C1-9C8C-48AF-B944-B052C67A712F}" type="slidenum">
-              <a:rPr lang="zh-TW" altLang="en-US" smtClean="0"/>
-              <a:t>26</a:t>
-            </a:fld>
-            <a:endParaRPr lang="zh-TW" altLang="en-US"/>
-          </a:p>
-        </p:txBody>
-      </p:sp>
-    </p:spTree>
-    <p:extLst>
-      <p:ext uri="{BB962C8B-B14F-4D97-AF65-F5344CB8AC3E}">
-        <p14:creationId xmlns:p14="http://schemas.microsoft.com/office/powerpoint/2010/main" val="2234444032"/>
-      </p:ext>
-    </p:extLst>
-  </p:cSld>
-  <p:clrMapOvr>
-    <a:masterClrMapping/>
-  </p:clrMapOvr>
-  <p:timing>
-    <p:tnLst>
-      <p:par>
-        <p:cTn id="1" dur="indefinite" restart="never" nodeType="tmRoot"/>
-      </p:par>
-    </p:tnLst>
-  </p:timing>
-</p:sld>
-</file>
-
-<file path=ppt/slides/slide27.xml><?xml version="1.0" encoding="utf-8"?>
-<p:sld xmlns:a="http://schemas.openxmlformats.org/drawingml/2006/main" xmlns:r="http://schemas.openxmlformats.org/officeDocument/2006/relationships" xmlns:p="http://schemas.openxmlformats.org/presentationml/2006/main">
-  <p:cSld>
-    <p:spTree>
-      <p:nvGrpSpPr>
-        <p:cNvPr id="1" name=""/>
-        <p:cNvGrpSpPr/>
-        <p:nvPr/>
-      </p:nvGrpSpPr>
-      <p:grpSpPr>
-        <a:xfrm>
-          <a:off x="0" y="0"/>
-          <a:ext cx="0" cy="0"/>
-          <a:chOff x="0" y="0"/>
-          <a:chExt cx="0" cy="0"/>
-        </a:xfrm>
-      </p:grpSpPr>
-      <p:sp>
-        <p:nvSpPr>
-          <p:cNvPr id="2" name="標題 1"/>
-          <p:cNvSpPr>
-            <a:spLocks noGrp="1"/>
-          </p:cNvSpPr>
-          <p:nvPr>
-            <p:ph type="title"/>
-          </p:nvPr>
-        </p:nvSpPr>
-        <p:spPr/>
-        <p:txBody>
-          <a:bodyPr/>
-          <a:lstStyle/>
-          <a:p>
-            <a:r>
-              <a:rPr lang="en-US" altLang="zh-TW" dirty="0" smtClean="0"/>
-              <a:t>Hadoop 2: HDFS Federation</a:t>
-            </a:r>
-            <a:endParaRPr lang="zh-TW" altLang="en-US" dirty="0"/>
-          </a:p>
-        </p:txBody>
-      </p:sp>
-      <p:sp>
-        <p:nvSpPr>
-          <p:cNvPr id="3" name="內容版面配置區 2"/>
-          <p:cNvSpPr>
-            <a:spLocks noGrp="1"/>
-          </p:cNvSpPr>
-          <p:nvPr>
-            <p:ph idx="1"/>
-          </p:nvPr>
-        </p:nvSpPr>
-        <p:spPr/>
-        <p:txBody>
-          <a:bodyPr/>
-          <a:lstStyle/>
-          <a:p>
-            <a:r>
-              <a:rPr lang="en-US" altLang="zh-TW" dirty="0" smtClean="0"/>
-              <a:t>Two major components in HDFS</a:t>
-            </a:r>
-          </a:p>
-          <a:p>
-            <a:pPr lvl="1"/>
-            <a:r>
-              <a:rPr lang="en-US" altLang="zh-TW" dirty="0" smtClean="0"/>
-              <a:t>Namespaces</a:t>
-            </a:r>
-          </a:p>
-          <a:p>
-            <a:pPr lvl="1"/>
-            <a:r>
-              <a:rPr lang="en-US" altLang="zh-TW" dirty="0" smtClean="0"/>
-              <a:t>Blocks storage service</a:t>
-            </a:r>
-          </a:p>
-          <a:p>
-            <a:r>
-              <a:rPr lang="en-US" altLang="zh-TW" dirty="0" smtClean="0"/>
-              <a:t>Hadoop 1</a:t>
-            </a:r>
-          </a:p>
-          <a:p>
-            <a:pPr lvl="1"/>
-            <a:r>
-              <a:rPr lang="en-US" altLang="zh-TW" dirty="0" smtClean="0"/>
-              <a:t>A single </a:t>
-            </a:r>
-            <a:r>
-              <a:rPr lang="en-US" altLang="zh-TW" dirty="0" err="1" smtClean="0"/>
-              <a:t>namenode</a:t>
-            </a:r>
-            <a:r>
-              <a:rPr lang="en-US" altLang="zh-TW" dirty="0" smtClean="0"/>
-              <a:t> manages the entire namespace</a:t>
-            </a:r>
-          </a:p>
-          <a:p>
-            <a:r>
-              <a:rPr lang="en-US" altLang="zh-TW" dirty="0" smtClean="0"/>
-              <a:t>HDFS federation</a:t>
-            </a:r>
-          </a:p>
-          <a:p>
-            <a:pPr lvl="1"/>
-            <a:r>
-              <a:rPr lang="en-US" altLang="zh-TW" dirty="0" smtClean="0"/>
-              <a:t>Multiple </a:t>
-            </a:r>
-            <a:r>
-              <a:rPr lang="en-US" altLang="zh-TW" dirty="0" err="1" smtClean="0"/>
-              <a:t>namenode</a:t>
-            </a:r>
-            <a:r>
-              <a:rPr lang="en-US" altLang="zh-TW" smtClean="0"/>
-              <a:t> servers </a:t>
-            </a:r>
-            <a:r>
-              <a:rPr lang="en-US" altLang="zh-TW" dirty="0" smtClean="0"/>
-              <a:t>manage namespaces</a:t>
-            </a:r>
-          </a:p>
-          <a:p>
-            <a:pPr lvl="1"/>
-            <a:r>
-              <a:rPr lang="en-US" altLang="zh-TW" dirty="0" smtClean="0"/>
-              <a:t>Horizontal scaling, performance improvement, multiple namespaces</a:t>
-            </a:r>
-            <a:endParaRPr lang="zh-TW" altLang="en-US" dirty="0"/>
-          </a:p>
-        </p:txBody>
-      </p:sp>
-      <p:sp>
-        <p:nvSpPr>
-          <p:cNvPr id="4" name="日期版面配置區 3"/>
-          <p:cNvSpPr>
-            <a:spLocks noGrp="1"/>
-          </p:cNvSpPr>
-          <p:nvPr>
-            <p:ph type="dt" sz="half" idx="10"/>
-          </p:nvPr>
-        </p:nvSpPr>
-        <p:spPr/>
-        <p:txBody>
-          <a:bodyPr/>
-          <a:lstStyle/>
-          <a:p>
-            <a:r>
-              <a:rPr lang="en-US" altLang="zh-TW" smtClean="0"/>
-              <a:t>Educational Data Mining and Applications, Fall 2023</a:t>
-            </a:r>
-            <a:endParaRPr lang="zh-TW" altLang="en-US"/>
-          </a:p>
-        </p:txBody>
-      </p:sp>
-      <p:sp>
-        <p:nvSpPr>
-          <p:cNvPr id="5" name="頁尾版面配置區 4"/>
-          <p:cNvSpPr>
-            <a:spLocks noGrp="1"/>
-          </p:cNvSpPr>
-          <p:nvPr>
-            <p:ph type="ftr" sz="quarter" idx="11"/>
-          </p:nvPr>
-        </p:nvSpPr>
-        <p:spPr/>
-        <p:txBody>
-          <a:bodyPr/>
-          <a:lstStyle/>
-          <a:p>
-            <a:r>
-              <a:rPr lang="en-US" altLang="zh-TW" smtClean="0"/>
-              <a:t>NTUT CSIE</a:t>
-            </a:r>
-            <a:endParaRPr lang="zh-TW" altLang="en-US"/>
-          </a:p>
-        </p:txBody>
-      </p:sp>
-      <p:sp>
-        <p:nvSpPr>
-          <p:cNvPr id="6" name="投影片編號版面配置區 5"/>
-          <p:cNvSpPr>
-            <a:spLocks noGrp="1"/>
-          </p:cNvSpPr>
-          <p:nvPr>
-            <p:ph type="sldNum" sz="quarter" idx="12"/>
-          </p:nvPr>
-        </p:nvSpPr>
-        <p:spPr/>
-        <p:txBody>
-          <a:bodyPr/>
-          <a:lstStyle/>
-          <a:p>
-            <a:fld id="{2F9155C1-9C8C-48AF-B944-B052C67A712F}" type="slidenum">
-              <a:rPr lang="zh-TW" altLang="en-US" smtClean="0"/>
-              <a:t>27</a:t>
-            </a:fld>
-            <a:endParaRPr lang="zh-TW" altLang="en-US"/>
-          </a:p>
-        </p:txBody>
-      </p:sp>
-    </p:spTree>
-    <p:extLst>
-      <p:ext uri="{BB962C8B-B14F-4D97-AF65-F5344CB8AC3E}">
-        <p14:creationId xmlns:p14="http://schemas.microsoft.com/office/powerpoint/2010/main" val="1832416022"/>
-      </p:ext>
-    </p:extLst>
-  </p:cSld>
-  <p:clrMapOvr>
-    <a:masterClrMapping/>
-  </p:clrMapOvr>
-  <p:timing>
-    <p:tnLst>
-      <p:par>
-        <p:cTn id="1" dur="indefinite" restart="never" nodeType="tmRoot"/>
-      </p:par>
-    </p:tnLst>
-  </p:timing>
 </p:sld>
 </file>
 
@@ -8747,7 +8613,13 @@
       </p:grpSpPr>
       <p:sp>
         <p:nvSpPr>
-          <p:cNvPr id="2" name="標題 1"/>
+          <p:cNvPr id="2" name="標題 1">
+            <a:extLst>
+              <a:ext uri="{FF2B5EF4-FFF2-40B4-BE49-F238E27FC236}">
+                <a16:creationId xmlns:a16="http://schemas.microsoft.com/office/drawing/2014/main" id="{A891BF8A-0C7E-48AA-87A7-9D1D22228F2E}"/>
+              </a:ext>
+            </a:extLst>
+          </p:cNvPr>
           <p:cNvSpPr>
             <a:spLocks noGrp="1"/>
           </p:cNvSpPr>
@@ -8761,8 +8633,8 @@
           <a:lstStyle/>
           <a:p>
             <a:r>
-              <a:rPr lang="en-US" altLang="zh-TW" dirty="0" smtClean="0"/>
-              <a:t>Hadoop 2: YARN</a:t>
+              <a:rPr lang="en-US" altLang="zh-TW" dirty="0"/>
+              <a:t>What is YARN?</a:t>
             </a:r>
             <a:endParaRPr lang="zh-TW" altLang="en-US" dirty="0"/>
           </a:p>
@@ -8770,7 +8642,13 @@
       </p:sp>
       <p:sp>
         <p:nvSpPr>
-          <p:cNvPr id="3" name="內容版面配置區 2"/>
+          <p:cNvPr id="3" name="內容版面配置區 2">
+            <a:extLst>
+              <a:ext uri="{FF2B5EF4-FFF2-40B4-BE49-F238E27FC236}">
+                <a16:creationId xmlns:a16="http://schemas.microsoft.com/office/drawing/2014/main" id="{53AB0A41-08B0-4D85-A831-4D68454CD940}"/>
+              </a:ext>
+            </a:extLst>
+          </p:cNvPr>
           <p:cNvSpPr>
             <a:spLocks noGrp="1"/>
           </p:cNvSpPr>
@@ -8780,37 +8658,126 @@
         </p:nvSpPr>
         <p:spPr/>
         <p:txBody>
-          <a:bodyPr/>
-          <a:lstStyle/>
-          <a:p>
-            <a:r>
-              <a:rPr lang="en-US" altLang="zh-TW" dirty="0" smtClean="0"/>
-              <a:t>Brings significant performance improvements for some applications</a:t>
-            </a:r>
-          </a:p>
-          <a:p>
-            <a:r>
-              <a:rPr lang="en-US" altLang="zh-TW" dirty="0" smtClean="0"/>
-              <a:t>Supports additional processing models</a:t>
-            </a:r>
-          </a:p>
-          <a:p>
-            <a:r>
-              <a:rPr lang="en-US" altLang="zh-TW" dirty="0" smtClean="0"/>
-              <a:t>Implements a more flexible execution engine</a:t>
-            </a:r>
-          </a:p>
-          <a:p>
-            <a:endParaRPr lang="en-US" altLang="zh-TW" dirty="0" smtClean="0"/>
-          </a:p>
-          <a:p>
+          <a:bodyPr>
+            <a:normAutofit lnSpcReduction="10000"/>
+          </a:bodyPr>
+          <a:lstStyle/>
+          <a:p>
+            <a:r>
+              <a:rPr lang="en-US" altLang="zh-TW" b="0" i="0" dirty="0">
+                <a:solidFill>
+                  <a:srgbClr val="000000"/>
+                </a:solidFill>
+                <a:effectLst/>
+              </a:rPr>
+              <a:t>A distributed job submission/execution engine allowing remote callers to submit arbitrary work into the cluster</a:t>
+            </a:r>
+          </a:p>
+          <a:p>
+            <a:r>
+              <a:rPr lang="en-US" altLang="zh-TW" b="0" i="0" dirty="0">
+                <a:solidFill>
+                  <a:srgbClr val="000000"/>
+                </a:solidFill>
+                <a:effectLst/>
+              </a:rPr>
+              <a:t>To split up the functionalities of resource management and job scheduling/monitoring into separate daemons</a:t>
+            </a:r>
+          </a:p>
+          <a:p>
+            <a:pPr lvl="1"/>
+            <a:r>
+              <a:rPr lang="en-US" altLang="zh-TW" dirty="0" err="1">
+                <a:solidFill>
+                  <a:srgbClr val="000000"/>
+                </a:solidFill>
+              </a:rPr>
+              <a:t>ResourceManager</a:t>
+            </a:r>
+            <a:r>
+              <a:rPr lang="en-US" altLang="zh-TW" dirty="0">
+                <a:solidFill>
+                  <a:srgbClr val="000000"/>
+                </a:solidFill>
+              </a:rPr>
+              <a:t> (RM): global</a:t>
+            </a:r>
+          </a:p>
+          <a:p>
+            <a:pPr lvl="1"/>
+            <a:r>
+              <a:rPr lang="en-US" altLang="zh-TW" dirty="0" err="1">
+                <a:solidFill>
+                  <a:srgbClr val="000000"/>
+                </a:solidFill>
+              </a:rPr>
+              <a:t>ApplicationMaster</a:t>
+            </a:r>
+            <a:r>
+              <a:rPr lang="en-US" altLang="zh-TW" dirty="0">
+                <a:solidFill>
+                  <a:srgbClr val="000000"/>
+                </a:solidFill>
+              </a:rPr>
+              <a:t> (AM): per-application</a:t>
+            </a:r>
+          </a:p>
+          <a:p>
+            <a:r>
+              <a:rPr lang="en-US" altLang="zh-TW" dirty="0"/>
+              <a:t>Data computation framework</a:t>
+            </a:r>
+          </a:p>
+          <a:p>
+            <a:pPr lvl="1"/>
+            <a:r>
+              <a:rPr lang="en-US" altLang="zh-TW" dirty="0" err="1"/>
+              <a:t>ResourceManager</a:t>
+            </a:r>
+            <a:r>
+              <a:rPr lang="en-US" altLang="zh-TW" dirty="0"/>
+              <a:t>: resource arbitrator among all applications</a:t>
+            </a:r>
+          </a:p>
+          <a:p>
+            <a:pPr lvl="1"/>
+            <a:r>
+              <a:rPr lang="en-US" altLang="zh-TW" dirty="0" err="1"/>
+              <a:t>NodeManager</a:t>
+            </a:r>
+            <a:r>
+              <a:rPr lang="en-US" altLang="zh-TW" dirty="0"/>
+              <a:t>: per-machine framework agent who is responsible for containers, monitoring their resource usage (</a:t>
+            </a:r>
+            <a:r>
+              <a:rPr lang="en-US" altLang="zh-TW" dirty="0" err="1"/>
+              <a:t>cpu</a:t>
+            </a:r>
+            <a:r>
+              <a:rPr lang="en-US" altLang="zh-TW" dirty="0"/>
+              <a:t>, memory, disk, network) and reporting the same to the </a:t>
+            </a:r>
+            <a:r>
+              <a:rPr lang="en-US" altLang="zh-TW" dirty="0" err="1"/>
+              <a:t>ResourceManager</a:t>
+            </a:r>
+            <a:r>
+              <a:rPr lang="en-US" altLang="zh-TW" dirty="0"/>
+              <a:t>/Scheduler</a:t>
+            </a:r>
             <a:endParaRPr lang="zh-TW" altLang="en-US" dirty="0"/>
           </a:p>
         </p:txBody>
       </p:sp>
       <p:sp>
         <p:nvSpPr>
-          <p:cNvPr id="4" name="日期版面配置區 3"/>
+          <p:cNvPr id="4" name="日期版面配置區 3">
+            <a:extLst>
+              <a:ext uri="{FF2B5EF4-FFF2-40B4-BE49-F238E27FC236}">
+                <a16:creationId xmlns:a16="http://schemas.microsoft.com/office/drawing/2014/main" id="{480DC2E9-E53E-403E-9189-4113118D5120}"/>
+              </a:ext>
+            </a:extLst>
+          </p:cNvPr>
           <p:cNvSpPr>
             <a:spLocks noGrp="1"/>
           </p:cNvSpPr>
@@ -8824,16 +8791,22 @@
           <a:lstStyle/>
           <a:p>
             <a:r>
-              <a:rPr lang="en-US" altLang="zh-TW" smtClean="0"/>
-              <a:t>Educational Data Mining and Applications, Fall 2023</a:t>
-            </a:r>
-            <a:endParaRPr lang="zh-TW" altLang="en-US"/>
-          </a:p>
-        </p:txBody>
-      </p:sp>
-      <p:sp>
-        <p:nvSpPr>
-          <p:cNvPr id="5" name="頁尾版面配置區 4"/>
+              <a:rPr lang="en-US" altLang="zh-TW"/>
+              <a:t>Educational Data Mining and Applications, Fall 2025</a:t>
+            </a:r>
+            <a:endParaRPr lang="zh-TW" altLang="en-US"/>
+          </a:p>
+        </p:txBody>
+      </p:sp>
+      <p:sp>
+        <p:nvSpPr>
+          <p:cNvPr id="5" name="頁尾版面配置區 4">
+            <a:extLst>
+              <a:ext uri="{FF2B5EF4-FFF2-40B4-BE49-F238E27FC236}">
+                <a16:creationId xmlns:a16="http://schemas.microsoft.com/office/drawing/2014/main" id="{2F9038D3-DD9A-4BA8-8707-537868381F55}"/>
+              </a:ext>
+            </a:extLst>
+          </p:cNvPr>
           <p:cNvSpPr>
             <a:spLocks noGrp="1"/>
           </p:cNvSpPr>
@@ -8847,7 +8820,7 @@
           <a:lstStyle/>
           <a:p>
             <a:r>
-              <a:rPr lang="en-US" altLang="zh-TW" smtClean="0"/>
+              <a:rPr lang="en-US" altLang="zh-TW"/>
               <a:t>NTUT CSIE</a:t>
             </a:r>
             <a:endParaRPr lang="zh-TW" altLang="en-US"/>
@@ -8856,7 +8829,13 @@
       </p:sp>
       <p:sp>
         <p:nvSpPr>
-          <p:cNvPr id="6" name="投影片編號版面配置區 5"/>
+          <p:cNvPr id="6" name="投影片編號版面配置區 5">
+            <a:extLst>
+              <a:ext uri="{FF2B5EF4-FFF2-40B4-BE49-F238E27FC236}">
+                <a16:creationId xmlns:a16="http://schemas.microsoft.com/office/drawing/2014/main" id="{AD9C9419-5272-40EE-82AB-5BAF39AFA46A}"/>
+              </a:ext>
+            </a:extLst>
+          </p:cNvPr>
           <p:cNvSpPr>
             <a:spLocks noGrp="1"/>
           </p:cNvSpPr>
@@ -8880,20 +8859,13 @@
     </p:spTree>
     <p:extLst>
       <p:ext uri="{BB962C8B-B14F-4D97-AF65-F5344CB8AC3E}">
-        <p14:creationId xmlns:p14="http://schemas.microsoft.com/office/powerpoint/2010/main" val="1242145730"/>
+        <p14:creationId xmlns:p14="http://schemas.microsoft.com/office/powerpoint/2010/main" val="1402151569"/>
       </p:ext>
     </p:extLst>
   </p:cSld>
   <p:clrMapOvr>
     <a:masterClrMapping/>
   </p:clrMapOvr>
-  <p:timing>
-    <p:tnLst>
-      <p:par>
-        <p:cTn id="1" dur="indefinite" restart="never" nodeType="tmRoot"/>
-      </p:par>
-    </p:tnLst>
-  </p:timing>
 </p:sld>
 </file>
 
@@ -8930,7 +8902,7 @@
           <a:lstStyle/>
           <a:p>
             <a:r>
-              <a:rPr lang="en-US" altLang="zh-TW" dirty="0" smtClean="0"/>
+              <a:rPr lang="en-US" altLang="zh-TW" dirty="0"/>
               <a:t>What is YARN?</a:t>
             </a:r>
             <a:endParaRPr lang="zh-TW" altLang="en-US" dirty="0"/>
@@ -8953,47 +8925,41 @@
           <a:lstStyle/>
           <a:p>
             <a:r>
-              <a:rPr lang="en-US" altLang="zh-TW" dirty="0" smtClean="0"/>
-              <a:t>A resource manager separated from MapReduce in Hadoop 1</a:t>
-            </a:r>
-          </a:p>
-          <a:p>
-            <a:r>
-              <a:rPr lang="en-US" altLang="zh-TW" dirty="0" smtClean="0"/>
+              <a:rPr lang="en-US" altLang="zh-TW" dirty="0"/>
               <a:t>The operating system of Hadoop</a:t>
             </a:r>
           </a:p>
           <a:p>
             <a:pPr lvl="1"/>
             <a:r>
-              <a:rPr lang="en-US" altLang="zh-TW" dirty="0" smtClean="0"/>
+              <a:rPr lang="en-US" altLang="zh-TW" dirty="0"/>
               <a:t>Managing and monitoring workloads</a:t>
             </a:r>
           </a:p>
           <a:p>
             <a:pPr lvl="1"/>
             <a:r>
-              <a:rPr lang="en-US" altLang="zh-TW" dirty="0" smtClean="0"/>
+              <a:rPr lang="en-US" altLang="zh-TW" dirty="0"/>
               <a:t>Maintaining a multi-tenant environment</a:t>
             </a:r>
           </a:p>
           <a:p>
             <a:pPr lvl="1"/>
             <a:r>
-              <a:rPr lang="en-US" altLang="zh-TW" dirty="0" smtClean="0"/>
+              <a:rPr lang="en-US" altLang="zh-TW" dirty="0"/>
               <a:t>Implementing security controls</a:t>
             </a:r>
           </a:p>
           <a:p>
             <a:pPr lvl="1"/>
             <a:r>
-              <a:rPr lang="en-US" altLang="zh-TW" dirty="0" smtClean="0"/>
+              <a:rPr lang="en-US" altLang="zh-TW" dirty="0"/>
               <a:t>Managing high-availability features of Hadoop</a:t>
             </a:r>
           </a:p>
           <a:p>
             <a:r>
-              <a:rPr lang="en-US" altLang="zh-TW" dirty="0" smtClean="0"/>
+              <a:rPr lang="en-US" altLang="zh-TW" dirty="0"/>
               <a:t>No longer limited to the I/O intensive, high-latency MapReduce model</a:t>
             </a:r>
           </a:p>
@@ -9018,8 +8984,8 @@
           <a:lstStyle/>
           <a:p>
             <a:r>
-              <a:rPr lang="en-US" altLang="zh-TW" smtClean="0"/>
-              <a:t>Educational Data Mining and Applications, Fall 2023</a:t>
+              <a:rPr lang="en-US" altLang="zh-TW"/>
+              <a:t>Educational Data Mining and Applications, Fall 2025</a:t>
             </a:r>
             <a:endParaRPr lang="zh-TW" altLang="en-US"/>
           </a:p>
@@ -9041,7 +9007,7 @@
           <a:lstStyle/>
           <a:p>
             <a:r>
-              <a:rPr lang="en-US" altLang="zh-TW" smtClean="0"/>
+              <a:rPr lang="en-US" altLang="zh-TW"/>
               <a:t>NTUT CSIE</a:t>
             </a:r>
             <a:endParaRPr lang="zh-TW" altLang="en-US"/>
@@ -9081,13 +9047,6 @@
   <p:clrMapOvr>
     <a:masterClrMapping/>
   </p:clrMapOvr>
-  <p:timing>
-    <p:tnLst>
-      <p:par>
-        <p:cTn id="1" dur="indefinite" restart="never" nodeType="tmRoot"/>
-      </p:par>
-    </p:tnLst>
-  </p:timing>
 </p:sld>
 </file>
 
@@ -9124,7 +9083,7 @@
           <a:lstStyle/>
           <a:p>
             <a:r>
-              <a:rPr lang="en-US" altLang="zh-TW" dirty="0" smtClean="0"/>
+              <a:rPr lang="en-US" altLang="zh-TW" dirty="0"/>
               <a:t>Motivation</a:t>
             </a:r>
             <a:endParaRPr lang="zh-TW" altLang="en-US" dirty="0"/>
@@ -9147,14 +9106,14 @@
           <a:lstStyle/>
           <a:p>
             <a:r>
-              <a:rPr lang="en-US" altLang="zh-TW" dirty="0" smtClean="0"/>
+              <a:rPr lang="en-US" altLang="zh-TW" dirty="0"/>
               <a:t>Why distribution?</a:t>
             </a:r>
           </a:p>
           <a:p>
             <a:pPr lvl="1"/>
             <a:r>
-              <a:rPr lang="en-US" altLang="zh-TW" dirty="0" smtClean="0"/>
+              <a:rPr lang="en-US" altLang="zh-TW" dirty="0"/>
               <a:t>Big data: volume, velocity, variety</a:t>
             </a:r>
           </a:p>
@@ -9173,14 +9132,14 @@
           </a:p>
           <a:p>
             <a:r>
-              <a:rPr lang="en-US" altLang="zh-TW" dirty="0" smtClean="0"/>
+              <a:rPr lang="en-US" altLang="zh-TW" dirty="0"/>
               <a:t>We need more computing power</a:t>
             </a:r>
           </a:p>
           <a:p>
             <a:pPr lvl="1"/>
             <a:r>
-              <a:rPr lang="en-US" altLang="zh-TW" dirty="0" smtClean="0"/>
+              <a:rPr lang="en-US" altLang="zh-TW" dirty="0"/>
               <a:t>Time efficiency</a:t>
             </a:r>
           </a:p>
@@ -9206,8 +9165,8 @@
           <a:lstStyle/>
           <a:p>
             <a:r>
-              <a:rPr lang="en-US" altLang="zh-TW" smtClean="0"/>
-              <a:t>Educational Data Mining and Applications, Fall 2023</a:t>
+              <a:rPr lang="en-US" altLang="zh-TW"/>
+              <a:t>Educational Data Mining and Applications, Fall 2025</a:t>
             </a:r>
             <a:endParaRPr lang="zh-TW" altLang="en-US"/>
           </a:p>
@@ -9229,7 +9188,7 @@
           <a:lstStyle/>
           <a:p>
             <a:r>
-              <a:rPr lang="en-US" altLang="zh-TW" smtClean="0"/>
+              <a:rPr lang="en-US" altLang="zh-TW"/>
               <a:t>NTUT CSIE</a:t>
             </a:r>
             <a:endParaRPr lang="zh-TW" altLang="en-US"/>
@@ -9269,13 +9228,6 @@
   <p:clrMapOvr>
     <a:masterClrMapping/>
   </p:clrMapOvr>
-  <p:timing>
-    <p:tnLst>
-      <p:par>
-        <p:cTn id="1" dur="indefinite" restart="never" nodeType="tmRoot"/>
-      </p:par>
-    </p:tnLst>
-  </p:timing>
 </p:sld>
 </file>
 
@@ -9312,10 +9264,10 @@
           <a:lstStyle/>
           <a:p>
             <a:r>
-              <a:rPr lang="en-US" altLang="zh-TW" smtClean="0"/>
+              <a:rPr lang="en-US" altLang="zh-TW"/>
               <a:t>Issues of MapReduce on HDFS</a:t>
             </a:r>
-            <a:endParaRPr lang="zh-TW" altLang="en-US" smtClean="0"/>
+            <a:endParaRPr lang="zh-TW" altLang="en-US"/>
           </a:p>
         </p:txBody>
       </p:sp>
@@ -9340,7 +9292,7 @@
               <a:defRPr/>
             </a:pPr>
             <a:r>
-              <a:rPr lang="en-US" altLang="zh-TW" dirty="0" smtClean="0"/>
+              <a:rPr lang="en-US" altLang="zh-TW" dirty="0"/>
               <a:t>Hard to manage</a:t>
             </a:r>
           </a:p>
@@ -9349,11 +9301,11 @@
               <a:defRPr/>
             </a:pPr>
             <a:r>
-              <a:rPr lang="en-US" altLang="zh-TW" dirty="0" err="1" smtClean="0"/>
+              <a:rPr lang="en-US" altLang="zh-TW" dirty="0" err="1"/>
               <a:t>MapReduce</a:t>
             </a:r>
             <a:r>
-              <a:rPr lang="en-US" altLang="zh-TW" dirty="0" smtClean="0"/>
+              <a:rPr lang="en-US" altLang="zh-TW" dirty="0"/>
               <a:t> API was verbose and required a lot of setup code, with brittle fault tolerance</a:t>
             </a:r>
           </a:p>
@@ -9362,7 +9314,7 @@
               <a:defRPr/>
             </a:pPr>
             <a:r>
-              <a:rPr lang="en-US" altLang="zh-TW" dirty="0" smtClean="0"/>
+              <a:rPr lang="en-US" altLang="zh-TW" dirty="0"/>
               <a:t>Intermediate result is written to the local disk for the subsequent stage of operation</a:t>
             </a:r>
           </a:p>
@@ -9371,7 +9323,7 @@
               <a:defRPr/>
             </a:pPr>
             <a:r>
-              <a:rPr lang="en-US" altLang="zh-TW" dirty="0" smtClean="0"/>
+              <a:rPr lang="en-US" altLang="zh-TW" dirty="0"/>
               <a:t>Disk I/O is very time-consuming</a:t>
             </a:r>
           </a:p>
@@ -9380,7 +9332,7 @@
               <a:defRPr/>
             </a:pPr>
             <a:r>
-              <a:rPr lang="en-US" altLang="zh-TW" dirty="0" smtClean="0"/>
+              <a:rPr lang="en-US" altLang="zh-TW" dirty="0"/>
               <a:t>It falls short for workloads such as machine learning, streaming, or interactive SQL-like queries </a:t>
             </a:r>
           </a:p>
@@ -9390,21 +9342,21 @@
               <a:defRPr/>
             </a:pPr>
             <a:r>
-              <a:rPr lang="en-US" altLang="zh-TW" dirty="0" smtClean="0">
+              <a:rPr lang="en-US" altLang="zh-TW" dirty="0">
                 <a:sym typeface="Wingdings" panose="05000000000000000000" pitchFamily="2" charset="2"/>
               </a:rPr>
               <a:t> </a:t>
             </a:r>
             <a:r>
-              <a:rPr lang="en-US" altLang="zh-TW" dirty="0" smtClean="0"/>
+              <a:rPr lang="en-US" altLang="zh-TW" dirty="0"/>
               <a:t>Is there a way to make Hadoop and </a:t>
             </a:r>
             <a:r>
-              <a:rPr lang="en-US" altLang="zh-TW" dirty="0" err="1" smtClean="0"/>
+              <a:rPr lang="en-US" altLang="zh-TW" dirty="0" err="1"/>
               <a:t>MapReduce</a:t>
             </a:r>
             <a:r>
-              <a:rPr lang="en-US" altLang="zh-TW" dirty="0" smtClean="0"/>
+              <a:rPr lang="en-US" altLang="zh-TW" dirty="0"/>
               <a:t> simpler and faster?</a:t>
             </a:r>
             <a:endParaRPr lang="zh-TW" altLang="en-US" dirty="0"/>
@@ -9535,10 +9487,9 @@
           </a:lstStyle>
           <a:p>
             <a:r>
-              <a:rPr kumimoji="0" lang="en-US" altLang="zh-TW" smtClean="0"/>
-              <a:t>Educational Data Mining and Applications, Fall 2023</a:t>
-            </a:r>
-            <a:endParaRPr kumimoji="0" lang="en-US" altLang="zh-TW" smtClean="0"/>
+              <a:rPr kumimoji="0" lang="en-US" altLang="zh-TW"/>
+              <a:t>Educational Data Mining and Applications, Fall 2025</a:t>
+            </a:r>
           </a:p>
         </p:txBody>
       </p:sp>
@@ -9666,10 +9617,9 @@
           </a:lstStyle>
           <a:p>
             <a:r>
-              <a:rPr kumimoji="0" lang="en-US" altLang="zh-TW" smtClean="0"/>
+              <a:rPr kumimoji="0" lang="en-US" altLang="zh-TW"/>
               <a:t>NTUT CSIE</a:t>
             </a:r>
-            <a:endParaRPr kumimoji="0" lang="en-US" altLang="zh-TW" smtClean="0"/>
           </a:p>
         </p:txBody>
       </p:sp>
@@ -9801,7 +9751,7 @@
               <a:pPr/>
               <a:t>30</a:t>
             </a:fld>
-            <a:endParaRPr kumimoji="0" lang="en-US" altLang="zh-TW" smtClean="0"/>
+            <a:endParaRPr kumimoji="0" lang="en-US" altLang="zh-TW"/>
           </a:p>
         </p:txBody>
       </p:sp>
@@ -9851,10 +9801,10 @@
           <a:lstStyle/>
           <a:p>
             <a:r>
-              <a:rPr lang="en-US" altLang="zh-TW" smtClean="0"/>
+              <a:rPr lang="en-US" altLang="zh-TW"/>
               <a:t>Spark</a:t>
             </a:r>
-            <a:endParaRPr lang="zh-TW" altLang="en-US" smtClean="0"/>
+            <a:endParaRPr lang="zh-TW" altLang="en-US"/>
           </a:p>
         </p:txBody>
       </p:sp>
@@ -9874,20 +9824,20 @@
           <a:lstStyle/>
           <a:p>
             <a:r>
-              <a:rPr lang="en-US" altLang="zh-TW" smtClean="0"/>
+              <a:rPr lang="en-US" altLang="zh-TW"/>
               <a:t>Research project at UC Berkeley</a:t>
             </a:r>
           </a:p>
           <a:p>
             <a:pPr lvl="1"/>
             <a:r>
-              <a:rPr lang="en-US" altLang="zh-TW" smtClean="0"/>
+              <a:rPr lang="en-US" altLang="zh-TW"/>
               <a:t>Matei Zaharia, Mosharaf Chowdhury, Michael J. Franklin, Scott Shenker, Ion Stoica, Spark: Cluster Computing with Working Sets, HotCloud 2010, June 2010.</a:t>
             </a:r>
           </a:p>
           <a:p>
             <a:pPr lvl="1"/>
-            <a:endParaRPr lang="zh-TW" altLang="en-US" smtClean="0"/>
+            <a:endParaRPr lang="zh-TW" altLang="en-US"/>
           </a:p>
         </p:txBody>
       </p:sp>
@@ -10015,10 +9965,9 @@
           </a:lstStyle>
           <a:p>
             <a:r>
-              <a:rPr kumimoji="0" lang="en-US" altLang="zh-TW" smtClean="0"/>
-              <a:t>Educational Data Mining and Applications, Fall 2023</a:t>
-            </a:r>
-            <a:endParaRPr kumimoji="0" lang="en-US" altLang="zh-TW" smtClean="0"/>
+              <a:rPr kumimoji="0" lang="en-US" altLang="zh-TW"/>
+              <a:t>Educational Data Mining and Applications, Fall 2025</a:t>
+            </a:r>
           </a:p>
         </p:txBody>
       </p:sp>
@@ -10146,10 +10095,9 @@
           </a:lstStyle>
           <a:p>
             <a:r>
-              <a:rPr kumimoji="0" lang="en-US" altLang="zh-TW" smtClean="0"/>
+              <a:rPr kumimoji="0" lang="en-US" altLang="zh-TW"/>
               <a:t>NTUT CSIE</a:t>
             </a:r>
-            <a:endParaRPr kumimoji="0" lang="en-US" altLang="zh-TW" smtClean="0"/>
           </a:p>
         </p:txBody>
       </p:sp>
@@ -10281,7 +10229,7 @@
               <a:pPr/>
               <a:t>31</a:t>
             </a:fld>
-            <a:endParaRPr kumimoji="0" lang="en-US" altLang="zh-TW" smtClean="0"/>
+            <a:endParaRPr kumimoji="0" lang="en-US" altLang="zh-TW"/>
           </a:p>
         </p:txBody>
       </p:sp>
@@ -10385,7 +10333,7 @@
           <a:lstStyle/>
           <a:p>
             <a:r>
-              <a:rPr lang="en-US" altLang="zh-TW" dirty="0" smtClean="0"/>
+              <a:rPr lang="en-US" altLang="zh-TW" dirty="0"/>
               <a:t>Apache Spark</a:t>
             </a:r>
             <a:endParaRPr lang="zh-TW" altLang="en-US" dirty="0"/>
@@ -10429,191 +10377,109 @@
                   <a:srgbClr val="0000FF"/>
                 </a:solidFill>
               </a:rPr>
-              <a:t>3.5.0</a:t>
-            </a:r>
-          </a:p>
-          <a:p>
-            <a:r>
-              <a:rPr lang="en-US" altLang="zh-TW" dirty="0" smtClean="0"/>
-              <a:t>For </a:t>
-            </a:r>
-            <a:r>
-              <a:rPr lang="en-US" altLang="zh-TW" dirty="0" smtClean="0"/>
-              <a:t>large-scale data processing</a:t>
+              <a:t>4.0.1 (Sep. 6, 2025)</a:t>
+            </a:r>
+          </a:p>
+          <a:p>
+            <a:r>
+              <a:rPr lang="en-US" altLang="zh-TW" dirty="0"/>
+              <a:t>For large-scale data processing</a:t>
             </a:r>
           </a:p>
           <a:p>
             <a:pPr lvl="1"/>
             <a:r>
               <a:rPr lang="en-US" altLang="zh-TW" dirty="0"/>
-              <a:t>It provides high-level APIs in Java, Scala, Python and R, and an optimized engine that supports general execution </a:t>
-            </a:r>
-            <a:r>
-              <a:rPr lang="en-US" altLang="zh-TW" dirty="0" smtClean="0"/>
-              <a:t>graphs</a:t>
+              <a:t>Spark runs on both Windows and UNIX-like systems (e.g. Linux, Mac OS)</a:t>
+            </a:r>
+            <a:endParaRPr lang="zh-TW" altLang="en-US" dirty="0"/>
+          </a:p>
+          <a:p>
+            <a:pPr lvl="1"/>
+            <a:r>
+              <a:rPr lang="en-US" altLang="zh-TW" dirty="0"/>
+              <a:t>It provides high-level APIs in Java, Scala, Python and R, and an optimized engine that supports general execution graphs</a:t>
             </a:r>
           </a:p>
           <a:p>
             <a:pPr lvl="2"/>
             <a:r>
               <a:rPr lang="en-US" altLang="zh-TW" dirty="0"/>
-              <a:t>Spark runs on </a:t>
-            </a:r>
-            <a:r>
-              <a:rPr lang="en-US" altLang="zh-TW" dirty="0" smtClean="0"/>
-              <a:t>Java 8/11/17, </a:t>
-            </a:r>
-            <a:r>
-              <a:rPr lang="en-US" altLang="zh-TW" dirty="0"/>
-              <a:t>Scala </a:t>
-            </a:r>
-            <a:r>
-              <a:rPr lang="en-US" altLang="zh-TW" dirty="0" smtClean="0"/>
-              <a:t>2.12/2.13, </a:t>
-            </a:r>
-            <a:r>
-              <a:rPr lang="en-US" altLang="zh-TW" dirty="0"/>
-              <a:t>Python </a:t>
-            </a:r>
-            <a:r>
-              <a:rPr lang="en-US" altLang="zh-TW" dirty="0" smtClean="0"/>
-              <a:t>3.8+ </a:t>
-            </a:r>
-            <a:r>
-              <a:rPr lang="en-US" altLang="zh-TW" dirty="0"/>
-              <a:t>and R </a:t>
-            </a:r>
-            <a:r>
-              <a:rPr lang="en-US" altLang="zh-TW" dirty="0" smtClean="0"/>
-              <a:t>3.5+</a:t>
+              <a:t>Spark runs on Java 17/21, Scala 2.13, Python 3.9+ and R 3.5+</a:t>
             </a:r>
           </a:p>
           <a:p>
             <a:pPr lvl="1"/>
             <a:r>
-              <a:rPr lang="en-US" altLang="zh-TW" dirty="0" smtClean="0"/>
-              <a:t>It </a:t>
-            </a:r>
-            <a:r>
-              <a:rPr lang="en-US" altLang="zh-TW" dirty="0"/>
-              <a:t>also supports a rich set of higher-level tools </a:t>
-            </a:r>
-            <a:endParaRPr lang="en-US" altLang="zh-TW" dirty="0" smtClean="0"/>
+              <a:rPr lang="en-US" altLang="zh-TW" dirty="0"/>
+              <a:t>It also supports a rich set of higher-level tools </a:t>
+            </a:r>
           </a:p>
           <a:p>
             <a:pPr lvl="2"/>
             <a:r>
-              <a:rPr lang="en-US" altLang="zh-TW" dirty="0" smtClean="0"/>
-              <a:t>Spark </a:t>
-            </a:r>
-            <a:r>
-              <a:rPr lang="en-US" altLang="zh-TW" dirty="0"/>
-              <a:t>SQL </a:t>
-            </a:r>
-            <a:r>
-              <a:rPr lang="en-US" altLang="zh-TW" dirty="0" smtClean="0"/>
-              <a:t>and </a:t>
-            </a:r>
-            <a:r>
-              <a:rPr lang="en-US" altLang="zh-TW" dirty="0" err="1" smtClean="0"/>
+              <a:rPr lang="en-US" altLang="zh-TW" dirty="0"/>
+              <a:t>Spark SQL and </a:t>
+            </a:r>
+            <a:r>
+              <a:rPr lang="en-US" altLang="zh-TW" dirty="0" err="1"/>
               <a:t>DataFrames</a:t>
             </a:r>
             <a:r>
-              <a:rPr lang="en-US" altLang="zh-TW" dirty="0" smtClean="0"/>
-              <a:t> for structured </a:t>
-            </a:r>
-            <a:r>
-              <a:rPr lang="en-US" altLang="zh-TW" dirty="0"/>
-              <a:t>data </a:t>
-            </a:r>
-            <a:r>
-              <a:rPr lang="en-US" altLang="zh-TW" dirty="0" smtClean="0"/>
-              <a:t>processing</a:t>
+              <a:rPr lang="en-US" altLang="zh-TW" dirty="0"/>
+              <a:t> for structured data processing</a:t>
             </a:r>
           </a:p>
           <a:p>
             <a:pPr lvl="2"/>
             <a:r>
-              <a:rPr lang="en-US" altLang="zh-TW" dirty="0" err="1" smtClean="0"/>
+              <a:rPr lang="en-US" altLang="zh-TW" dirty="0" err="1"/>
               <a:t>MLlib</a:t>
             </a:r>
             <a:r>
-              <a:rPr lang="en-US" altLang="zh-TW" dirty="0" smtClean="0"/>
-              <a:t> </a:t>
-            </a:r>
-            <a:r>
-              <a:rPr lang="en-US" altLang="zh-TW" dirty="0"/>
-              <a:t>for machine </a:t>
-            </a:r>
-            <a:r>
-              <a:rPr lang="en-US" altLang="zh-TW" dirty="0" smtClean="0"/>
-              <a:t>learning</a:t>
+              <a:rPr lang="en-US" altLang="zh-TW" dirty="0"/>
+              <a:t> for machine learning</a:t>
             </a:r>
           </a:p>
           <a:p>
             <a:pPr lvl="2"/>
             <a:r>
-              <a:rPr lang="en-US" altLang="zh-TW" dirty="0" err="1" smtClean="0"/>
+              <a:rPr lang="en-US" altLang="zh-TW" dirty="0" err="1"/>
               <a:t>GraphX</a:t>
             </a:r>
             <a:r>
-              <a:rPr lang="en-US" altLang="zh-TW" dirty="0" smtClean="0"/>
-              <a:t> </a:t>
-            </a:r>
-            <a:r>
-              <a:rPr lang="en-US" altLang="zh-TW" dirty="0"/>
-              <a:t>for graph </a:t>
-            </a:r>
-            <a:r>
-              <a:rPr lang="en-US" altLang="zh-TW" dirty="0" smtClean="0"/>
-              <a:t>processing</a:t>
+              <a:rPr lang="en-US" altLang="zh-TW" dirty="0"/>
+              <a:t> for graph processing</a:t>
             </a:r>
           </a:p>
           <a:p>
             <a:pPr lvl="2"/>
             <a:r>
-              <a:rPr lang="en-US" altLang="zh-TW" dirty="0" smtClean="0"/>
+              <a:rPr lang="en-US" altLang="zh-TW" dirty="0"/>
               <a:t>Spark Streaming</a:t>
             </a:r>
           </a:p>
           <a:p>
             <a:pPr lvl="2"/>
             <a:r>
-              <a:rPr lang="en-US" altLang="zh-TW" dirty="0" err="1" smtClean="0"/>
+              <a:rPr lang="en-US" altLang="zh-TW" dirty="0" err="1"/>
               <a:t>SparkR</a:t>
             </a:r>
             <a:r>
-              <a:rPr lang="en-US" altLang="zh-TW" dirty="0" smtClean="0"/>
+              <a:rPr lang="en-US" altLang="zh-TW" dirty="0"/>
               <a:t>: Spark in R</a:t>
             </a:r>
           </a:p>
           <a:p>
             <a:pPr lvl="2"/>
             <a:r>
-              <a:rPr lang="en-US" altLang="zh-TW" dirty="0" err="1" smtClean="0"/>
+              <a:rPr lang="en-US" altLang="zh-TW" dirty="0" err="1"/>
               <a:t>PySpark</a:t>
             </a:r>
             <a:r>
-              <a:rPr lang="en-US" altLang="zh-TW" dirty="0" smtClean="0"/>
-              <a:t>: </a:t>
-            </a:r>
-            <a:r>
-              <a:rPr lang="en-US" altLang="zh-TW" dirty="0"/>
-              <a:t>Spark in Python</a:t>
-            </a:r>
-            <a:endParaRPr lang="en-US" altLang="zh-TW" dirty="0" smtClean="0"/>
-          </a:p>
-          <a:p>
-            <a:pPr lvl="1"/>
-            <a:r>
-              <a:rPr lang="en-US" altLang="zh-TW" dirty="0"/>
-              <a:t>Spark runs on both Windows and UNIX-like systems (e.g. Linux, Mac OS</a:t>
-            </a:r>
-            <a:r>
-              <a:rPr lang="en-US" altLang="zh-TW" dirty="0" smtClean="0"/>
-              <a:t>)</a:t>
-            </a:r>
-            <a:endParaRPr lang="zh-TW" altLang="en-US" dirty="0"/>
+              <a:rPr lang="en-US" altLang="zh-TW" dirty="0"/>
+              <a:t>: Spark in Python</a:t>
+            </a:r>
           </a:p>
         </p:txBody>
       </p:sp>
@@ -10633,8 +10499,8 @@
           <a:lstStyle/>
           <a:p>
             <a:r>
-              <a:rPr lang="en-US" altLang="zh-TW" smtClean="0"/>
-              <a:t>Educational Data Mining and Applications, Fall 2023</a:t>
+              <a:rPr lang="en-US" altLang="zh-TW"/>
+              <a:t>Educational Data Mining and Applications, Fall 2025</a:t>
             </a:r>
             <a:endParaRPr lang="zh-TW" altLang="en-US"/>
           </a:p>
@@ -10656,7 +10522,7 @@
           <a:lstStyle/>
           <a:p>
             <a:r>
-              <a:rPr lang="en-US" altLang="zh-TW" smtClean="0"/>
+              <a:rPr lang="en-US" altLang="zh-TW"/>
               <a:t>NTUT CSIE</a:t>
             </a:r>
             <a:endParaRPr lang="zh-TW" altLang="en-US"/>
@@ -10696,13 +10562,6 @@
   <p:clrMapOvr>
     <a:masterClrMapping/>
   </p:clrMapOvr>
-  <p:timing>
-    <p:tnLst>
-      <p:par>
-        <p:cTn id="1" dur="indefinite" restart="never" nodeType="tmRoot"/>
-      </p:par>
-    </p:tnLst>
-  </p:timing>
 </p:sld>
 </file>
 
@@ -10739,7 +10598,7 @@
           <a:lstStyle/>
           <a:p>
             <a:r>
-              <a:rPr lang="en-US" altLang="zh-TW" dirty="0" smtClean="0"/>
+              <a:rPr lang="en-US" altLang="zh-TW" dirty="0"/>
               <a:t>Components in Spark Platform</a:t>
             </a:r>
             <a:endParaRPr lang="zh-TW" altLang="en-US" dirty="0"/>
@@ -10791,8 +10650,8 @@
           <a:lstStyle/>
           <a:p>
             <a:r>
-              <a:rPr lang="en-US" altLang="zh-TW" smtClean="0"/>
-              <a:t>Educational Data Mining and Applications, Fall 2023</a:t>
+              <a:rPr lang="en-US" altLang="zh-TW"/>
+              <a:t>Educational Data Mining and Applications, Fall 2025</a:t>
             </a:r>
             <a:endParaRPr lang="zh-TW" altLang="en-US"/>
           </a:p>
@@ -10814,7 +10673,7 @@
           <a:lstStyle/>
           <a:p>
             <a:r>
-              <a:rPr lang="en-US" altLang="zh-TW" smtClean="0"/>
+              <a:rPr lang="en-US" altLang="zh-TW"/>
               <a:t>NTUT CSIE</a:t>
             </a:r>
             <a:endParaRPr lang="zh-TW" altLang="en-US"/>
@@ -10854,13 +10713,6 @@
   <p:clrMapOvr>
     <a:masterClrMapping/>
   </p:clrMapOvr>
-  <p:timing>
-    <p:tnLst>
-      <p:par>
-        <p:cTn id="1" dur="indefinite" restart="never" nodeType="tmRoot"/>
-      </p:par>
-    </p:tnLst>
-  </p:timing>
 </p:sld>
 </file>
 
@@ -10897,7 +10749,7 @@
           <a:lstStyle/>
           <a:p>
             <a:r>
-              <a:rPr lang="en-US" altLang="zh-TW" dirty="0" smtClean="0"/>
+              <a:rPr lang="en-US" altLang="zh-TW" dirty="0"/>
               <a:t>Spark Architecture</a:t>
             </a:r>
             <a:endParaRPr lang="zh-TW" altLang="en-US" dirty="0"/>
@@ -10949,8 +10801,8 @@
           <a:lstStyle/>
           <a:p>
             <a:r>
-              <a:rPr lang="en-US" altLang="zh-TW" smtClean="0"/>
-              <a:t>Educational Data Mining and Applications, Fall 2023</a:t>
+              <a:rPr lang="en-US" altLang="zh-TW"/>
+              <a:t>Educational Data Mining and Applications, Fall 2025</a:t>
             </a:r>
             <a:endParaRPr lang="zh-TW" altLang="en-US"/>
           </a:p>
@@ -10972,7 +10824,7 @@
           <a:lstStyle/>
           <a:p>
             <a:r>
-              <a:rPr lang="en-US" altLang="zh-TW" smtClean="0"/>
+              <a:rPr lang="en-US" altLang="zh-TW"/>
               <a:t>NTUT CSIE</a:t>
             </a:r>
             <a:endParaRPr lang="zh-TW" altLang="en-US"/>
@@ -11012,13 +10864,6 @@
   <p:clrMapOvr>
     <a:masterClrMapping/>
   </p:clrMapOvr>
-  <p:timing>
-    <p:tnLst>
-      <p:par>
-        <p:cTn id="1" dur="indefinite" restart="never" nodeType="tmRoot"/>
-      </p:par>
-    </p:tnLst>
-  </p:timing>
 </p:sld>
 </file>
 
@@ -11055,7 +10900,7 @@
           <a:lstStyle/>
           <a:p>
             <a:r>
-              <a:rPr lang="en-US" altLang="zh-TW" dirty="0" smtClean="0"/>
+              <a:rPr lang="en-US" altLang="zh-TW" dirty="0"/>
               <a:t>Components</a:t>
             </a:r>
             <a:endParaRPr lang="zh-TW" altLang="en-US" dirty="0"/>
@@ -11080,63 +10925,63 @@
           <a:lstStyle/>
           <a:p>
             <a:r>
-              <a:rPr lang="en-US" altLang="zh-TW" dirty="0" smtClean="0"/>
+              <a:rPr lang="en-US" altLang="zh-TW" dirty="0"/>
               <a:t>Spark applications</a:t>
             </a:r>
           </a:p>
           <a:p>
             <a:pPr lvl="1"/>
             <a:r>
-              <a:rPr lang="en-US" altLang="zh-TW" dirty="0" smtClean="0"/>
+              <a:rPr lang="en-US" altLang="zh-TW" dirty="0"/>
               <a:t>Independent sets of processes on a cluster, coordinated by the </a:t>
             </a:r>
             <a:r>
-              <a:rPr lang="en-US" altLang="zh-TW" dirty="0" err="1" smtClean="0"/>
+              <a:rPr lang="en-US" altLang="zh-TW" dirty="0" err="1"/>
               <a:t>SparkContext</a:t>
             </a:r>
             <a:r>
-              <a:rPr lang="en-US" altLang="zh-TW" dirty="0" smtClean="0"/>
+              <a:rPr lang="en-US" altLang="zh-TW" dirty="0"/>
               <a:t> object in main (Driver) program</a:t>
             </a:r>
           </a:p>
           <a:p>
             <a:r>
-              <a:rPr lang="en-US" altLang="zh-TW" dirty="0" smtClean="0"/>
+              <a:rPr lang="en-US" altLang="zh-TW" dirty="0"/>
               <a:t>Cluster managers</a:t>
             </a:r>
           </a:p>
           <a:p>
             <a:pPr lvl="1"/>
             <a:r>
-              <a:rPr lang="en-US" altLang="zh-TW" dirty="0" smtClean="0"/>
+              <a:rPr lang="en-US" altLang="zh-TW" dirty="0"/>
               <a:t>Allocate resources across applications</a:t>
             </a:r>
           </a:p>
           <a:p>
             <a:r>
-              <a:rPr lang="en-US" altLang="zh-TW" dirty="0" smtClean="0"/>
+              <a:rPr lang="en-US" altLang="zh-TW" dirty="0"/>
               <a:t>Executors</a:t>
             </a:r>
           </a:p>
           <a:p>
             <a:pPr lvl="1"/>
             <a:r>
-              <a:rPr lang="en-US" altLang="zh-TW" dirty="0" smtClean="0"/>
+              <a:rPr lang="en-US" altLang="zh-TW" dirty="0"/>
               <a:t>Processes that run computations and store data</a:t>
             </a:r>
           </a:p>
           <a:p>
             <a:pPr lvl="1"/>
             <a:r>
-              <a:rPr lang="en-US" altLang="zh-TW" dirty="0" smtClean="0"/>
+              <a:rPr lang="en-US" altLang="zh-TW" dirty="0"/>
               <a:t>Spark sends your application code (JAR or python files) to executors, and </a:t>
             </a:r>
             <a:r>
-              <a:rPr lang="en-US" altLang="zh-TW" dirty="0" err="1" smtClean="0"/>
+              <a:rPr lang="en-US" altLang="zh-TW" dirty="0" err="1"/>
               <a:t>SparkContext</a:t>
             </a:r>
             <a:r>
-              <a:rPr lang="en-US" altLang="zh-TW" dirty="0" smtClean="0"/>
+              <a:rPr lang="en-US" altLang="zh-TW" dirty="0"/>
               <a:t> sends tasks to executors to run</a:t>
             </a:r>
             <a:endParaRPr lang="zh-TW" altLang="en-US" dirty="0"/>
@@ -11159,8 +11004,8 @@
           <a:lstStyle/>
           <a:p>
             <a:r>
-              <a:rPr lang="en-US" altLang="zh-TW" smtClean="0"/>
-              <a:t>Educational Data Mining and Applications, Fall 2023</a:t>
+              <a:rPr lang="en-US" altLang="zh-TW"/>
+              <a:t>Educational Data Mining and Applications, Fall 2025</a:t>
             </a:r>
             <a:endParaRPr lang="zh-TW" altLang="en-US"/>
           </a:p>
@@ -11182,7 +11027,7 @@
           <a:lstStyle/>
           <a:p>
             <a:r>
-              <a:rPr lang="en-US" altLang="zh-TW" smtClean="0"/>
+              <a:rPr lang="en-US" altLang="zh-TW"/>
               <a:t>NTUT CSIE</a:t>
             </a:r>
             <a:endParaRPr lang="zh-TW" altLang="en-US"/>
@@ -11222,13 +11067,6 @@
   <p:clrMapOvr>
     <a:masterClrMapping/>
   </p:clrMapOvr>
-  <p:timing>
-    <p:tnLst>
-      <p:par>
-        <p:cTn id="1" dur="indefinite" restart="never" nodeType="tmRoot"/>
-      </p:par>
-    </p:tnLst>
-  </p:timing>
 </p:sld>
 </file>
 
@@ -11265,7 +11103,7 @@
           <a:lstStyle/>
           <a:p>
             <a:r>
-              <a:rPr lang="en-US" altLang="zh-TW" dirty="0" smtClean="0"/>
+              <a:rPr lang="en-US" altLang="zh-TW" dirty="0"/>
               <a:t>Note about the architecture</a:t>
             </a:r>
             <a:endParaRPr lang="zh-TW" altLang="en-US" dirty="0"/>
@@ -11290,66 +11128,46 @@
           <a:lstStyle/>
           <a:p>
             <a:r>
-              <a:rPr lang="en-US" altLang="zh-TW" dirty="0" smtClean="0"/>
+              <a:rPr lang="en-US" altLang="zh-TW" dirty="0"/>
               <a:t>Each application has its own executor processes</a:t>
             </a:r>
           </a:p>
           <a:p>
             <a:pPr lvl="1"/>
             <a:r>
-              <a:rPr lang="en-US" altLang="zh-TW" dirty="0" smtClean="0"/>
+              <a:rPr lang="en-US" altLang="zh-TW" dirty="0"/>
               <a:t>Benefit: isolating applications from each other</a:t>
             </a:r>
           </a:p>
           <a:p>
             <a:pPr lvl="1"/>
             <a:r>
-              <a:rPr lang="en-US" altLang="zh-TW" dirty="0" smtClean="0"/>
+              <a:rPr lang="en-US" altLang="zh-TW" dirty="0"/>
               <a:t>Cons: data cannot be shared across different applications without writing to external storage</a:t>
             </a:r>
           </a:p>
           <a:p>
             <a:r>
               <a:rPr lang="en-US" altLang="zh-TW" dirty="0"/>
-              <a:t>Spark is agnostic to the underlying cluster </a:t>
-            </a:r>
-            <a:r>
-              <a:rPr lang="en-US" altLang="zh-TW" dirty="0" smtClean="0"/>
-              <a:t>manager</a:t>
-            </a:r>
-          </a:p>
-          <a:p>
-            <a:r>
-              <a:rPr lang="en-US" altLang="zh-TW" dirty="0" smtClean="0"/>
-              <a:t>Driver program must </a:t>
-            </a:r>
-            <a:r>
-              <a:rPr lang="en-US" altLang="zh-TW" dirty="0"/>
-              <a:t>listen for and accept incoming connections from its </a:t>
-            </a:r>
-            <a:r>
-              <a:rPr lang="en-US" altLang="zh-TW" dirty="0" smtClean="0"/>
-              <a:t>executors </a:t>
-            </a:r>
-            <a:r>
-              <a:rPr lang="en-US" altLang="zh-TW" dirty="0"/>
-              <a:t>throughout its </a:t>
-            </a:r>
-            <a:r>
-              <a:rPr lang="en-US" altLang="zh-TW" dirty="0" smtClean="0"/>
-              <a:t>lifetime</a:t>
+              <a:t>Spark is agnostic to the underlying cluster manager</a:t>
+            </a:r>
+          </a:p>
+          <a:p>
+            <a:r>
+              <a:rPr lang="en-US" altLang="zh-TW" dirty="0"/>
+              <a:t>Driver program must listen for and accept incoming connections from its executors throughout its lifetime</a:t>
             </a:r>
           </a:p>
           <a:p>
             <a:pPr lvl="1"/>
             <a:r>
-              <a:rPr lang="en-US" altLang="zh-TW" dirty="0" smtClean="0"/>
+              <a:rPr lang="en-US" altLang="zh-TW" dirty="0"/>
               <a:t>Driver must be network addressable from the workers</a:t>
             </a:r>
           </a:p>
           <a:p>
             <a:r>
-              <a:rPr lang="en-US" altLang="zh-TW" dirty="0" smtClean="0"/>
+              <a:rPr lang="en-US" altLang="zh-TW" dirty="0"/>
               <a:t>Driver program should be run close to the worker nodes, since it schedules tasks on the cluster</a:t>
             </a:r>
           </a:p>
@@ -11375,8 +11193,8 @@
           <a:lstStyle/>
           <a:p>
             <a:r>
-              <a:rPr lang="en-US" altLang="zh-TW" smtClean="0"/>
-              <a:t>Educational Data Mining and Applications, Fall 2023</a:t>
+              <a:rPr lang="en-US" altLang="zh-TW"/>
+              <a:t>Educational Data Mining and Applications, Fall 2025</a:t>
             </a:r>
             <a:endParaRPr lang="zh-TW" altLang="en-US"/>
           </a:p>
@@ -11398,7 +11216,7 @@
           <a:lstStyle/>
           <a:p>
             <a:r>
-              <a:rPr lang="en-US" altLang="zh-TW" smtClean="0"/>
+              <a:rPr lang="en-US" altLang="zh-TW"/>
               <a:t>NTUT CSIE</a:t>
             </a:r>
             <a:endParaRPr lang="zh-TW" altLang="en-US"/>
@@ -11438,13 +11256,6 @@
   <p:clrMapOvr>
     <a:masterClrMapping/>
   </p:clrMapOvr>
-  <p:timing>
-    <p:tnLst>
-      <p:par>
-        <p:cTn id="1" dur="indefinite" restart="never" nodeType="tmRoot"/>
-      </p:par>
-    </p:tnLst>
-  </p:timing>
 </p:sld>
 </file>
 
@@ -11481,7 +11292,7 @@
           <a:lstStyle/>
           <a:p>
             <a:r>
-              <a:rPr lang="en-US" altLang="zh-TW" dirty="0" smtClean="0"/>
+              <a:rPr lang="en-US" altLang="zh-TW" dirty="0"/>
               <a:t>Cluster Manager Types</a:t>
             </a:r>
             <a:endParaRPr lang="zh-TW" altLang="en-US" dirty="0"/>
@@ -11501,12 +11312,12 @@
         <p:spPr/>
         <p:txBody>
           <a:bodyPr>
-            <a:normAutofit fontScale="85000" lnSpcReduction="20000"/>
+            <a:normAutofit/>
           </a:bodyPr>
           <a:lstStyle/>
           <a:p>
             <a:r>
-              <a:rPr lang="en-US" altLang="zh-TW" dirty="0" smtClean="0">
+              <a:rPr lang="en-US" altLang="zh-TW" dirty="0">
                 <a:solidFill>
                   <a:srgbClr val="0000FF"/>
                 </a:solidFill>
@@ -11514,106 +11325,20 @@
               <a:t>Standalone</a:t>
             </a:r>
             <a:r>
-              <a:rPr lang="en-US" altLang="zh-TW" dirty="0" smtClean="0"/>
+              <a:rPr lang="en-US" altLang="zh-TW" dirty="0"/>
               <a:t>: a simple cluster manager included in Spark</a:t>
             </a:r>
           </a:p>
           <a:p>
             <a:pPr lvl="1"/>
             <a:r>
-              <a:rPr lang="en-US" altLang="zh-TW" dirty="0" smtClean="0"/>
-              <a:t>Faster job startup, but</a:t>
-            </a:r>
-            <a:r>
-              <a:rPr lang="en-US" altLang="zh-TW" dirty="0"/>
-              <a:t> it doesn’t support communication with an HDFS secured with Kerberos authentication protocol</a:t>
-            </a:r>
-            <a:endParaRPr lang="en-US" altLang="zh-TW" dirty="0" smtClean="0"/>
-          </a:p>
-          <a:p>
-            <a:r>
-              <a:rPr lang="en-US" altLang="zh-TW" dirty="0" smtClean="0">
-                <a:solidFill>
-                  <a:schemeClr val="bg1">
-                    <a:lumMod val="65000"/>
-                  </a:schemeClr>
-                </a:solidFill>
-              </a:rPr>
-              <a:t>Apache </a:t>
-            </a:r>
-            <a:r>
-              <a:rPr lang="en-US" altLang="zh-TW" dirty="0" err="1" smtClean="0">
-                <a:solidFill>
-                  <a:schemeClr val="bg1">
-                    <a:lumMod val="65000"/>
-                  </a:schemeClr>
-                </a:solidFill>
-              </a:rPr>
-              <a:t>Mesos</a:t>
-            </a:r>
-            <a:r>
-              <a:rPr lang="en-US" altLang="zh-TW" dirty="0" smtClean="0"/>
-              <a:t>: a general cluster manager that can also runs Hadoop </a:t>
-            </a:r>
-            <a:r>
-              <a:rPr lang="en-US" altLang="zh-TW" dirty="0" err="1" smtClean="0"/>
-              <a:t>MapReduce</a:t>
-            </a:r>
-            <a:r>
-              <a:rPr lang="en-US" altLang="zh-TW" dirty="0" smtClean="0"/>
-              <a:t> (</a:t>
-            </a:r>
-            <a:r>
-              <a:rPr lang="en-US" altLang="zh-TW" dirty="0" smtClean="0">
-                <a:solidFill>
-                  <a:srgbClr val="0000FF"/>
-                </a:solidFill>
-              </a:rPr>
-              <a:t>deprecated after Spark 3.2.0</a:t>
-            </a:r>
-            <a:r>
-              <a:rPr lang="en-US" altLang="zh-TW" dirty="0" smtClean="0"/>
-              <a:t>)</a:t>
-            </a:r>
-          </a:p>
-          <a:p>
-            <a:pPr lvl="1"/>
-            <a:r>
-              <a:rPr lang="en-US" altLang="zh-TW" dirty="0" smtClean="0"/>
-              <a:t>A</a:t>
-            </a:r>
-            <a:r>
-              <a:rPr lang="en-US" altLang="zh-TW" dirty="0"/>
-              <a:t> scalable and fault-tolerant “distributed systems kernel” written in C</a:t>
-            </a:r>
-            <a:r>
-              <a:rPr lang="en-US" altLang="zh-TW" dirty="0" smtClean="0"/>
-              <a:t>++, which also </a:t>
-            </a:r>
-            <a:r>
-              <a:rPr lang="en-US" altLang="zh-TW" dirty="0"/>
-              <a:t>supports C++ and Python </a:t>
-            </a:r>
-            <a:r>
-              <a:rPr lang="en-US" altLang="zh-TW" dirty="0" smtClean="0"/>
-              <a:t>applications</a:t>
-            </a:r>
-          </a:p>
-          <a:p>
-            <a:pPr lvl="1"/>
-            <a:r>
-              <a:rPr lang="en-US" altLang="zh-TW" dirty="0" smtClean="0"/>
-              <a:t>It</a:t>
-            </a:r>
-            <a:r>
-              <a:rPr lang="en-US" altLang="zh-TW" dirty="0"/>
-              <a:t> is actually a “scheduler of scheduler frameworks” because of its two-level scheduling architecture</a:t>
-            </a:r>
-            <a:endParaRPr lang="en-US" altLang="zh-TW" dirty="0" smtClean="0"/>
-          </a:p>
-          <a:p>
-            <a:r>
-              <a:rPr lang="en-US" altLang="zh-TW" dirty="0" smtClean="0">
+              <a:rPr lang="en-US" altLang="zh-TW" dirty="0"/>
+              <a:t>Faster job startup, but it doesn’t support communication with an HDFS secured with Kerberos authentication protocol</a:t>
+            </a:r>
+          </a:p>
+          <a:p>
+            <a:r>
+              <a:rPr lang="en-US" altLang="zh-TW" dirty="0">
                 <a:solidFill>
                   <a:srgbClr val="0000FF"/>
                 </a:solidFill>
@@ -11621,7 +11346,7 @@
               <a:t>Hadoop YARN</a:t>
             </a:r>
             <a:r>
-              <a:rPr lang="en-US" altLang="zh-TW" dirty="0" smtClean="0"/>
+              <a:rPr lang="en-US" altLang="zh-TW" dirty="0"/>
               <a:t>: resource manager in Hadoop 2</a:t>
             </a:r>
           </a:p>
@@ -11629,31 +11354,19 @@
             <a:pPr lvl="1"/>
             <a:r>
               <a:rPr lang="en-US" altLang="zh-TW" dirty="0"/>
-              <a:t>YARN lets you run different types of Java applications, not just </a:t>
-            </a:r>
-            <a:r>
-              <a:rPr lang="en-US" altLang="zh-TW" dirty="0" smtClean="0"/>
-              <a:t>Spark</a:t>
+              <a:t>YARN lets you run different types of Java applications, not just Spark</a:t>
             </a:r>
           </a:p>
           <a:p>
             <a:pPr lvl="1"/>
             <a:r>
-              <a:rPr lang="en-US" altLang="zh-TW" dirty="0" smtClean="0"/>
-              <a:t>It also </a:t>
-            </a:r>
-            <a:r>
-              <a:rPr lang="en-US" altLang="zh-TW" dirty="0"/>
-              <a:t>provides methods for isolating and prioritizing applications among users and </a:t>
-            </a:r>
-            <a:r>
-              <a:rPr lang="en-US" altLang="zh-TW" dirty="0" smtClean="0"/>
-              <a:t>organizations</a:t>
-            </a:r>
-          </a:p>
-          <a:p>
-            <a:r>
-              <a:rPr lang="en-US" altLang="zh-TW" dirty="0" smtClean="0">
+              <a:rPr lang="en-US" altLang="zh-TW" dirty="0"/>
+              <a:t>It also provides methods for isolating and prioritizing applications among users and organizations</a:t>
+            </a:r>
+          </a:p>
+          <a:p>
+            <a:r>
+              <a:rPr lang="en-US" altLang="zh-TW" dirty="0">
                 <a:solidFill>
                   <a:srgbClr val="0000FF"/>
                 </a:solidFill>
@@ -11661,14 +11374,9 @@
               <a:t>Kubernetes</a:t>
             </a:r>
             <a:r>
-              <a:rPr lang="en-US" altLang="zh-TW" dirty="0" smtClean="0"/>
-              <a:t>: </a:t>
-            </a:r>
-            <a:r>
-              <a:rPr lang="en-US" altLang="zh-TW" dirty="0"/>
-              <a:t>open-source system for automating deployment, scaling, and management of containerized applications</a:t>
-            </a:r>
-            <a:endParaRPr lang="en-US" altLang="zh-TW" dirty="0" smtClean="0"/>
+              <a:rPr lang="en-US" altLang="zh-TW" dirty="0"/>
+              <a:t>: open-source system for automating deployment, scaling, and management of containerized applications</a:t>
+            </a:r>
           </a:p>
         </p:txBody>
       </p:sp>
@@ -11688,8 +11396,8 @@
           <a:lstStyle/>
           <a:p>
             <a:r>
-              <a:rPr lang="en-US" altLang="zh-TW" smtClean="0"/>
-              <a:t>Educational Data Mining and Applications, Fall 2023</a:t>
+              <a:rPr lang="en-US" altLang="zh-TW"/>
+              <a:t>Educational Data Mining and Applications, Fall 2025</a:t>
             </a:r>
             <a:endParaRPr lang="zh-TW" altLang="en-US"/>
           </a:p>
@@ -11711,7 +11419,7 @@
           <a:lstStyle/>
           <a:p>
             <a:r>
-              <a:rPr lang="en-US" altLang="zh-TW" smtClean="0"/>
+              <a:rPr lang="en-US" altLang="zh-TW"/>
               <a:t>NTUT CSIE</a:t>
             </a:r>
             <a:endParaRPr lang="zh-TW" altLang="en-US"/>
@@ -11751,13 +11459,6 @@
   <p:clrMapOvr>
     <a:masterClrMapping/>
   </p:clrMapOvr>
-  <p:timing>
-    <p:tnLst>
-      <p:par>
-        <p:cTn id="1" dur="indefinite" restart="never" nodeType="tmRoot"/>
-      </p:par>
-    </p:tnLst>
-  </p:timing>
 </p:sld>
 </file>
 
@@ -11794,7 +11495,7 @@
           <a:lstStyle/>
           <a:p>
             <a:r>
-              <a:rPr lang="en-US" altLang="zh-TW" dirty="0" smtClean="0"/>
+              <a:rPr lang="en-US" altLang="zh-TW" dirty="0"/>
               <a:t>Spark Standalone Cluster</a:t>
             </a:r>
             <a:endParaRPr lang="zh-TW" altLang="en-US" dirty="0"/>
@@ -11817,14 +11518,14 @@
           <a:lstStyle/>
           <a:p>
             <a:r>
-              <a:rPr lang="en-US" altLang="zh-TW" dirty="0" smtClean="0"/>
+              <a:rPr lang="en-US" altLang="zh-TW" dirty="0"/>
               <a:t>Two deploy modes for Spark Standalone cluster</a:t>
             </a:r>
           </a:p>
           <a:p>
             <a:pPr lvl="1"/>
             <a:r>
-              <a:rPr lang="en-US" altLang="zh-TW" dirty="0" smtClean="0">
+              <a:rPr lang="en-US" altLang="zh-TW" dirty="0">
                 <a:solidFill>
                   <a:srgbClr val="0000FF"/>
                 </a:solidFill>
@@ -11832,14 +11533,14 @@
               <a:t>Client</a:t>
             </a:r>
             <a:r>
-              <a:rPr lang="en-US" altLang="zh-TW" dirty="0" smtClean="0"/>
+              <a:rPr lang="en-US" altLang="zh-TW" dirty="0"/>
               <a:t> mode: driver is launched in the same process as the client that submits the application</a:t>
             </a:r>
           </a:p>
           <a:p>
             <a:pPr lvl="1"/>
             <a:r>
-              <a:rPr lang="en-US" altLang="zh-TW" dirty="0" smtClean="0">
+              <a:rPr lang="en-US" altLang="zh-TW" dirty="0">
                 <a:solidFill>
                   <a:srgbClr val="0000FF"/>
                 </a:solidFill>
@@ -11847,13 +11548,13 @@
               <a:t>Cluster</a:t>
             </a:r>
             <a:r>
-              <a:rPr lang="en-US" altLang="zh-TW" dirty="0" smtClean="0"/>
+              <a:rPr lang="en-US" altLang="zh-TW" dirty="0"/>
               <a:t> mode: driver is launched from one of the Worker processes in the cluster, and the client exits as soon as it fulfills its submission of application</a:t>
             </a:r>
           </a:p>
           <a:p>
             <a:pPr lvl="1"/>
-            <a:endParaRPr lang="en-US" altLang="zh-TW" dirty="0" smtClean="0"/>
+            <a:endParaRPr lang="en-US" altLang="zh-TW" dirty="0"/>
           </a:p>
           <a:p>
             <a:pPr lvl="1"/>
@@ -11937,8 +11638,8 @@
           <a:lstStyle/>
           <a:p>
             <a:r>
-              <a:rPr lang="en-US" altLang="zh-TW" smtClean="0"/>
-              <a:t>Educational Data Mining and Applications, Fall 2023</a:t>
+              <a:rPr lang="en-US" altLang="zh-TW"/>
+              <a:t>Educational Data Mining and Applications, Fall 2025</a:t>
             </a:r>
             <a:endParaRPr lang="zh-TW" altLang="en-US"/>
           </a:p>
@@ -11960,7 +11661,7 @@
           <a:lstStyle/>
           <a:p>
             <a:r>
-              <a:rPr lang="en-US" altLang="zh-TW" smtClean="0"/>
+              <a:rPr lang="en-US" altLang="zh-TW"/>
               <a:t>NTUT CSIE</a:t>
             </a:r>
             <a:endParaRPr lang="zh-TW" altLang="en-US"/>
@@ -12000,13 +11701,6 @@
   <p:clrMapOvr>
     <a:masterClrMapping/>
   </p:clrMapOvr>
-  <p:timing>
-    <p:tnLst>
-      <p:par>
-        <p:cTn id="1" dur="indefinite" restart="never" nodeType="tmRoot"/>
-      </p:par>
-    </p:tnLst>
-  </p:timing>
 </p:sld>
 </file>
 
@@ -12043,7 +11737,7 @@
           <a:lstStyle/>
           <a:p>
             <a:r>
-              <a:rPr lang="en-US" altLang="zh-TW" dirty="0" smtClean="0"/>
+              <a:rPr lang="en-US" altLang="zh-TW" dirty="0"/>
               <a:t>Spark on YARN cluster mode</a:t>
             </a:r>
             <a:endParaRPr lang="zh-TW" altLang="en-US" dirty="0"/>
@@ -12095,8 +11789,8 @@
           <a:lstStyle/>
           <a:p>
             <a:r>
-              <a:rPr lang="en-US" altLang="zh-TW" smtClean="0"/>
-              <a:t>Educational Data Mining and Applications, Fall 2023</a:t>
+              <a:rPr lang="en-US" altLang="zh-TW"/>
+              <a:t>Educational Data Mining and Applications, Fall 2025</a:t>
             </a:r>
             <a:endParaRPr lang="zh-TW" altLang="en-US"/>
           </a:p>
@@ -12118,7 +11812,7 @@
           <a:lstStyle/>
           <a:p>
             <a:r>
-              <a:rPr lang="en-US" altLang="zh-TW" smtClean="0"/>
+              <a:rPr lang="en-US" altLang="zh-TW"/>
               <a:t>NTUT CSIE</a:t>
             </a:r>
             <a:endParaRPr lang="zh-TW" altLang="en-US"/>
@@ -12158,13 +11852,6 @@
   <p:clrMapOvr>
     <a:masterClrMapping/>
   </p:clrMapOvr>
-  <p:timing>
-    <p:tnLst>
-      <p:par>
-        <p:cTn id="1" dur="indefinite" restart="never" nodeType="tmRoot"/>
-      </p:par>
-    </p:tnLst>
-  </p:timing>
 </p:sld>
 </file>
 
@@ -12201,7 +11888,7 @@
           <a:lstStyle/>
           <a:p>
             <a:r>
-              <a:rPr lang="en-US" altLang="zh-TW" dirty="0" smtClean="0"/>
+              <a:rPr lang="en-US" altLang="zh-TW" dirty="0"/>
               <a:t>Distributed Computing</a:t>
             </a:r>
             <a:endParaRPr lang="zh-TW" altLang="en-US" dirty="0"/>
@@ -12224,20 +11911,20 @@
           <a:lstStyle/>
           <a:p>
             <a:r>
-              <a:rPr lang="en-US" altLang="zh-TW" dirty="0" smtClean="0"/>
+              <a:rPr lang="en-US" altLang="zh-TW" dirty="0"/>
               <a:t>Distributed computing is the study of distributed systems</a:t>
             </a:r>
           </a:p>
           <a:p>
-            <a:endParaRPr lang="en-US" altLang="zh-TW" dirty="0" smtClean="0"/>
-          </a:p>
-          <a:p>
-            <a:r>
-              <a:rPr lang="en-US" altLang="zh-TW" dirty="0" smtClean="0"/>
+            <a:endParaRPr lang="en-US" altLang="zh-TW" dirty="0"/>
+          </a:p>
+          <a:p>
+            <a:r>
+              <a:rPr lang="en-US" altLang="zh-TW" dirty="0"/>
               <a:t>A distributed system is a collection of autonomous computing elements that appears to its users as a </a:t>
             </a:r>
             <a:r>
-              <a:rPr lang="en-US" altLang="zh-TW" dirty="0" smtClean="0">
+              <a:rPr lang="en-US" altLang="zh-TW" dirty="0">
                 <a:solidFill>
                   <a:srgbClr val="0000FF"/>
                 </a:solidFill>
@@ -12245,18 +11932,14 @@
               <a:t>single coherent </a:t>
             </a:r>
             <a:r>
-              <a:rPr lang="en-US" altLang="zh-TW" dirty="0" smtClean="0"/>
+              <a:rPr lang="en-US" altLang="zh-TW" dirty="0"/>
               <a:t>system</a:t>
             </a:r>
           </a:p>
           <a:p>
             <a:r>
-              <a:rPr lang="en-US" altLang="zh-TW" dirty="0" smtClean="0"/>
-              <a:t>A </a:t>
-            </a:r>
-            <a:r>
-              <a:rPr lang="en-US" altLang="zh-TW" dirty="0"/>
-              <a:t>distributed system is a model in which components located on networked computers communicate and coordinate their actions by </a:t>
+              <a:rPr lang="en-US" altLang="zh-TW" dirty="0"/>
+              <a:t>A distributed system is a model in which components located on networked computers communicate and coordinate their actions by </a:t>
             </a:r>
             <a:r>
               <a:rPr lang="en-US" altLang="zh-TW" dirty="0">
@@ -12264,19 +11947,11 @@
                   <a:srgbClr val="0000FF"/>
                 </a:solidFill>
               </a:rPr>
-              <a:t>passing </a:t>
-            </a:r>
-            <a:r>
-              <a:rPr lang="en-US" altLang="zh-TW" dirty="0" smtClean="0">
-                <a:solidFill>
-                  <a:srgbClr val="0000FF"/>
-                </a:solidFill>
-              </a:rPr>
-              <a:t>messages</a:t>
-            </a:r>
-          </a:p>
-          <a:p>
-            <a:endParaRPr lang="en-US" altLang="zh-TW" dirty="0" smtClean="0"/>
+              <a:t>passing messages</a:t>
+            </a:r>
+          </a:p>
+          <a:p>
+            <a:endParaRPr lang="en-US" altLang="zh-TW" dirty="0"/>
           </a:p>
           <a:p>
             <a:endParaRPr lang="zh-TW" altLang="en-US" dirty="0"/>
@@ -12299,8 +11974,8 @@
           <a:lstStyle/>
           <a:p>
             <a:r>
-              <a:rPr lang="en-US" altLang="zh-TW" smtClean="0"/>
-              <a:t>Educational Data Mining and Applications, Fall 2023</a:t>
+              <a:rPr lang="en-US" altLang="zh-TW"/>
+              <a:t>Educational Data Mining and Applications, Fall 2025</a:t>
             </a:r>
             <a:endParaRPr lang="zh-TW" altLang="en-US"/>
           </a:p>
@@ -12322,7 +11997,7 @@
           <a:lstStyle/>
           <a:p>
             <a:r>
-              <a:rPr lang="en-US" altLang="zh-TW" smtClean="0"/>
+              <a:rPr lang="en-US" altLang="zh-TW"/>
               <a:t>NTUT CSIE</a:t>
             </a:r>
             <a:endParaRPr lang="zh-TW" altLang="en-US"/>
@@ -12362,13 +12037,6 @@
   <p:clrMapOvr>
     <a:masterClrMapping/>
   </p:clrMapOvr>
-  <p:timing>
-    <p:tnLst>
-      <p:par>
-        <p:cTn id="1" dur="indefinite" restart="never" nodeType="tmRoot"/>
-      </p:par>
-    </p:tnLst>
-  </p:timing>
 </p:sld>
 </file>
 
@@ -12405,7 +12073,7 @@
           <a:lstStyle/>
           <a:p>
             <a:r>
-              <a:rPr lang="en-US" altLang="zh-TW" dirty="0" smtClean="0"/>
+              <a:rPr lang="en-US" altLang="zh-TW" dirty="0"/>
               <a:t>Spark on YARN client mode</a:t>
             </a:r>
             <a:endParaRPr lang="zh-TW" altLang="en-US" dirty="0"/>
@@ -12457,8 +12125,8 @@
           <a:lstStyle/>
           <a:p>
             <a:r>
-              <a:rPr lang="en-US" altLang="zh-TW" smtClean="0"/>
-              <a:t>Educational Data Mining and Applications, Fall 2023</a:t>
+              <a:rPr lang="en-US" altLang="zh-TW"/>
+              <a:t>Educational Data Mining and Applications, Fall 2025</a:t>
             </a:r>
             <a:endParaRPr lang="zh-TW" altLang="en-US"/>
           </a:p>
@@ -12480,7 +12148,7 @@
           <a:lstStyle/>
           <a:p>
             <a:r>
-              <a:rPr lang="en-US" altLang="zh-TW" smtClean="0"/>
+              <a:rPr lang="en-US" altLang="zh-TW"/>
               <a:t>NTUT CSIE</a:t>
             </a:r>
             <a:endParaRPr lang="zh-TW" altLang="en-US"/>
@@ -12520,13 +12188,6 @@
   <p:clrMapOvr>
     <a:masterClrMapping/>
   </p:clrMapOvr>
-  <p:timing>
-    <p:tnLst>
-      <p:par>
-        <p:cTn id="1" dur="indefinite" restart="never" nodeType="tmRoot"/>
-      </p:par>
-    </p:tnLst>
-  </p:timing>
 </p:sld>
 </file>
 
@@ -12563,7 +12224,7 @@
           <a:lstStyle/>
           <a:p>
             <a:r>
-              <a:rPr lang="en-US" altLang="zh-TW" dirty="0" smtClean="0"/>
+              <a:rPr lang="en-US" altLang="zh-TW" dirty="0"/>
               <a:t>Spark on Kubernetes</a:t>
             </a:r>
             <a:endParaRPr lang="zh-TW" altLang="en-US" dirty="0"/>
@@ -12615,8 +12276,8 @@
           <a:lstStyle/>
           <a:p>
             <a:r>
-              <a:rPr lang="en-US" altLang="zh-TW" smtClean="0"/>
-              <a:t>Educational Data Mining and Applications, Fall 2023</a:t>
+              <a:rPr lang="en-US" altLang="zh-TW"/>
+              <a:t>Educational Data Mining and Applications, Fall 2025</a:t>
             </a:r>
             <a:endParaRPr lang="zh-TW" altLang="en-US"/>
           </a:p>
@@ -12638,7 +12299,7 @@
           <a:lstStyle/>
           <a:p>
             <a:r>
-              <a:rPr lang="en-US" altLang="zh-TW" smtClean="0"/>
+              <a:rPr lang="en-US" altLang="zh-TW"/>
               <a:t>NTUT CSIE</a:t>
             </a:r>
             <a:endParaRPr lang="zh-TW" altLang="en-US"/>
@@ -12698,6 +12359,223 @@
           <a:chExt cx="0" cy="0"/>
         </a:xfrm>
       </p:grpSpPr>
+      <p:sp>
+        <p:nvSpPr>
+          <p:cNvPr id="2" name="標題 1">
+            <a:extLst>
+              <a:ext uri="{FF2B5EF4-FFF2-40B4-BE49-F238E27FC236}">
+                <a16:creationId xmlns:a16="http://schemas.microsoft.com/office/drawing/2014/main" id="{DE489892-66AD-4939-9EA1-7DD3DF0F0E95}"/>
+              </a:ext>
+            </a:extLst>
+          </p:cNvPr>
+          <p:cNvSpPr>
+            <a:spLocks noGrp="1"/>
+          </p:cNvSpPr>
+          <p:nvPr>
+            <p:ph type="title"/>
+          </p:nvPr>
+        </p:nvSpPr>
+        <p:spPr/>
+        <p:txBody>
+          <a:bodyPr/>
+          <a:lstStyle/>
+          <a:p>
+            <a:r>
+              <a:rPr lang="en-US" altLang="zh-TW" dirty="0"/>
+              <a:t>Spark and Hadoop</a:t>
+            </a:r>
+            <a:endParaRPr lang="zh-TW" altLang="en-US" dirty="0"/>
+          </a:p>
+        </p:txBody>
+      </p:sp>
+      <p:sp>
+        <p:nvSpPr>
+          <p:cNvPr id="3" name="內容版面配置區 2">
+            <a:extLst>
+              <a:ext uri="{FF2B5EF4-FFF2-40B4-BE49-F238E27FC236}">
+                <a16:creationId xmlns:a16="http://schemas.microsoft.com/office/drawing/2014/main" id="{46B14CF7-AFA8-4776-8B2B-C98C584D6600}"/>
+              </a:ext>
+            </a:extLst>
+          </p:cNvPr>
+          <p:cNvSpPr>
+            <a:spLocks noGrp="1"/>
+          </p:cNvSpPr>
+          <p:nvPr>
+            <p:ph idx="1"/>
+          </p:nvPr>
+        </p:nvSpPr>
+        <p:spPr/>
+        <p:txBody>
+          <a:bodyPr/>
+          <a:lstStyle/>
+          <a:p>
+            <a:r>
+              <a:rPr lang="en-US" altLang="zh-TW" dirty="0"/>
+              <a:t>You can run Spark alongside your existing Hadoop cluster</a:t>
+            </a:r>
+          </a:p>
+          <a:p>
+            <a:pPr lvl="1"/>
+            <a:r>
+              <a:rPr lang="en-US" altLang="zh-TW" dirty="0"/>
+              <a:t>Just launching it as a separate service on the same machines </a:t>
+            </a:r>
+          </a:p>
+          <a:p>
+            <a:pPr lvl="1"/>
+            <a:r>
+              <a:rPr lang="en-US" altLang="zh-TW" dirty="0"/>
+              <a:t>To access Hadoop data from Spark, just use an hdfs:// URL (typically hdfs://&lt;namenode&gt;:9000/path, but you can find the right URL on your Hadoop </a:t>
+            </a:r>
+            <a:r>
+              <a:rPr lang="en-US" altLang="zh-TW" dirty="0" err="1"/>
+              <a:t>Namenode’s</a:t>
+            </a:r>
+            <a:r>
+              <a:rPr lang="en-US" altLang="zh-TW" dirty="0"/>
+              <a:t> web UI)</a:t>
+            </a:r>
+          </a:p>
+          <a:p>
+            <a:r>
+              <a:rPr lang="en-US" altLang="zh-TW" dirty="0"/>
+              <a:t>Alternatively, you can set up a separate cluster for Spark</a:t>
+            </a:r>
+          </a:p>
+          <a:p>
+            <a:pPr lvl="1"/>
+            <a:r>
+              <a:rPr lang="en-US" altLang="zh-TW" dirty="0"/>
+              <a:t>still have it access HDFS over the network</a:t>
+            </a:r>
+          </a:p>
+          <a:p>
+            <a:pPr lvl="1"/>
+            <a:r>
+              <a:rPr lang="en-US" altLang="zh-TW" dirty="0"/>
+              <a:t>this will be slower than disk-local access, but may not be a concern if you are still running in the same local area network</a:t>
+            </a:r>
+            <a:endParaRPr lang="zh-TW" altLang="en-US" dirty="0"/>
+          </a:p>
+        </p:txBody>
+      </p:sp>
+      <p:sp>
+        <p:nvSpPr>
+          <p:cNvPr id="4" name="日期版面配置區 3">
+            <a:extLst>
+              <a:ext uri="{FF2B5EF4-FFF2-40B4-BE49-F238E27FC236}">
+                <a16:creationId xmlns:a16="http://schemas.microsoft.com/office/drawing/2014/main" id="{19D85C14-3156-49A3-8619-7F3C8D369FE5}"/>
+              </a:ext>
+            </a:extLst>
+          </p:cNvPr>
+          <p:cNvSpPr>
+            <a:spLocks noGrp="1"/>
+          </p:cNvSpPr>
+          <p:nvPr>
+            <p:ph type="dt" sz="half" idx="10"/>
+          </p:nvPr>
+        </p:nvSpPr>
+        <p:spPr/>
+        <p:txBody>
+          <a:bodyPr/>
+          <a:lstStyle/>
+          <a:p>
+            <a:r>
+              <a:rPr lang="en-US" altLang="zh-TW"/>
+              <a:t>Educational Data Mining and Applications, Fall 2025</a:t>
+            </a:r>
+            <a:endParaRPr lang="zh-TW" altLang="en-US"/>
+          </a:p>
+        </p:txBody>
+      </p:sp>
+      <p:sp>
+        <p:nvSpPr>
+          <p:cNvPr id="5" name="頁尾版面配置區 4">
+            <a:extLst>
+              <a:ext uri="{FF2B5EF4-FFF2-40B4-BE49-F238E27FC236}">
+                <a16:creationId xmlns:a16="http://schemas.microsoft.com/office/drawing/2014/main" id="{0083CC76-8879-41E3-AB69-CF45C6BC337F}"/>
+              </a:ext>
+            </a:extLst>
+          </p:cNvPr>
+          <p:cNvSpPr>
+            <a:spLocks noGrp="1"/>
+          </p:cNvSpPr>
+          <p:nvPr>
+            <p:ph type="ftr" sz="quarter" idx="11"/>
+          </p:nvPr>
+        </p:nvSpPr>
+        <p:spPr/>
+        <p:txBody>
+          <a:bodyPr/>
+          <a:lstStyle/>
+          <a:p>
+            <a:r>
+              <a:rPr lang="en-US" altLang="zh-TW"/>
+              <a:t>NTUT CSIE</a:t>
+            </a:r>
+            <a:endParaRPr lang="zh-TW" altLang="en-US"/>
+          </a:p>
+        </p:txBody>
+      </p:sp>
+      <p:sp>
+        <p:nvSpPr>
+          <p:cNvPr id="6" name="投影片編號版面配置區 5">
+            <a:extLst>
+              <a:ext uri="{FF2B5EF4-FFF2-40B4-BE49-F238E27FC236}">
+                <a16:creationId xmlns:a16="http://schemas.microsoft.com/office/drawing/2014/main" id="{D47889BE-E81F-4DE5-8389-D7DE5D5191C7}"/>
+              </a:ext>
+            </a:extLst>
+          </p:cNvPr>
+          <p:cNvSpPr>
+            <a:spLocks noGrp="1"/>
+          </p:cNvSpPr>
+          <p:nvPr>
+            <p:ph type="sldNum" sz="quarter" idx="12"/>
+          </p:nvPr>
+        </p:nvSpPr>
+        <p:spPr/>
+        <p:txBody>
+          <a:bodyPr/>
+          <a:lstStyle/>
+          <a:p>
+            <a:fld id="{2F9155C1-9C8C-48AF-B944-B052C67A712F}" type="slidenum">
+              <a:rPr lang="zh-TW" altLang="en-US" smtClean="0"/>
+              <a:t>42</a:t>
+            </a:fld>
+            <a:endParaRPr lang="zh-TW" altLang="en-US"/>
+          </a:p>
+        </p:txBody>
+      </p:sp>
+    </p:spTree>
+    <p:extLst>
+      <p:ext uri="{BB962C8B-B14F-4D97-AF65-F5344CB8AC3E}">
+        <p14:creationId xmlns:p14="http://schemas.microsoft.com/office/powerpoint/2010/main" val="1495781557"/>
+      </p:ext>
+    </p:extLst>
+  </p:cSld>
+  <p:clrMapOvr>
+    <a:masterClrMapping/>
+  </p:clrMapOvr>
+</p:sld>
+</file>
+
+<file path=ppt/slides/slide43.xml><?xml version="1.0" encoding="utf-8"?>
+<p:sld xmlns:a="http://schemas.openxmlformats.org/drawingml/2006/main" xmlns:r="http://schemas.openxmlformats.org/officeDocument/2006/relationships" xmlns:p="http://schemas.openxmlformats.org/presentationml/2006/main">
+  <p:cSld>
+    <p:spTree>
+      <p:nvGrpSpPr>
+        <p:cNvPr id="1" name=""/>
+        <p:cNvGrpSpPr/>
+        <p:nvPr/>
+      </p:nvGrpSpPr>
+      <p:grpSpPr>
+        <a:xfrm>
+          <a:off x="0" y="0"/>
+          <a:ext cx="0" cy="0"/>
+          <a:chOff x="0" y="0"/>
+          <a:chExt cx="0" cy="0"/>
+        </a:xfrm>
+      </p:grpSpPr>
       <p:pic>
         <p:nvPicPr>
           <p:cNvPr id="7" name="內容版面配置區 6"/>
@@ -12747,10 +12625,10 @@
           <a:lstStyle/>
           <a:p>
             <a:r>
-              <a:rPr lang="en-US" altLang="zh-TW" smtClean="0"/>
+              <a:rPr lang="en-US" altLang="zh-TW"/>
               <a:t>Spark and Hadoop</a:t>
             </a:r>
-            <a:endParaRPr lang="zh-TW" altLang="en-US" smtClean="0"/>
+            <a:endParaRPr lang="zh-TW" altLang="en-US"/>
           </a:p>
         </p:txBody>
       </p:sp>
@@ -12819,8 +12697,8 @@
           <a:lstStyle/>
           <a:p>
             <a:r>
-              <a:rPr lang="en-US" altLang="zh-TW" smtClean="0"/>
-              <a:t>Educational Data Mining and Applications, Fall 2023</a:t>
+              <a:rPr lang="en-US" altLang="zh-TW"/>
+              <a:t>Educational Data Mining and Applications, Fall 2025</a:t>
             </a:r>
             <a:endParaRPr lang="zh-TW" altLang="en-US"/>
           </a:p>
@@ -12842,7 +12720,7 @@
           <a:lstStyle/>
           <a:p>
             <a:r>
-              <a:rPr lang="en-US" altLang="zh-TW" smtClean="0"/>
+              <a:rPr lang="en-US" altLang="zh-TW"/>
               <a:t>NTUT CSIE</a:t>
             </a:r>
             <a:endParaRPr lang="zh-TW" altLang="en-US"/>
@@ -12866,7 +12744,7 @@
           <a:p>
             <a:fld id="{2F9155C1-9C8C-48AF-B944-B052C67A712F}" type="slidenum">
               <a:rPr lang="zh-TW" altLang="en-US" smtClean="0"/>
-              <a:t>42</a:t>
+              <a:t>43</a:t>
             </a:fld>
             <a:endParaRPr lang="zh-TW" altLang="en-US"/>
           </a:p>
@@ -12882,17 +12760,10 @@
   <p:clrMapOvr>
     <a:masterClrMapping/>
   </p:clrMapOvr>
-  <p:timing>
-    <p:tnLst>
-      <p:par>
-        <p:cTn id="1" dur="indefinite" restart="never" nodeType="tmRoot"/>
-      </p:par>
-    </p:tnLst>
-  </p:timing>
 </p:sld>
 </file>
 
-<file path=ppt/slides/slide43.xml><?xml version="1.0" encoding="utf-8"?>
+<file path=ppt/slides/slide44.xml><?xml version="1.0" encoding="utf-8"?>
 <p:sld xmlns:a="http://schemas.openxmlformats.org/drawingml/2006/main" xmlns:r="http://schemas.openxmlformats.org/officeDocument/2006/relationships" xmlns:p="http://schemas.openxmlformats.org/presentationml/2006/main">
   <p:cSld>
     <p:spTree>
@@ -12925,10 +12796,10 @@
           <a:lstStyle/>
           <a:p>
             <a:r>
-              <a:rPr lang="en-US" altLang="zh-TW" smtClean="0"/>
-              <a:t>RDD</a:t>
-            </a:r>
-            <a:endParaRPr lang="zh-TW" altLang="en-US" smtClean="0"/>
+              <a:rPr lang="en-US" altLang="zh-TW" dirty="0"/>
+              <a:t>RDD (Core but Old API)</a:t>
+            </a:r>
+            <a:endParaRPr lang="zh-TW" altLang="en-US" dirty="0"/>
           </a:p>
         </p:txBody>
       </p:sp>
@@ -13117,14 +12988,11 @@
               <a:buNone/>
             </a:pPr>
             <a:r>
-              <a:rPr kumimoji="0" lang="en-US" altLang="zh-TW" sz="1400" smtClean="0">
+              <a:rPr kumimoji="0" lang="en-US" altLang="zh-TW" sz="1400">
                 <a:latin typeface="Arial" panose="020B0604020202020204" pitchFamily="34" charset="0"/>
               </a:rPr>
-              <a:t>Educational Data Mining and Applications, Fall 2023</a:t>
-            </a:r>
-            <a:endParaRPr kumimoji="0" lang="en-US" altLang="zh-TW" sz="1400">
-              <a:latin typeface="Arial" panose="020B0604020202020204" pitchFamily="34" charset="0"/>
-            </a:endParaRPr>
+              <a:t>Educational Data Mining and Applications, Fall 2025</a:t>
+            </a:r>
           </a:p>
         </p:txBody>
       </p:sp>
@@ -13283,14 +13151,11 @@
               <a:buNone/>
             </a:pPr>
             <a:r>
-              <a:rPr kumimoji="0" lang="en-US" altLang="zh-TW" sz="1400" smtClean="0">
+              <a:rPr kumimoji="0" lang="en-US" altLang="zh-TW" sz="1400">
                 <a:latin typeface="Arial" panose="020B0604020202020204" pitchFamily="34" charset="0"/>
               </a:rPr>
               <a:t>NTUT CSIE</a:t>
             </a:r>
-            <a:endParaRPr kumimoji="0" lang="en-US" altLang="zh-TW" sz="1400">
-              <a:latin typeface="Arial" panose="020B0604020202020204" pitchFamily="34" charset="0"/>
-            </a:endParaRPr>
           </a:p>
         </p:txBody>
       </p:sp>
@@ -13459,7 +13324,7 @@
                 <a:buFontTx/>
                 <a:buNone/>
               </a:pPr>
-              <a:t>43</a:t>
+              <a:t>44</a:t>
             </a:fld>
             <a:endParaRPr kumimoji="0" lang="en-US" altLang="zh-TW" sz="1400">
               <a:latin typeface="Arial" panose="020B0604020202020204" pitchFamily="34" charset="0"/>
@@ -13529,417 +13394,6 @@
     <p:extLst>
       <p:ext uri="{BB962C8B-B14F-4D97-AF65-F5344CB8AC3E}">
         <p14:creationId xmlns:p14="http://schemas.microsoft.com/office/powerpoint/2010/main" val="526034215"/>
-      </p:ext>
-    </p:extLst>
-  </p:cSld>
-  <p:clrMapOvr>
-    <a:masterClrMapping/>
-  </p:clrMapOvr>
-  <p:timing>
-    <p:tnLst>
-      <p:par>
-        <p:cTn id="1" dur="indefinite" restart="never" nodeType="tmRoot"/>
-      </p:par>
-    </p:tnLst>
-  </p:timing>
-</p:sld>
-</file>
-
-<file path=ppt/slides/slide44.xml><?xml version="1.0" encoding="utf-8"?>
-<p:sld xmlns:a="http://schemas.openxmlformats.org/drawingml/2006/main" xmlns:r="http://schemas.openxmlformats.org/officeDocument/2006/relationships" xmlns:p="http://schemas.openxmlformats.org/presentationml/2006/main">
-  <p:cSld>
-    <p:spTree>
-      <p:nvGrpSpPr>
-        <p:cNvPr id="1" name=""/>
-        <p:cNvGrpSpPr/>
-        <p:nvPr/>
-      </p:nvGrpSpPr>
-      <p:grpSpPr>
-        <a:xfrm>
-          <a:off x="0" y="0"/>
-          <a:ext cx="0" cy="0"/>
-          <a:chOff x="0" y="0"/>
-          <a:chExt cx="0" cy="0"/>
-        </a:xfrm>
-      </p:grpSpPr>
-      <p:sp>
-        <p:nvSpPr>
-          <p:cNvPr id="2" name="標題 1"/>
-          <p:cNvSpPr>
-            <a:spLocks noGrp="1"/>
-          </p:cNvSpPr>
-          <p:nvPr>
-            <p:ph type="title"/>
-          </p:nvPr>
-        </p:nvSpPr>
-        <p:spPr/>
-        <p:txBody>
-          <a:bodyPr/>
-          <a:lstStyle/>
-          <a:p>
-            <a:r>
-              <a:rPr lang="en-US" altLang="zh-TW" dirty="0" smtClean="0"/>
-              <a:t>References</a:t>
-            </a:r>
-            <a:endParaRPr lang="zh-TW" altLang="en-US" dirty="0"/>
-          </a:p>
-        </p:txBody>
-      </p:sp>
-      <p:sp>
-        <p:nvSpPr>
-          <p:cNvPr id="3" name="內容版面配置區 2"/>
-          <p:cNvSpPr>
-            <a:spLocks noGrp="1"/>
-          </p:cNvSpPr>
-          <p:nvPr>
-            <p:ph idx="1"/>
-          </p:nvPr>
-        </p:nvSpPr>
-        <p:spPr/>
-        <p:txBody>
-          <a:bodyPr>
-            <a:normAutofit fontScale="85000" lnSpcReduction="20000"/>
-          </a:bodyPr>
-          <a:lstStyle/>
-          <a:p>
-            <a:r>
-              <a:rPr lang="en-US" altLang="zh-TW" dirty="0" err="1" smtClean="0"/>
-              <a:t>MapReduce</a:t>
-            </a:r>
-            <a:r>
-              <a:rPr lang="en-US" altLang="zh-TW" dirty="0" smtClean="0"/>
-              <a:t>:</a:t>
-            </a:r>
-          </a:p>
-          <a:p>
-            <a:pPr lvl="1"/>
-            <a:r>
-              <a:rPr lang="en-US" altLang="zh-TW" dirty="0"/>
-              <a:t>Jeffrey Dean and Sanjay </a:t>
-            </a:r>
-            <a:r>
-              <a:rPr lang="en-US" altLang="zh-TW" dirty="0" err="1" smtClean="0"/>
-              <a:t>Ghemawat</a:t>
-            </a:r>
-            <a:r>
-              <a:rPr lang="en-US" altLang="zh-TW" dirty="0" smtClean="0"/>
-              <a:t>, </a:t>
-            </a:r>
-            <a:r>
-              <a:rPr lang="en-US" altLang="zh-TW" dirty="0" err="1" smtClean="0"/>
-              <a:t>MapReduce</a:t>
-            </a:r>
-            <a:r>
-              <a:rPr lang="en-US" altLang="zh-TW" dirty="0"/>
-              <a:t>: </a:t>
-            </a:r>
-            <a:r>
-              <a:rPr lang="en-US" altLang="zh-TW" dirty="0" err="1"/>
-              <a:t>Simplied</a:t>
-            </a:r>
-            <a:r>
-              <a:rPr lang="en-US" altLang="zh-TW" dirty="0"/>
-              <a:t> Data Processing on Large </a:t>
-            </a:r>
-            <a:r>
-              <a:rPr lang="en-US" altLang="zh-TW" dirty="0" smtClean="0"/>
-              <a:t>Clusters, Proceedings of OSDI 2004.</a:t>
-            </a:r>
-          </a:p>
-          <a:p>
-            <a:r>
-              <a:rPr lang="en-US" altLang="zh-TW" dirty="0" smtClean="0"/>
-              <a:t>Google File System:</a:t>
-            </a:r>
-          </a:p>
-          <a:p>
-            <a:pPr lvl="1"/>
-            <a:r>
-              <a:rPr lang="en-US" altLang="zh-TW" dirty="0"/>
-              <a:t>Sanjay </a:t>
-            </a:r>
-            <a:r>
-              <a:rPr lang="en-US" altLang="zh-TW" dirty="0" err="1"/>
-              <a:t>Ghemawat</a:t>
-            </a:r>
-            <a:r>
-              <a:rPr lang="en-US" altLang="zh-TW" dirty="0"/>
-              <a:t>, Howard </a:t>
-            </a:r>
-            <a:r>
-              <a:rPr lang="en-US" altLang="zh-TW" dirty="0" err="1"/>
-              <a:t>Gobioff</a:t>
-            </a:r>
-            <a:r>
-              <a:rPr lang="en-US" altLang="zh-TW" dirty="0"/>
-              <a:t>, and Shun-</a:t>
-            </a:r>
-            <a:r>
-              <a:rPr lang="en-US" altLang="zh-TW" dirty="0" err="1"/>
-              <a:t>Tak</a:t>
-            </a:r>
-            <a:r>
-              <a:rPr lang="en-US" altLang="zh-TW" dirty="0"/>
-              <a:t> </a:t>
-            </a:r>
-            <a:r>
-              <a:rPr lang="en-US" altLang="zh-TW" dirty="0" smtClean="0"/>
-              <a:t>Leung, “The </a:t>
-            </a:r>
-            <a:r>
-              <a:rPr lang="en-US" altLang="zh-TW" dirty="0"/>
-              <a:t>Google File </a:t>
-            </a:r>
-            <a:r>
-              <a:rPr lang="en-US" altLang="zh-TW" dirty="0" smtClean="0"/>
-              <a:t>System,” Proceedings of SOSP</a:t>
-            </a:r>
-            <a:r>
-              <a:rPr lang="zh-TW" altLang="en-US" dirty="0" smtClean="0"/>
-              <a:t> </a:t>
-            </a:r>
-            <a:r>
-              <a:rPr lang="en-US" altLang="zh-TW" dirty="0" smtClean="0"/>
-              <a:t>2003.</a:t>
-            </a:r>
-          </a:p>
-          <a:p>
-            <a:r>
-              <a:rPr lang="en-US" altLang="zh-TW" dirty="0" smtClean="0"/>
-              <a:t>Spark:</a:t>
-            </a:r>
-          </a:p>
-          <a:p>
-            <a:pPr lvl="1"/>
-            <a:r>
-              <a:rPr lang="en-US" altLang="zh-TW" dirty="0" err="1"/>
-              <a:t>Matei</a:t>
-            </a:r>
-            <a:r>
-              <a:rPr lang="en-US" altLang="zh-TW" dirty="0"/>
-              <a:t> </a:t>
-            </a:r>
-            <a:r>
-              <a:rPr lang="en-US" altLang="zh-TW" dirty="0" err="1"/>
-              <a:t>Zaharia</a:t>
-            </a:r>
-            <a:r>
-              <a:rPr lang="en-US" altLang="zh-TW" dirty="0"/>
-              <a:t>, </a:t>
-            </a:r>
-            <a:r>
-              <a:rPr lang="en-US" altLang="zh-TW" dirty="0" err="1"/>
-              <a:t>Mosharaf</a:t>
-            </a:r>
-            <a:r>
-              <a:rPr lang="en-US" altLang="zh-TW" dirty="0"/>
-              <a:t> Chowdhury, Michael J Franklin, Scott </a:t>
-            </a:r>
-            <a:r>
-              <a:rPr lang="en-US" altLang="zh-TW" dirty="0" err="1"/>
-              <a:t>Shenker</a:t>
-            </a:r>
-            <a:r>
-              <a:rPr lang="en-US" altLang="zh-TW" dirty="0"/>
-              <a:t>, Ion </a:t>
-            </a:r>
-            <a:r>
-              <a:rPr lang="en-US" altLang="zh-TW" dirty="0" err="1" smtClean="0"/>
-              <a:t>Stoica</a:t>
-            </a:r>
-            <a:r>
-              <a:rPr lang="en-US" altLang="zh-TW" dirty="0"/>
-              <a:t>, Spark: Cluster computing with working </a:t>
-            </a:r>
-            <a:r>
-              <a:rPr lang="en-US" altLang="zh-TW" dirty="0" smtClean="0"/>
-              <a:t>sets, Proceedings of </a:t>
-            </a:r>
-            <a:r>
-              <a:rPr lang="en-US" altLang="zh-TW" dirty="0"/>
-              <a:t>the 2nd USENIX conference on Hot topics in cloud </a:t>
-            </a:r>
-            <a:r>
-              <a:rPr lang="en-US" altLang="zh-TW" dirty="0" smtClean="0"/>
-              <a:t>computing (</a:t>
-            </a:r>
-            <a:r>
-              <a:rPr lang="en-US" altLang="zh-TW" dirty="0" err="1" smtClean="0"/>
-              <a:t>HotCloud</a:t>
-            </a:r>
-            <a:r>
-              <a:rPr lang="en-US" altLang="zh-TW" dirty="0" smtClean="0"/>
-              <a:t> 2010).</a:t>
-            </a:r>
-          </a:p>
-          <a:p>
-            <a:r>
-              <a:rPr lang="en-US" altLang="zh-TW" dirty="0" smtClean="0"/>
-              <a:t>RDDs:</a:t>
-            </a:r>
-          </a:p>
-          <a:p>
-            <a:pPr lvl="1"/>
-            <a:r>
-              <a:rPr lang="en-US" altLang="zh-TW" dirty="0" err="1" smtClean="0"/>
-              <a:t>Matei</a:t>
-            </a:r>
-            <a:r>
-              <a:rPr lang="en-US" altLang="zh-TW" dirty="0" smtClean="0"/>
-              <a:t> </a:t>
-            </a:r>
-            <a:r>
-              <a:rPr lang="en-US" altLang="zh-TW" dirty="0" err="1" smtClean="0"/>
-              <a:t>Zaharia</a:t>
-            </a:r>
-            <a:r>
-              <a:rPr lang="en-US" altLang="zh-TW" dirty="0" smtClean="0"/>
-              <a:t>, </a:t>
-            </a:r>
-            <a:r>
-              <a:rPr lang="en-US" altLang="zh-TW" dirty="0" err="1" smtClean="0"/>
-              <a:t>Mosharaf</a:t>
-            </a:r>
-            <a:r>
-              <a:rPr lang="en-US" altLang="zh-TW" dirty="0" smtClean="0"/>
-              <a:t> Chowdhury, </a:t>
-            </a:r>
-            <a:r>
-              <a:rPr lang="en-US" altLang="zh-TW" dirty="0" err="1" smtClean="0"/>
-              <a:t>Tathagata</a:t>
-            </a:r>
-            <a:r>
-              <a:rPr lang="en-US" altLang="zh-TW" dirty="0" smtClean="0"/>
-              <a:t> Das, </a:t>
-            </a:r>
-            <a:r>
-              <a:rPr lang="en-US" altLang="zh-TW" dirty="0" err="1" smtClean="0"/>
-              <a:t>Ankur</a:t>
-            </a:r>
-            <a:r>
-              <a:rPr lang="en-US" altLang="zh-TW" dirty="0" smtClean="0"/>
-              <a:t> Dave, Justin Ma, Murphy McCauley, Michael </a:t>
-            </a:r>
-            <a:r>
-              <a:rPr lang="en-US" altLang="zh-TW" dirty="0"/>
-              <a:t>J. </a:t>
-            </a:r>
-            <a:r>
-              <a:rPr lang="en-US" altLang="zh-TW" dirty="0" smtClean="0"/>
-              <a:t>Franklin, Scott </a:t>
-            </a:r>
-            <a:r>
-              <a:rPr lang="en-US" altLang="zh-TW" dirty="0" err="1" smtClean="0"/>
-              <a:t>Shenker</a:t>
-            </a:r>
-            <a:r>
-              <a:rPr lang="en-US" altLang="zh-TW" dirty="0" smtClean="0"/>
-              <a:t>, Ion </a:t>
-            </a:r>
-            <a:r>
-              <a:rPr lang="en-US" altLang="zh-TW" dirty="0" err="1" smtClean="0"/>
-              <a:t>Stoica</a:t>
-            </a:r>
-            <a:r>
-              <a:rPr lang="en-US" altLang="zh-TW" dirty="0" smtClean="0"/>
-              <a:t>, Resilient </a:t>
-            </a:r>
-            <a:r>
-              <a:rPr lang="en-US" altLang="zh-TW" dirty="0"/>
-              <a:t>distributed datasets: a fault-tolerant abstraction for in-memory cluster </a:t>
-            </a:r>
-            <a:r>
-              <a:rPr lang="en-US" altLang="zh-TW" dirty="0" smtClean="0"/>
-              <a:t>computing, </a:t>
-            </a:r>
-            <a:r>
-              <a:rPr lang="en-US" altLang="zh-TW" dirty="0"/>
-              <a:t>Proceedings of the 9th USENIX conference on Networked Systems Design and </a:t>
-            </a:r>
-            <a:r>
-              <a:rPr lang="en-US" altLang="zh-TW" dirty="0" smtClean="0"/>
-              <a:t>Implementation (NSDI 2012) (Best Paper Award)</a:t>
-            </a:r>
-          </a:p>
-          <a:p>
-            <a:pPr lvl="1"/>
-            <a:endParaRPr lang="zh-TW" altLang="en-US" dirty="0"/>
-          </a:p>
-        </p:txBody>
-      </p:sp>
-      <p:sp>
-        <p:nvSpPr>
-          <p:cNvPr id="4" name="日期版面配置區 3"/>
-          <p:cNvSpPr>
-            <a:spLocks noGrp="1"/>
-          </p:cNvSpPr>
-          <p:nvPr>
-            <p:ph type="dt" sz="half" idx="10"/>
-          </p:nvPr>
-        </p:nvSpPr>
-        <p:spPr/>
-        <p:txBody>
-          <a:bodyPr/>
-          <a:lstStyle/>
-          <a:p>
-            <a:r>
-              <a:rPr lang="en-US" altLang="zh-TW" smtClean="0"/>
-              <a:t>Educational Data Mining and Applications, Fall 2023</a:t>
-            </a:r>
-            <a:endParaRPr lang="zh-TW" altLang="en-US"/>
-          </a:p>
-        </p:txBody>
-      </p:sp>
-      <p:sp>
-        <p:nvSpPr>
-          <p:cNvPr id="5" name="頁尾版面配置區 4"/>
-          <p:cNvSpPr>
-            <a:spLocks noGrp="1"/>
-          </p:cNvSpPr>
-          <p:nvPr>
-            <p:ph type="ftr" sz="quarter" idx="11"/>
-          </p:nvPr>
-        </p:nvSpPr>
-        <p:spPr/>
-        <p:txBody>
-          <a:bodyPr/>
-          <a:lstStyle/>
-          <a:p>
-            <a:r>
-              <a:rPr lang="en-US" altLang="zh-TW" smtClean="0"/>
-              <a:t>NTUT CSIE</a:t>
-            </a:r>
-            <a:endParaRPr lang="zh-TW" altLang="en-US"/>
-          </a:p>
-        </p:txBody>
-      </p:sp>
-      <p:sp>
-        <p:nvSpPr>
-          <p:cNvPr id="6" name="投影片編號版面配置區 5"/>
-          <p:cNvSpPr>
-            <a:spLocks noGrp="1"/>
-          </p:cNvSpPr>
-          <p:nvPr>
-            <p:ph type="sldNum" sz="quarter" idx="12"/>
-          </p:nvPr>
-        </p:nvSpPr>
-        <p:spPr/>
-        <p:txBody>
-          <a:bodyPr/>
-          <a:lstStyle/>
-          <a:p>
-            <a:fld id="{2F9155C1-9C8C-48AF-B944-B052C67A712F}" type="slidenum">
-              <a:rPr lang="zh-TW" altLang="en-US" smtClean="0"/>
-              <a:t>44</a:t>
-            </a:fld>
-            <a:endParaRPr lang="zh-TW" altLang="en-US"/>
-          </a:p>
-        </p:txBody>
-      </p:sp>
-    </p:spTree>
-    <p:extLst>
-      <p:ext uri="{BB962C8B-B14F-4D97-AF65-F5344CB8AC3E}">
-        <p14:creationId xmlns:p14="http://schemas.microsoft.com/office/powerpoint/2010/main" val="314675502"/>
       </p:ext>
     </p:extLst>
   </p:cSld>
@@ -13968,7 +13422,13 @@
       </p:grpSpPr>
       <p:sp>
         <p:nvSpPr>
-          <p:cNvPr id="2" name="標題 1"/>
+          <p:cNvPr id="2" name="標題 1">
+            <a:extLst>
+              <a:ext uri="{FF2B5EF4-FFF2-40B4-BE49-F238E27FC236}">
+                <a16:creationId xmlns:a16="http://schemas.microsoft.com/office/drawing/2014/main" id="{10680EF4-0F39-485E-97D1-95B544D8FA8E}"/>
+              </a:ext>
+            </a:extLst>
+          </p:cNvPr>
           <p:cNvSpPr>
             <a:spLocks noGrp="1"/>
           </p:cNvSpPr>
@@ -13982,8 +13442,8 @@
           <a:lstStyle/>
           <a:p>
             <a:r>
-              <a:rPr lang="en-US" altLang="zh-TW" dirty="0" smtClean="0"/>
-              <a:t>Thanks for Your Attention!</a:t>
+              <a:rPr lang="en-US" altLang="zh-TW" dirty="0"/>
+              <a:t>History of Spark APIs</a:t>
             </a:r>
             <a:endParaRPr lang="zh-TW" altLang="en-US" dirty="0"/>
           </a:p>
@@ -13991,7 +13451,13 @@
       </p:sp>
       <p:sp>
         <p:nvSpPr>
-          <p:cNvPr id="3" name="內容版面配置區 2"/>
+          <p:cNvPr id="3" name="內容版面配置區 2">
+            <a:extLst>
+              <a:ext uri="{FF2B5EF4-FFF2-40B4-BE49-F238E27FC236}">
+                <a16:creationId xmlns:a16="http://schemas.microsoft.com/office/drawing/2014/main" id="{8AF04A82-2B58-4C58-8277-27DB52C61559}"/>
+              </a:ext>
+            </a:extLst>
+          </p:cNvPr>
           <p:cNvSpPr>
             <a:spLocks noGrp="1"/>
           </p:cNvSpPr>
@@ -14001,16 +13467,114 @@
         </p:nvSpPr>
         <p:spPr/>
         <p:txBody>
-          <a:bodyPr/>
-          <a:lstStyle/>
-          <a:p>
-            <a:endParaRPr lang="zh-TW" altLang="en-US"/>
-          </a:p>
-        </p:txBody>
-      </p:sp>
-      <p:sp>
-        <p:nvSpPr>
-          <p:cNvPr id="4" name="日期版面配置區 3"/>
+          <a:bodyPr>
+            <a:normAutofit fontScale="92500" lnSpcReduction="10000"/>
+          </a:bodyPr>
+          <a:lstStyle/>
+          <a:p>
+            <a:r>
+              <a:rPr lang="en-US" altLang="zh-TW" dirty="0"/>
+              <a:t>RDDs: 2011</a:t>
+            </a:r>
+          </a:p>
+          <a:p>
+            <a:pPr lvl="1"/>
+            <a:r>
+              <a:rPr lang="en-US" altLang="zh-TW" dirty="0"/>
+              <a:t>Low-level API</a:t>
+            </a:r>
+          </a:p>
+          <a:p>
+            <a:pPr lvl="1"/>
+            <a:r>
+              <a:rPr lang="en-US" altLang="zh-TW" dirty="0"/>
+              <a:t>Available in Python, Scala, Java, R</a:t>
+            </a:r>
+          </a:p>
+          <a:p>
+            <a:r>
+              <a:rPr lang="en-US" altLang="zh-TW" dirty="0" err="1"/>
+              <a:t>DataFrames</a:t>
+            </a:r>
+            <a:r>
+              <a:rPr lang="en-US" altLang="zh-TW" dirty="0"/>
+              <a:t>: 2013</a:t>
+            </a:r>
+          </a:p>
+          <a:p>
+            <a:pPr lvl="1"/>
+            <a:r>
+              <a:rPr lang="en-US" altLang="zh-TW" dirty="0"/>
+              <a:t>High-level API</a:t>
+            </a:r>
+          </a:p>
+          <a:p>
+            <a:pPr lvl="1"/>
+            <a:r>
+              <a:rPr lang="en-US" altLang="zh-TW" dirty="0"/>
+              <a:t>Schema-based: named columns</a:t>
+            </a:r>
+          </a:p>
+          <a:p>
+            <a:pPr lvl="1"/>
+            <a:r>
+              <a:rPr lang="en-US" altLang="zh-TW" dirty="0"/>
+              <a:t>Optimizations </a:t>
+            </a:r>
+          </a:p>
+          <a:p>
+            <a:pPr lvl="1"/>
+            <a:r>
+              <a:rPr lang="en-US" altLang="zh-TW" dirty="0"/>
+              <a:t>Available in Python, Scala, Java, R</a:t>
+            </a:r>
+          </a:p>
+          <a:p>
+            <a:r>
+              <a:rPr lang="en-US" altLang="zh-TW" dirty="0" err="1"/>
+              <a:t>DataSets</a:t>
+            </a:r>
+            <a:r>
+              <a:rPr lang="en-US" altLang="zh-TW" dirty="0"/>
+              <a:t>: 2015</a:t>
+            </a:r>
+          </a:p>
+          <a:p>
+            <a:pPr lvl="1"/>
+            <a:r>
+              <a:rPr lang="en-US" altLang="zh-TW" dirty="0"/>
+              <a:t>Strong typing</a:t>
+            </a:r>
+          </a:p>
+          <a:p>
+            <a:pPr lvl="1"/>
+            <a:r>
+              <a:rPr lang="en-US" altLang="zh-TW" dirty="0"/>
+              <a:t>Optimized execution engine</a:t>
+            </a:r>
+          </a:p>
+          <a:p>
+            <a:pPr lvl="1"/>
+            <a:r>
+              <a:rPr lang="en-US" altLang="zh-TW" dirty="0"/>
+              <a:t>Available in Scala, Java</a:t>
+            </a:r>
+          </a:p>
+          <a:p>
+            <a:pPr lvl="1"/>
+            <a:endParaRPr lang="zh-TW" altLang="en-US" dirty="0"/>
+          </a:p>
+        </p:txBody>
+      </p:sp>
+      <p:sp>
+        <p:nvSpPr>
+          <p:cNvPr id="4" name="日期版面配置區 3">
+            <a:extLst>
+              <a:ext uri="{FF2B5EF4-FFF2-40B4-BE49-F238E27FC236}">
+                <a16:creationId xmlns:a16="http://schemas.microsoft.com/office/drawing/2014/main" id="{0C8B9990-C42D-442B-9EFA-AF0F7F72FB66}"/>
+              </a:ext>
+            </a:extLst>
+          </p:cNvPr>
           <p:cNvSpPr>
             <a:spLocks noGrp="1"/>
           </p:cNvSpPr>
@@ -14024,16 +13588,22 @@
           <a:lstStyle/>
           <a:p>
             <a:r>
-              <a:rPr lang="en-US" altLang="zh-TW" smtClean="0"/>
-              <a:t>Educational Data Mining and Applications, Fall 2023</a:t>
-            </a:r>
-            <a:endParaRPr lang="zh-TW" altLang="en-US"/>
-          </a:p>
-        </p:txBody>
-      </p:sp>
-      <p:sp>
-        <p:nvSpPr>
-          <p:cNvPr id="5" name="頁尾版面配置區 4"/>
+              <a:rPr lang="en-US" altLang="zh-TW"/>
+              <a:t>Educational Data Mining and Applications, Fall 2025</a:t>
+            </a:r>
+            <a:endParaRPr lang="zh-TW" altLang="en-US"/>
+          </a:p>
+        </p:txBody>
+      </p:sp>
+      <p:sp>
+        <p:nvSpPr>
+          <p:cNvPr id="5" name="頁尾版面配置區 4">
+            <a:extLst>
+              <a:ext uri="{FF2B5EF4-FFF2-40B4-BE49-F238E27FC236}">
+                <a16:creationId xmlns:a16="http://schemas.microsoft.com/office/drawing/2014/main" id="{B583CB94-FFD3-4766-A515-CE64507B1D24}"/>
+              </a:ext>
+            </a:extLst>
+          </p:cNvPr>
           <p:cNvSpPr>
             <a:spLocks noGrp="1"/>
           </p:cNvSpPr>
@@ -14047,7 +13617,7 @@
           <a:lstStyle/>
           <a:p>
             <a:r>
-              <a:rPr lang="en-US" altLang="zh-TW" smtClean="0"/>
+              <a:rPr lang="en-US" altLang="zh-TW"/>
               <a:t>NTUT CSIE</a:t>
             </a:r>
             <a:endParaRPr lang="zh-TW" altLang="en-US"/>
@@ -14056,7 +13626,13 @@
       </p:sp>
       <p:sp>
         <p:nvSpPr>
-          <p:cNvPr id="6" name="投影片編號版面配置區 5"/>
+          <p:cNvPr id="6" name="投影片編號版面配置區 5">
+            <a:extLst>
+              <a:ext uri="{FF2B5EF4-FFF2-40B4-BE49-F238E27FC236}">
+                <a16:creationId xmlns:a16="http://schemas.microsoft.com/office/drawing/2014/main" id="{84E89F42-2D28-4395-B658-06A090D63853}"/>
+              </a:ext>
+            </a:extLst>
+          </p:cNvPr>
           <p:cNvSpPr>
             <a:spLocks noGrp="1"/>
           </p:cNvSpPr>
@@ -14072,6 +13648,499 @@
             <a:fld id="{2F9155C1-9C8C-48AF-B944-B052C67A712F}" type="slidenum">
               <a:rPr lang="zh-TW" altLang="en-US" smtClean="0"/>
               <a:t>45</a:t>
+            </a:fld>
+            <a:endParaRPr lang="zh-TW" altLang="en-US"/>
+          </a:p>
+        </p:txBody>
+      </p:sp>
+    </p:spTree>
+    <p:extLst>
+      <p:ext uri="{BB962C8B-B14F-4D97-AF65-F5344CB8AC3E}">
+        <p14:creationId xmlns:p14="http://schemas.microsoft.com/office/powerpoint/2010/main" val="3701411448"/>
+      </p:ext>
+    </p:extLst>
+  </p:cSld>
+  <p:clrMapOvr>
+    <a:masterClrMapping/>
+  </p:clrMapOvr>
+</p:sld>
+</file>
+
+<file path=ppt/slides/slide46.xml><?xml version="1.0" encoding="utf-8"?>
+<p:sld xmlns:a="http://schemas.openxmlformats.org/drawingml/2006/main" xmlns:r="http://schemas.openxmlformats.org/officeDocument/2006/relationships" xmlns:p="http://schemas.openxmlformats.org/presentationml/2006/main">
+  <p:cSld>
+    <p:spTree>
+      <p:nvGrpSpPr>
+        <p:cNvPr id="1" name=""/>
+        <p:cNvGrpSpPr/>
+        <p:nvPr/>
+      </p:nvGrpSpPr>
+      <p:grpSpPr>
+        <a:xfrm>
+          <a:off x="0" y="0"/>
+          <a:ext cx="0" cy="0"/>
+          <a:chOff x="0" y="0"/>
+          <a:chExt cx="0" cy="0"/>
+        </a:xfrm>
+      </p:grpSpPr>
+      <p:sp>
+        <p:nvSpPr>
+          <p:cNvPr id="2" name="標題 1"/>
+          <p:cNvSpPr>
+            <a:spLocks noGrp="1"/>
+          </p:cNvSpPr>
+          <p:nvPr>
+            <p:ph type="title"/>
+          </p:nvPr>
+        </p:nvSpPr>
+        <p:spPr/>
+        <p:txBody>
+          <a:bodyPr/>
+          <a:lstStyle/>
+          <a:p>
+            <a:r>
+              <a:rPr lang="en-US" altLang="zh-TW" dirty="0"/>
+              <a:t>References</a:t>
+            </a:r>
+            <a:endParaRPr lang="zh-TW" altLang="en-US" dirty="0"/>
+          </a:p>
+        </p:txBody>
+      </p:sp>
+      <p:sp>
+        <p:nvSpPr>
+          <p:cNvPr id="3" name="內容版面配置區 2"/>
+          <p:cNvSpPr>
+            <a:spLocks noGrp="1"/>
+          </p:cNvSpPr>
+          <p:nvPr>
+            <p:ph idx="1"/>
+          </p:nvPr>
+        </p:nvSpPr>
+        <p:spPr/>
+        <p:txBody>
+          <a:bodyPr>
+            <a:normAutofit fontScale="85000" lnSpcReduction="20000"/>
+          </a:bodyPr>
+          <a:lstStyle/>
+          <a:p>
+            <a:r>
+              <a:rPr lang="en-US" altLang="zh-TW" dirty="0" err="1"/>
+              <a:t>MapReduce</a:t>
+            </a:r>
+            <a:r>
+              <a:rPr lang="en-US" altLang="zh-TW" dirty="0"/>
+              <a:t>:</a:t>
+            </a:r>
+          </a:p>
+          <a:p>
+            <a:pPr lvl="1"/>
+            <a:r>
+              <a:rPr lang="en-US" altLang="zh-TW" dirty="0"/>
+              <a:t>Jeffrey Dean and Sanjay </a:t>
+            </a:r>
+            <a:r>
+              <a:rPr lang="en-US" altLang="zh-TW" dirty="0" err="1"/>
+              <a:t>Ghemawat</a:t>
+            </a:r>
+            <a:r>
+              <a:rPr lang="en-US" altLang="zh-TW" dirty="0"/>
+              <a:t>, </a:t>
+            </a:r>
+            <a:r>
+              <a:rPr lang="en-US" altLang="zh-TW" dirty="0" err="1"/>
+              <a:t>MapReduce</a:t>
+            </a:r>
+            <a:r>
+              <a:rPr lang="en-US" altLang="zh-TW" dirty="0"/>
+              <a:t>: </a:t>
+            </a:r>
+            <a:r>
+              <a:rPr lang="en-US" altLang="zh-TW" dirty="0" err="1"/>
+              <a:t>Simplied</a:t>
+            </a:r>
+            <a:r>
+              <a:rPr lang="en-US" altLang="zh-TW" dirty="0"/>
+              <a:t> Data Processing on Large Clusters, Proceedings of OSDI 2004.</a:t>
+            </a:r>
+          </a:p>
+          <a:p>
+            <a:r>
+              <a:rPr lang="en-US" altLang="zh-TW" dirty="0"/>
+              <a:t>Google File System:</a:t>
+            </a:r>
+          </a:p>
+          <a:p>
+            <a:pPr lvl="1"/>
+            <a:r>
+              <a:rPr lang="en-US" altLang="zh-TW" dirty="0"/>
+              <a:t>Sanjay </a:t>
+            </a:r>
+            <a:r>
+              <a:rPr lang="en-US" altLang="zh-TW" dirty="0" err="1"/>
+              <a:t>Ghemawat</a:t>
+            </a:r>
+            <a:r>
+              <a:rPr lang="en-US" altLang="zh-TW" dirty="0"/>
+              <a:t>, Howard </a:t>
+            </a:r>
+            <a:r>
+              <a:rPr lang="en-US" altLang="zh-TW" dirty="0" err="1"/>
+              <a:t>Gobioff</a:t>
+            </a:r>
+            <a:r>
+              <a:rPr lang="en-US" altLang="zh-TW" dirty="0"/>
+              <a:t>, and Shun-</a:t>
+            </a:r>
+            <a:r>
+              <a:rPr lang="en-US" altLang="zh-TW" dirty="0" err="1"/>
+              <a:t>Tak</a:t>
+            </a:r>
+            <a:r>
+              <a:rPr lang="en-US" altLang="zh-TW" dirty="0"/>
+              <a:t> Leung, “The Google File System,” Proceedings of SOSP</a:t>
+            </a:r>
+            <a:r>
+              <a:rPr lang="zh-TW" altLang="en-US" dirty="0"/>
+              <a:t> </a:t>
+            </a:r>
+            <a:r>
+              <a:rPr lang="en-US" altLang="zh-TW" dirty="0"/>
+              <a:t>2003.</a:t>
+            </a:r>
+          </a:p>
+          <a:p>
+            <a:r>
+              <a:rPr lang="en-US" altLang="zh-TW" dirty="0"/>
+              <a:t>Spark:</a:t>
+            </a:r>
+          </a:p>
+          <a:p>
+            <a:pPr lvl="1"/>
+            <a:r>
+              <a:rPr lang="en-US" altLang="zh-TW" dirty="0" err="1"/>
+              <a:t>Matei</a:t>
+            </a:r>
+            <a:r>
+              <a:rPr lang="en-US" altLang="zh-TW" dirty="0"/>
+              <a:t> </a:t>
+            </a:r>
+            <a:r>
+              <a:rPr lang="en-US" altLang="zh-TW" dirty="0" err="1"/>
+              <a:t>Zaharia</a:t>
+            </a:r>
+            <a:r>
+              <a:rPr lang="en-US" altLang="zh-TW" dirty="0"/>
+              <a:t>, </a:t>
+            </a:r>
+            <a:r>
+              <a:rPr lang="en-US" altLang="zh-TW" dirty="0" err="1"/>
+              <a:t>Mosharaf</a:t>
+            </a:r>
+            <a:r>
+              <a:rPr lang="en-US" altLang="zh-TW" dirty="0"/>
+              <a:t> Chowdhury, Michael J Franklin, Scott </a:t>
+            </a:r>
+            <a:r>
+              <a:rPr lang="en-US" altLang="zh-TW" dirty="0" err="1"/>
+              <a:t>Shenker</a:t>
+            </a:r>
+            <a:r>
+              <a:rPr lang="en-US" altLang="zh-TW" dirty="0"/>
+              <a:t>, Ion </a:t>
+            </a:r>
+            <a:r>
+              <a:rPr lang="en-US" altLang="zh-TW" dirty="0" err="1"/>
+              <a:t>Stoica</a:t>
+            </a:r>
+            <a:r>
+              <a:rPr lang="en-US" altLang="zh-TW" dirty="0"/>
+              <a:t>, Spark: Cluster computing with working sets, Proceedings of the 2nd USENIX conference on Hot topics in cloud computing (</a:t>
+            </a:r>
+            <a:r>
+              <a:rPr lang="en-US" altLang="zh-TW" dirty="0" err="1"/>
+              <a:t>HotCloud</a:t>
+            </a:r>
+            <a:r>
+              <a:rPr lang="en-US" altLang="zh-TW" dirty="0"/>
+              <a:t> 2010).</a:t>
+            </a:r>
+          </a:p>
+          <a:p>
+            <a:r>
+              <a:rPr lang="en-US" altLang="zh-TW" dirty="0"/>
+              <a:t>RDDs:</a:t>
+            </a:r>
+          </a:p>
+          <a:p>
+            <a:pPr lvl="1"/>
+            <a:r>
+              <a:rPr lang="en-US" altLang="zh-TW" dirty="0" err="1"/>
+              <a:t>Matei</a:t>
+            </a:r>
+            <a:r>
+              <a:rPr lang="en-US" altLang="zh-TW" dirty="0"/>
+              <a:t> </a:t>
+            </a:r>
+            <a:r>
+              <a:rPr lang="en-US" altLang="zh-TW" dirty="0" err="1"/>
+              <a:t>Zaharia</a:t>
+            </a:r>
+            <a:r>
+              <a:rPr lang="en-US" altLang="zh-TW" dirty="0"/>
+              <a:t>, </a:t>
+            </a:r>
+            <a:r>
+              <a:rPr lang="en-US" altLang="zh-TW" dirty="0" err="1"/>
+              <a:t>Mosharaf</a:t>
+            </a:r>
+            <a:r>
+              <a:rPr lang="en-US" altLang="zh-TW" dirty="0"/>
+              <a:t> Chowdhury, </a:t>
+            </a:r>
+            <a:r>
+              <a:rPr lang="en-US" altLang="zh-TW" dirty="0" err="1"/>
+              <a:t>Tathagata</a:t>
+            </a:r>
+            <a:r>
+              <a:rPr lang="en-US" altLang="zh-TW" dirty="0"/>
+              <a:t> Das, </a:t>
+            </a:r>
+            <a:r>
+              <a:rPr lang="en-US" altLang="zh-TW" dirty="0" err="1"/>
+              <a:t>Ankur</a:t>
+            </a:r>
+            <a:r>
+              <a:rPr lang="en-US" altLang="zh-TW" dirty="0"/>
+              <a:t> Dave, Justin Ma, Murphy McCauley, Michael J. Franklin, Scott </a:t>
+            </a:r>
+            <a:r>
+              <a:rPr lang="en-US" altLang="zh-TW" dirty="0" err="1"/>
+              <a:t>Shenker</a:t>
+            </a:r>
+            <a:r>
+              <a:rPr lang="en-US" altLang="zh-TW" dirty="0"/>
+              <a:t>, Ion </a:t>
+            </a:r>
+            <a:r>
+              <a:rPr lang="en-US" altLang="zh-TW" dirty="0" err="1"/>
+              <a:t>Stoica</a:t>
+            </a:r>
+            <a:r>
+              <a:rPr lang="en-US" altLang="zh-TW" dirty="0"/>
+              <a:t>, Resilient distributed datasets: a fault-tolerant abstraction for in-memory cluster computing, Proceedings of the 9th USENIX conference on Networked Systems Design and Implementation (NSDI 2012) (Best Paper Award)</a:t>
+            </a:r>
+          </a:p>
+          <a:p>
+            <a:pPr lvl="1"/>
+            <a:endParaRPr lang="zh-TW" altLang="en-US" dirty="0"/>
+          </a:p>
+        </p:txBody>
+      </p:sp>
+      <p:sp>
+        <p:nvSpPr>
+          <p:cNvPr id="4" name="日期版面配置區 3"/>
+          <p:cNvSpPr>
+            <a:spLocks noGrp="1"/>
+          </p:cNvSpPr>
+          <p:nvPr>
+            <p:ph type="dt" sz="half" idx="10"/>
+          </p:nvPr>
+        </p:nvSpPr>
+        <p:spPr/>
+        <p:txBody>
+          <a:bodyPr/>
+          <a:lstStyle/>
+          <a:p>
+            <a:r>
+              <a:rPr lang="en-US" altLang="zh-TW"/>
+              <a:t>Educational Data Mining and Applications, Fall 2025</a:t>
+            </a:r>
+            <a:endParaRPr lang="zh-TW" altLang="en-US"/>
+          </a:p>
+        </p:txBody>
+      </p:sp>
+      <p:sp>
+        <p:nvSpPr>
+          <p:cNvPr id="5" name="頁尾版面配置區 4"/>
+          <p:cNvSpPr>
+            <a:spLocks noGrp="1"/>
+          </p:cNvSpPr>
+          <p:nvPr>
+            <p:ph type="ftr" sz="quarter" idx="11"/>
+          </p:nvPr>
+        </p:nvSpPr>
+        <p:spPr/>
+        <p:txBody>
+          <a:bodyPr/>
+          <a:lstStyle/>
+          <a:p>
+            <a:r>
+              <a:rPr lang="en-US" altLang="zh-TW"/>
+              <a:t>NTUT CSIE</a:t>
+            </a:r>
+            <a:endParaRPr lang="zh-TW" altLang="en-US"/>
+          </a:p>
+        </p:txBody>
+      </p:sp>
+      <p:sp>
+        <p:nvSpPr>
+          <p:cNvPr id="6" name="投影片編號版面配置區 5"/>
+          <p:cNvSpPr>
+            <a:spLocks noGrp="1"/>
+          </p:cNvSpPr>
+          <p:nvPr>
+            <p:ph type="sldNum" sz="quarter" idx="12"/>
+          </p:nvPr>
+        </p:nvSpPr>
+        <p:spPr/>
+        <p:txBody>
+          <a:bodyPr/>
+          <a:lstStyle/>
+          <a:p>
+            <a:fld id="{2F9155C1-9C8C-48AF-B944-B052C67A712F}" type="slidenum">
+              <a:rPr lang="zh-TW" altLang="en-US" smtClean="0"/>
+              <a:t>46</a:t>
+            </a:fld>
+            <a:endParaRPr lang="zh-TW" altLang="en-US"/>
+          </a:p>
+        </p:txBody>
+      </p:sp>
+    </p:spTree>
+    <p:extLst>
+      <p:ext uri="{BB962C8B-B14F-4D97-AF65-F5344CB8AC3E}">
+        <p14:creationId xmlns:p14="http://schemas.microsoft.com/office/powerpoint/2010/main" val="314675502"/>
+      </p:ext>
+    </p:extLst>
+  </p:cSld>
+  <p:clrMapOvr>
+    <a:masterClrMapping/>
+  </p:clrMapOvr>
+</p:sld>
+</file>
+
+<file path=ppt/slides/slide47.xml><?xml version="1.0" encoding="utf-8"?>
+<p:sld xmlns:a="http://schemas.openxmlformats.org/drawingml/2006/main" xmlns:r="http://schemas.openxmlformats.org/officeDocument/2006/relationships" xmlns:p="http://schemas.openxmlformats.org/presentationml/2006/main">
+  <p:cSld>
+    <p:spTree>
+      <p:nvGrpSpPr>
+        <p:cNvPr id="1" name=""/>
+        <p:cNvGrpSpPr/>
+        <p:nvPr/>
+      </p:nvGrpSpPr>
+      <p:grpSpPr>
+        <a:xfrm>
+          <a:off x="0" y="0"/>
+          <a:ext cx="0" cy="0"/>
+          <a:chOff x="0" y="0"/>
+          <a:chExt cx="0" cy="0"/>
+        </a:xfrm>
+      </p:grpSpPr>
+      <p:sp>
+        <p:nvSpPr>
+          <p:cNvPr id="2" name="標題 1"/>
+          <p:cNvSpPr>
+            <a:spLocks noGrp="1"/>
+          </p:cNvSpPr>
+          <p:nvPr>
+            <p:ph type="title"/>
+          </p:nvPr>
+        </p:nvSpPr>
+        <p:spPr/>
+        <p:txBody>
+          <a:bodyPr/>
+          <a:lstStyle/>
+          <a:p>
+            <a:r>
+              <a:rPr lang="en-US" altLang="zh-TW" dirty="0"/>
+              <a:t>Thanks for Your Attention!</a:t>
+            </a:r>
+            <a:endParaRPr lang="zh-TW" altLang="en-US" dirty="0"/>
+          </a:p>
+        </p:txBody>
+      </p:sp>
+      <p:sp>
+        <p:nvSpPr>
+          <p:cNvPr id="3" name="內容版面配置區 2"/>
+          <p:cNvSpPr>
+            <a:spLocks noGrp="1"/>
+          </p:cNvSpPr>
+          <p:nvPr>
+            <p:ph idx="1"/>
+          </p:nvPr>
+        </p:nvSpPr>
+        <p:spPr/>
+        <p:txBody>
+          <a:bodyPr/>
+          <a:lstStyle/>
+          <a:p>
+            <a:endParaRPr lang="zh-TW" altLang="en-US"/>
+          </a:p>
+        </p:txBody>
+      </p:sp>
+      <p:sp>
+        <p:nvSpPr>
+          <p:cNvPr id="4" name="日期版面配置區 3"/>
+          <p:cNvSpPr>
+            <a:spLocks noGrp="1"/>
+          </p:cNvSpPr>
+          <p:nvPr>
+            <p:ph type="dt" sz="half" idx="10"/>
+          </p:nvPr>
+        </p:nvSpPr>
+        <p:spPr/>
+        <p:txBody>
+          <a:bodyPr/>
+          <a:lstStyle/>
+          <a:p>
+            <a:r>
+              <a:rPr lang="en-US" altLang="zh-TW"/>
+              <a:t>Educational Data Mining and Applications, Fall 2025</a:t>
+            </a:r>
+            <a:endParaRPr lang="zh-TW" altLang="en-US"/>
+          </a:p>
+        </p:txBody>
+      </p:sp>
+      <p:sp>
+        <p:nvSpPr>
+          <p:cNvPr id="5" name="頁尾版面配置區 4"/>
+          <p:cNvSpPr>
+            <a:spLocks noGrp="1"/>
+          </p:cNvSpPr>
+          <p:nvPr>
+            <p:ph type="ftr" sz="quarter" idx="11"/>
+          </p:nvPr>
+        </p:nvSpPr>
+        <p:spPr/>
+        <p:txBody>
+          <a:bodyPr/>
+          <a:lstStyle/>
+          <a:p>
+            <a:r>
+              <a:rPr lang="en-US" altLang="zh-TW"/>
+              <a:t>NTUT CSIE</a:t>
+            </a:r>
+            <a:endParaRPr lang="zh-TW" altLang="en-US"/>
+          </a:p>
+        </p:txBody>
+      </p:sp>
+      <p:sp>
+        <p:nvSpPr>
+          <p:cNvPr id="6" name="投影片編號版面配置區 5"/>
+          <p:cNvSpPr>
+            <a:spLocks noGrp="1"/>
+          </p:cNvSpPr>
+          <p:nvPr>
+            <p:ph type="sldNum" sz="quarter" idx="12"/>
+          </p:nvPr>
+        </p:nvSpPr>
+        <p:spPr/>
+        <p:txBody>
+          <a:bodyPr/>
+          <a:lstStyle/>
+          <a:p>
+            <a:fld id="{2F9155C1-9C8C-48AF-B944-B052C67A712F}" type="slidenum">
+              <a:rPr lang="zh-TW" altLang="en-US" smtClean="0"/>
+              <a:t>47</a:t>
             </a:fld>
             <a:endParaRPr lang="zh-TW" altLang="en-US"/>
           </a:p>
@@ -14087,13 +14156,6 @@
   <p:clrMapOvr>
     <a:masterClrMapping/>
   </p:clrMapOvr>
-  <p:timing>
-    <p:tnLst>
-      <p:par>
-        <p:cTn id="1" dur="indefinite" restart="never" nodeType="tmRoot"/>
-      </p:par>
-    </p:tnLst>
-  </p:timing>
 </p:sld>
 </file>
 
@@ -14130,7 +14192,7 @@
           <a:lstStyle/>
           <a:p>
             <a:r>
-              <a:rPr lang="en-US" altLang="zh-TW" dirty="0" smtClean="0"/>
+              <a:rPr lang="en-US" altLang="zh-TW" dirty="0"/>
               <a:t>Distributed Systems as Middleware</a:t>
             </a:r>
             <a:endParaRPr lang="zh-TW" altLang="en-US" dirty="0"/>
@@ -14219,8 +14281,8 @@
           <a:lstStyle/>
           <a:p>
             <a:r>
-              <a:rPr lang="en-US" altLang="zh-TW" smtClean="0"/>
-              <a:t>Educational Data Mining and Applications, Fall 2023</a:t>
+              <a:rPr lang="en-US" altLang="zh-TW"/>
+              <a:t>Educational Data Mining and Applications, Fall 2025</a:t>
             </a:r>
             <a:endParaRPr lang="zh-TW" altLang="en-US"/>
           </a:p>
@@ -14242,7 +14304,7 @@
           <a:lstStyle/>
           <a:p>
             <a:r>
-              <a:rPr lang="en-US" altLang="zh-TW" smtClean="0"/>
+              <a:rPr lang="en-US" altLang="zh-TW"/>
               <a:t>NTUT CSIE</a:t>
             </a:r>
             <a:endParaRPr lang="zh-TW" altLang="en-US"/>
@@ -14282,13 +14344,6 @@
   <p:clrMapOvr>
     <a:masterClrMapping/>
   </p:clrMapOvr>
-  <p:timing>
-    <p:tnLst>
-      <p:par>
-        <p:cTn id="1" dur="indefinite" restart="never" nodeType="tmRoot"/>
-      </p:par>
-    </p:tnLst>
-  </p:timing>
 </p:sld>
 </file>
 
@@ -14353,7 +14408,7 @@
           <a:p>
             <a:pPr lvl="1"/>
             <a:r>
-              <a:rPr lang="en-US" altLang="zh-TW" dirty="0" smtClean="0">
+              <a:rPr lang="en-US" altLang="zh-TW" dirty="0">
                 <a:solidFill>
                   <a:srgbClr val="0000FF"/>
                 </a:solidFill>
@@ -14361,30 +14416,18 @@
               <a:t>Concurrency</a:t>
             </a:r>
             <a:r>
-              <a:rPr lang="en-US" altLang="zh-TW" dirty="0" smtClean="0"/>
-              <a:t> </a:t>
-            </a:r>
-            <a:r>
-              <a:rPr lang="en-US" altLang="zh-TW" dirty="0"/>
-              <a:t>of components</a:t>
+              <a:rPr lang="en-US" altLang="zh-TW" dirty="0"/>
+              <a:t> of components</a:t>
             </a:r>
           </a:p>
           <a:p>
             <a:pPr lvl="1"/>
             <a:r>
-              <a:rPr lang="en-US" altLang="zh-TW" dirty="0" smtClean="0"/>
-              <a:t>Lack </a:t>
-            </a:r>
-            <a:r>
-              <a:rPr lang="en-US" altLang="zh-TW" dirty="0"/>
-              <a:t>of a global </a:t>
-            </a:r>
-            <a:r>
-              <a:rPr lang="en-US" altLang="zh-TW" dirty="0" smtClean="0"/>
-              <a:t>clock: </a:t>
-            </a:r>
-            <a:r>
-              <a:rPr lang="en-US" altLang="zh-TW" dirty="0" smtClean="0">
+              <a:rPr lang="en-US" altLang="zh-TW" dirty="0"/>
+              <a:t>Lack of a global clock: </a:t>
+            </a:r>
+            <a:r>
+              <a:rPr lang="en-US" altLang="zh-TW" dirty="0">
                 <a:solidFill>
                   <a:srgbClr val="0000FF"/>
                 </a:solidFill>
@@ -14392,27 +14435,18 @@
               <a:t>synchronization</a:t>
             </a:r>
             <a:r>
-              <a:rPr lang="en-US" altLang="zh-TW" dirty="0" smtClean="0"/>
+              <a:rPr lang="en-US" altLang="zh-TW" dirty="0"/>
               <a:t> </a:t>
             </a:r>
-            <a:endParaRPr lang="en-US" altLang="zh-TW" dirty="0"/>
           </a:p>
           <a:p>
             <a:pPr lvl="1"/>
             <a:r>
-              <a:rPr lang="en-US" altLang="zh-TW" dirty="0" smtClean="0"/>
-              <a:t>Independent </a:t>
-            </a:r>
-            <a:r>
-              <a:rPr lang="en-US" altLang="zh-TW" dirty="0"/>
-              <a:t>failure of </a:t>
-            </a:r>
-            <a:r>
-              <a:rPr lang="en-US" altLang="zh-TW" dirty="0" smtClean="0"/>
-              <a:t>components: </a:t>
-            </a:r>
-            <a:r>
-              <a:rPr lang="en-US" altLang="zh-TW" dirty="0" smtClean="0">
+              <a:rPr lang="en-US" altLang="zh-TW" dirty="0"/>
+              <a:t>Independent failure of components: </a:t>
+            </a:r>
+            <a:r>
+              <a:rPr lang="en-US" altLang="zh-TW" dirty="0">
                 <a:solidFill>
                   <a:srgbClr val="0000FF"/>
                 </a:solidFill>
@@ -14422,35 +14456,35 @@
           </a:p>
           <a:p>
             <a:r>
-              <a:rPr lang="en-US" altLang="zh-TW" dirty="0" smtClean="0"/>
+              <a:rPr lang="en-US" altLang="zh-TW" dirty="0"/>
               <a:t>Goals</a:t>
             </a:r>
           </a:p>
           <a:p>
             <a:pPr lvl="1"/>
             <a:r>
-              <a:rPr lang="en-US" altLang="zh-TW" dirty="0" smtClean="0"/>
+              <a:rPr lang="en-US" altLang="zh-TW" dirty="0"/>
               <a:t>Resource availability</a:t>
             </a:r>
           </a:p>
           <a:p>
             <a:pPr lvl="1"/>
             <a:r>
-              <a:rPr lang="en-US" altLang="zh-TW" dirty="0" smtClean="0"/>
+              <a:rPr lang="en-US" altLang="zh-TW" dirty="0"/>
               <a:t>Distribution transparency</a:t>
             </a:r>
           </a:p>
           <a:p>
             <a:pPr lvl="1"/>
             <a:r>
-              <a:rPr lang="en-US" altLang="zh-TW" dirty="0" smtClean="0"/>
+              <a:rPr lang="en-US" altLang="zh-TW" dirty="0"/>
               <a:t>Openness </a:t>
             </a:r>
           </a:p>
           <a:p>
             <a:pPr lvl="1"/>
             <a:r>
-              <a:rPr lang="en-US" altLang="zh-TW" dirty="0" smtClean="0"/>
+              <a:rPr lang="en-US" altLang="zh-TW" dirty="0"/>
               <a:t>Scalability</a:t>
             </a:r>
           </a:p>
@@ -14479,8 +14513,8 @@
           <a:lstStyle/>
           <a:p>
             <a:r>
-              <a:rPr lang="en-US" altLang="zh-TW" smtClean="0"/>
-              <a:t>Educational Data Mining and Applications, Fall 2023</a:t>
+              <a:rPr lang="en-US" altLang="zh-TW"/>
+              <a:t>Educational Data Mining and Applications, Fall 2025</a:t>
             </a:r>
             <a:endParaRPr lang="zh-TW" altLang="en-US"/>
           </a:p>
@@ -14502,7 +14536,7 @@
           <a:lstStyle/>
           <a:p>
             <a:r>
-              <a:rPr lang="en-US" altLang="zh-TW" smtClean="0"/>
+              <a:rPr lang="en-US" altLang="zh-TW"/>
               <a:t>NTUT CSIE</a:t>
             </a:r>
             <a:endParaRPr lang="zh-TW" altLang="en-US"/>
@@ -14542,13 +14576,6 @@
   <p:clrMapOvr>
     <a:masterClrMapping/>
   </p:clrMapOvr>
-  <p:timing>
-    <p:tnLst>
-      <p:par>
-        <p:cTn id="1" dur="indefinite" restart="never" nodeType="tmRoot"/>
-      </p:par>
-    </p:tnLst>
-  </p:timing>
 </p:sld>
 </file>
 
@@ -14604,18 +14631,16 @@
           <a:lstStyle/>
           <a:p>
             <a:r>
-              <a:rPr lang="en-US" altLang="zh-TW" dirty="0" smtClean="0"/>
+              <a:rPr lang="en-US" altLang="zh-TW" dirty="0"/>
               <a:t>Example architectures </a:t>
             </a:r>
-            <a:endParaRPr lang="en-US" altLang="zh-TW" dirty="0"/>
           </a:p>
           <a:p>
             <a:pPr lvl="1"/>
             <a:r>
-              <a:rPr lang="en-US" altLang="zh-TW" dirty="0" smtClean="0"/>
+              <a:rPr lang="en-US" altLang="zh-TW" dirty="0"/>
               <a:t>Centralized: client-server</a:t>
             </a:r>
-            <a:endParaRPr lang="en-US" altLang="zh-TW" dirty="0"/>
           </a:p>
           <a:p>
             <a:pPr lvl="1"/>
@@ -14627,17 +14652,16 @@
           <a:p>
             <a:pPr lvl="1"/>
             <a:r>
-              <a:rPr lang="en-US" altLang="zh-TW" dirty="0" smtClean="0"/>
+              <a:rPr lang="en-US" altLang="zh-TW" dirty="0"/>
               <a:t>Decentralized: peer-to-peer</a:t>
             </a:r>
           </a:p>
           <a:p>
             <a:pPr lvl="1"/>
             <a:r>
-              <a:rPr lang="en-US" altLang="zh-TW" dirty="0" smtClean="0"/>
+              <a:rPr lang="en-US" altLang="zh-TW" dirty="0"/>
               <a:t>Hybrid </a:t>
             </a:r>
-            <a:endParaRPr lang="en-US" altLang="zh-TW" dirty="0"/>
           </a:p>
           <a:p>
             <a:endParaRPr lang="zh-TW" altLang="en-US" dirty="0"/>
@@ -14660,8 +14684,8 @@
           <a:lstStyle/>
           <a:p>
             <a:r>
-              <a:rPr lang="en-US" altLang="zh-TW" smtClean="0"/>
-              <a:t>Educational Data Mining and Applications, Fall 2023</a:t>
+              <a:rPr lang="en-US" altLang="zh-TW"/>
+              <a:t>Educational Data Mining and Applications, Fall 2025</a:t>
             </a:r>
             <a:endParaRPr lang="zh-TW" altLang="en-US"/>
           </a:p>
@@ -14683,7 +14707,7 @@
           <a:lstStyle/>
           <a:p>
             <a:r>
-              <a:rPr lang="en-US" altLang="zh-TW" smtClean="0"/>
+              <a:rPr lang="en-US" altLang="zh-TW"/>
               <a:t>NTUT CSIE</a:t>
             </a:r>
             <a:endParaRPr lang="zh-TW" altLang="en-US"/>
@@ -14723,13 +14747,6 @@
   <p:clrMapOvr>
     <a:masterClrMapping/>
   </p:clrMapOvr>
-  <p:timing>
-    <p:tnLst>
-      <p:par>
-        <p:cTn id="1" dur="indefinite" restart="never" nodeType="tmRoot"/>
-      </p:par>
-    </p:tnLst>
-  </p:timing>
 </p:sld>
 </file>
 
@@ -14881,8 +14898,8 @@
           <a:lstStyle/>
           <a:p>
             <a:r>
-              <a:rPr lang="en-US" altLang="zh-TW" smtClean="0"/>
-              <a:t>Educational Data Mining and Applications, Fall 2023</a:t>
+              <a:rPr lang="en-US" altLang="zh-TW"/>
+              <a:t>Educational Data Mining and Applications, Fall 2025</a:t>
             </a:r>
             <a:endParaRPr lang="zh-TW" altLang="en-US"/>
           </a:p>
@@ -14904,7 +14921,7 @@
           <a:lstStyle/>
           <a:p>
             <a:r>
-              <a:rPr lang="en-US" altLang="zh-TW" smtClean="0"/>
+              <a:rPr lang="en-US" altLang="zh-TW"/>
               <a:t>NTUT CSIE</a:t>
             </a:r>
             <a:endParaRPr lang="zh-TW" altLang="en-US"/>
@@ -14944,13 +14961,6 @@
   <p:clrMapOvr>
     <a:masterClrMapping/>
   </p:clrMapOvr>
-  <p:timing>
-    <p:tnLst>
-      <p:par>
-        <p:cTn id="1" dur="indefinite" restart="never" nodeType="tmRoot"/>
-      </p:par>
-    </p:tnLst>
-  </p:timing>
 </p:sld>
 </file>
 
@@ -14987,14 +14997,11 @@
           <a:lstStyle/>
           <a:p>
             <a:r>
-              <a:rPr lang="en-US" altLang="zh-TW" dirty="0" smtClean="0">
+              <a:rPr lang="en-US" altLang="zh-TW" dirty="0">
                 <a:ea typeface="新細明體" panose="02020500000000000000" pitchFamily="18" charset="-120"/>
               </a:rPr>
               <a:t>Multi-tiered Architectures</a:t>
             </a:r>
-            <a:endParaRPr lang="en-US" altLang="zh-TW" dirty="0">
-              <a:ea typeface="新細明體" panose="02020500000000000000" pitchFamily="18" charset="-120"/>
-            </a:endParaRPr>
           </a:p>
         </p:txBody>
       </p:sp>
@@ -15185,8 +15192,8 @@
           <a:lstStyle/>
           <a:p>
             <a:r>
-              <a:rPr lang="en-US" altLang="zh-TW" smtClean="0"/>
-              <a:t>Educational Data Mining and Applications, Fall 2023</a:t>
+              <a:rPr lang="en-US" altLang="zh-TW"/>
+              <a:t>Educational Data Mining and Applications, Fall 2025</a:t>
             </a:r>
             <a:endParaRPr lang="zh-TW" altLang="en-US"/>
           </a:p>
@@ -15208,7 +15215,7 @@
           <a:lstStyle/>
           <a:p>
             <a:r>
-              <a:rPr lang="en-US" altLang="zh-TW" smtClean="0"/>
+              <a:rPr lang="en-US" altLang="zh-TW"/>
               <a:t>NTUT CSIE</a:t>
             </a:r>
             <a:endParaRPr lang="zh-TW" altLang="en-US"/>
@@ -15248,13 +15255,6 @@
   <p:clrMapOvr>
     <a:masterClrMapping/>
   </p:clrMapOvr>
-  <p:timing>
-    <p:tnLst>
-      <p:par>
-        <p:cTn id="1" dur="indefinite" restart="never" nodeType="tmRoot"/>
-      </p:par>
-    </p:tnLst>
-  </p:timing>
 </p:sld>
 </file>
 
